--- a/documentation/Presentation_edualign.pptx
+++ b/documentation/Presentation_edualign.pptx
@@ -10,7 +10,7 @@
   <p:sldIdLst>
     <p:sldId id="256" r:id="rId2"/>
     <p:sldId id="259" r:id="rId3"/>
-    <p:sldId id="260" r:id="rId4"/>
+    <p:sldId id="263" r:id="rId4"/>
     <p:sldId id="261" r:id="rId5"/>
     <p:sldId id="262" r:id="rId6"/>
   </p:sldIdLst>
@@ -25,7 +25,7 @@
       <p:boldItalic r:id="rId11"/>
     </p:embeddedFont>
     <p:embeddedFont>
-      <p:font typeface="PT Sans" panose="020B0503020203020204" pitchFamily="34" charset="0"/>
+      <p:font typeface="PT Sans" panose="020B0604020202020204" charset="0"/>
       <p:regular r:id="rId12"/>
       <p:bold r:id="rId13"/>
       <p:italic r:id="rId14"/>
@@ -261,6 +261,11 @@
       </a:defRPr>
     </a:lvl9pPr>
   </p:defaultTextStyle>
+  <p:extLst>
+    <p:ext uri="{EFAFB233-063F-42B5-8137-9DF3F51BA10A}">
+      <p15:sldGuideLst xmlns:p15="http://schemas.microsoft.com/office/powerpoint/2012/main"/>
+    </p:ext>
+  </p:extLst>
 </p:presentation>
 </file>
 
@@ -918,7 +923,7 @@
   <p:cSld>
     <p:spTree>
       <p:nvGrpSpPr>
-        <p:cNvPr id="1" name="Shape 2853"/>
+        <p:cNvPr id="1" name="Shape 2801"/>
         <p:cNvGrpSpPr/>
         <p:nvPr/>
       </p:nvGrpSpPr>
@@ -932,7 +937,7 @@
       </p:grpSpPr>
       <p:sp>
         <p:nvSpPr>
-          <p:cNvPr id="2854" name="Google Shape;2854;gedfa3e31c0_2_20399:notes"/>
+          <p:cNvPr id="2802" name="Google Shape;2802;gedfa3e31c0_2_20568:notes"/>
           <p:cNvSpPr>
             <a:spLocks noGrp="1" noRot="1" noChangeAspect="1"/>
           </p:cNvSpPr>
@@ -973,7 +978,7 @@
       </p:sp>
       <p:sp>
         <p:nvSpPr>
-          <p:cNvPr id="2855" name="Google Shape;2855;gedfa3e31c0_2_20399:notes"/>
+          <p:cNvPr id="2803" name="Google Shape;2803;gedfa3e31c0_2_20568:notes"/>
           <p:cNvSpPr txBox="1">
             <a:spLocks noGrp="1"/>
           </p:cNvSpPr>
@@ -1010,6 +1015,11 @@
         </p:txBody>
       </p:sp>
     </p:spTree>
+    <p:extLst>
+      <p:ext uri="{BB962C8B-B14F-4D97-AF65-F5344CB8AC3E}">
+        <p14:creationId xmlns:p14="http://schemas.microsoft.com/office/powerpoint/2010/main" val="76440667"/>
+      </p:ext>
+    </p:extLst>
   </p:cSld>
   <p:clrMapOvr>
     <a:masterClrMapping/>
@@ -20866,5896 +20876,6 @@
 </file>
 
 <file path=ppt/slideLayouts/slideLayout4.xml><?xml version="1.0" encoding="utf-8"?>
-<p:sldLayout xmlns:a="http://schemas.openxmlformats.org/drawingml/2006/main" xmlns:r="http://schemas.openxmlformats.org/officeDocument/2006/relationships" xmlns:p="http://schemas.openxmlformats.org/presentationml/2006/main" matchingName="Section title and description">
-  <p:cSld name="SECTION_TITLE_AND_DESCRIPTION">
-    <p:spTree>
-      <p:nvGrpSpPr>
-        <p:cNvPr id="1" name="Shape 678"/>
-        <p:cNvGrpSpPr/>
-        <p:nvPr/>
-      </p:nvGrpSpPr>
-      <p:grpSpPr>
-        <a:xfrm>
-          <a:off x="0" y="0"/>
-          <a:ext cx="0" cy="0"/>
-          <a:chOff x="0" y="0"/>
-          <a:chExt cx="0" cy="0"/>
-        </a:xfrm>
-      </p:grpSpPr>
-      <p:grpSp>
-        <p:nvGrpSpPr>
-          <p:cNvPr id="679" name="Google Shape;679;p9"/>
-          <p:cNvGrpSpPr/>
-          <p:nvPr/>
-        </p:nvGrpSpPr>
-        <p:grpSpPr>
-          <a:xfrm>
-            <a:off x="-24" y="-27"/>
-            <a:ext cx="9143711" cy="5143338"/>
-            <a:chOff x="597550" y="708125"/>
-            <a:chExt cx="6449225" cy="4193850"/>
-          </a:xfrm>
-        </p:grpSpPr>
-        <p:sp>
-          <p:nvSpPr>
-            <p:cNvPr id="680" name="Google Shape;680;p9"/>
-            <p:cNvSpPr/>
-            <p:nvPr/>
-          </p:nvSpPr>
-          <p:spPr>
-            <a:xfrm>
-              <a:off x="597550" y="4893600"/>
-              <a:ext cx="6449225" cy="8375"/>
-            </a:xfrm>
-            <a:custGeom>
-              <a:avLst/>
-              <a:gdLst/>
-              <a:ahLst/>
-              <a:cxnLst/>
-              <a:rect l="l" t="t" r="r" b="b"/>
-              <a:pathLst>
-                <a:path w="257969" h="335" extrusionOk="0">
-                  <a:moveTo>
-                    <a:pt x="0" y="1"/>
-                  </a:moveTo>
-                  <a:lnTo>
-                    <a:pt x="257969" y="1"/>
-                  </a:lnTo>
-                  <a:lnTo>
-                    <a:pt x="257969" y="335"/>
-                  </a:lnTo>
-                  <a:lnTo>
-                    <a:pt x="0" y="335"/>
-                  </a:lnTo>
-                  <a:close/>
-                </a:path>
-              </a:pathLst>
-            </a:custGeom>
-            <a:solidFill>
-              <a:srgbClr val="000000">
-                <a:alpha val="58929"/>
-              </a:srgbClr>
-            </a:solidFill>
-            <a:ln>
-              <a:noFill/>
-            </a:ln>
-          </p:spPr>
-          <p:txBody>
-            <a:bodyPr spcFirstLastPara="1" wrap="square" lIns="91425" tIns="91425" rIns="91425" bIns="91425" anchor="ctr" anchorCtr="0">
-              <a:noAutofit/>
-            </a:bodyPr>
-            <a:lstStyle/>
-            <a:p>
-              <a:pPr marL="0" lvl="0" indent="0" algn="l" rtl="0">
-                <a:spcBef>
-                  <a:spcPts val="0"/>
-                </a:spcBef>
-                <a:spcAft>
-                  <a:spcPts val="0"/>
-                </a:spcAft>
-                <a:buNone/>
-              </a:pPr>
-              <a:endParaRPr/>
-            </a:p>
-          </p:txBody>
-        </p:sp>
-        <p:sp>
-          <p:nvSpPr>
-            <p:cNvPr id="681" name="Google Shape;681;p9"/>
-            <p:cNvSpPr/>
-            <p:nvPr/>
-          </p:nvSpPr>
-          <p:spPr>
-            <a:xfrm>
-              <a:off x="597550" y="4780375"/>
-              <a:ext cx="6449225" cy="8375"/>
-            </a:xfrm>
-            <a:custGeom>
-              <a:avLst/>
-              <a:gdLst/>
-              <a:ahLst/>
-              <a:cxnLst/>
-              <a:rect l="l" t="t" r="r" b="b"/>
-              <a:pathLst>
-                <a:path w="257969" h="335" extrusionOk="0">
-                  <a:moveTo>
-                    <a:pt x="0" y="1"/>
-                  </a:moveTo>
-                  <a:lnTo>
-                    <a:pt x="257969" y="1"/>
-                  </a:lnTo>
-                  <a:lnTo>
-                    <a:pt x="257969" y="335"/>
-                  </a:lnTo>
-                  <a:lnTo>
-                    <a:pt x="0" y="335"/>
-                  </a:lnTo>
-                  <a:close/>
-                </a:path>
-              </a:pathLst>
-            </a:custGeom>
-            <a:solidFill>
-              <a:srgbClr val="000000">
-                <a:alpha val="58929"/>
-              </a:srgbClr>
-            </a:solidFill>
-            <a:ln>
-              <a:noFill/>
-            </a:ln>
-          </p:spPr>
-          <p:txBody>
-            <a:bodyPr spcFirstLastPara="1" wrap="square" lIns="91425" tIns="91425" rIns="91425" bIns="91425" anchor="ctr" anchorCtr="0">
-              <a:noAutofit/>
-            </a:bodyPr>
-            <a:lstStyle/>
-            <a:p>
-              <a:pPr marL="0" lvl="0" indent="0" algn="l" rtl="0">
-                <a:spcBef>
-                  <a:spcPts val="0"/>
-                </a:spcBef>
-                <a:spcAft>
-                  <a:spcPts val="0"/>
-                </a:spcAft>
-                <a:buNone/>
-              </a:pPr>
-              <a:endParaRPr/>
-            </a:p>
-          </p:txBody>
-        </p:sp>
-        <p:sp>
-          <p:nvSpPr>
-            <p:cNvPr id="682" name="Google Shape;682;p9"/>
-            <p:cNvSpPr/>
-            <p:nvPr/>
-          </p:nvSpPr>
-          <p:spPr>
-            <a:xfrm>
-              <a:off x="597550" y="4667150"/>
-              <a:ext cx="6449225" cy="8375"/>
-            </a:xfrm>
-            <a:custGeom>
-              <a:avLst/>
-              <a:gdLst/>
-              <a:ahLst/>
-              <a:cxnLst/>
-              <a:rect l="l" t="t" r="r" b="b"/>
-              <a:pathLst>
-                <a:path w="257969" h="335" extrusionOk="0">
-                  <a:moveTo>
-                    <a:pt x="0" y="1"/>
-                  </a:moveTo>
-                  <a:lnTo>
-                    <a:pt x="257969" y="1"/>
-                  </a:lnTo>
-                  <a:lnTo>
-                    <a:pt x="257969" y="335"/>
-                  </a:lnTo>
-                  <a:lnTo>
-                    <a:pt x="0" y="335"/>
-                  </a:lnTo>
-                  <a:close/>
-                </a:path>
-              </a:pathLst>
-            </a:custGeom>
-            <a:solidFill>
-              <a:srgbClr val="000000">
-                <a:alpha val="58929"/>
-              </a:srgbClr>
-            </a:solidFill>
-            <a:ln>
-              <a:noFill/>
-            </a:ln>
-          </p:spPr>
-          <p:txBody>
-            <a:bodyPr spcFirstLastPara="1" wrap="square" lIns="91425" tIns="91425" rIns="91425" bIns="91425" anchor="ctr" anchorCtr="0">
-              <a:noAutofit/>
-            </a:bodyPr>
-            <a:lstStyle/>
-            <a:p>
-              <a:pPr marL="0" lvl="0" indent="0" algn="l" rtl="0">
-                <a:spcBef>
-                  <a:spcPts val="0"/>
-                </a:spcBef>
-                <a:spcAft>
-                  <a:spcPts val="0"/>
-                </a:spcAft>
-                <a:buNone/>
-              </a:pPr>
-              <a:endParaRPr/>
-            </a:p>
-          </p:txBody>
-        </p:sp>
-        <p:sp>
-          <p:nvSpPr>
-            <p:cNvPr id="683" name="Google Shape;683;p9"/>
-            <p:cNvSpPr/>
-            <p:nvPr/>
-          </p:nvSpPr>
-          <p:spPr>
-            <a:xfrm>
-              <a:off x="597550" y="4553925"/>
-              <a:ext cx="6449225" cy="8400"/>
-            </a:xfrm>
-            <a:custGeom>
-              <a:avLst/>
-              <a:gdLst/>
-              <a:ahLst/>
-              <a:cxnLst/>
-              <a:rect l="l" t="t" r="r" b="b"/>
-              <a:pathLst>
-                <a:path w="257969" h="336" extrusionOk="0">
-                  <a:moveTo>
-                    <a:pt x="0" y="1"/>
-                  </a:moveTo>
-                  <a:lnTo>
-                    <a:pt x="257969" y="1"/>
-                  </a:lnTo>
-                  <a:lnTo>
-                    <a:pt x="257969" y="335"/>
-                  </a:lnTo>
-                  <a:lnTo>
-                    <a:pt x="0" y="335"/>
-                  </a:lnTo>
-                  <a:close/>
-                </a:path>
-              </a:pathLst>
-            </a:custGeom>
-            <a:solidFill>
-              <a:srgbClr val="000000">
-                <a:alpha val="58929"/>
-              </a:srgbClr>
-            </a:solidFill>
-            <a:ln>
-              <a:noFill/>
-            </a:ln>
-          </p:spPr>
-          <p:txBody>
-            <a:bodyPr spcFirstLastPara="1" wrap="square" lIns="91425" tIns="91425" rIns="91425" bIns="91425" anchor="ctr" anchorCtr="0">
-              <a:noAutofit/>
-            </a:bodyPr>
-            <a:lstStyle/>
-            <a:p>
-              <a:pPr marL="0" lvl="0" indent="0" algn="l" rtl="0">
-                <a:spcBef>
-                  <a:spcPts val="0"/>
-                </a:spcBef>
-                <a:spcAft>
-                  <a:spcPts val="0"/>
-                </a:spcAft>
-                <a:buNone/>
-              </a:pPr>
-              <a:endParaRPr/>
-            </a:p>
-          </p:txBody>
-        </p:sp>
-        <p:sp>
-          <p:nvSpPr>
-            <p:cNvPr id="684" name="Google Shape;684;p9"/>
-            <p:cNvSpPr/>
-            <p:nvPr/>
-          </p:nvSpPr>
-          <p:spPr>
-            <a:xfrm>
-              <a:off x="597550" y="4441475"/>
-              <a:ext cx="6449225" cy="7625"/>
-            </a:xfrm>
-            <a:custGeom>
-              <a:avLst/>
-              <a:gdLst/>
-              <a:ahLst/>
-              <a:cxnLst/>
-              <a:rect l="l" t="t" r="r" b="b"/>
-              <a:pathLst>
-                <a:path w="257969" h="305" extrusionOk="0">
-                  <a:moveTo>
-                    <a:pt x="0" y="0"/>
-                  </a:moveTo>
-                  <a:lnTo>
-                    <a:pt x="257969" y="0"/>
-                  </a:lnTo>
-                  <a:lnTo>
-                    <a:pt x="257969" y="304"/>
-                  </a:lnTo>
-                  <a:lnTo>
-                    <a:pt x="0" y="304"/>
-                  </a:lnTo>
-                  <a:close/>
-                </a:path>
-              </a:pathLst>
-            </a:custGeom>
-            <a:solidFill>
-              <a:srgbClr val="000000">
-                <a:alpha val="58929"/>
-              </a:srgbClr>
-            </a:solidFill>
-            <a:ln>
-              <a:noFill/>
-            </a:ln>
-          </p:spPr>
-          <p:txBody>
-            <a:bodyPr spcFirstLastPara="1" wrap="square" lIns="91425" tIns="91425" rIns="91425" bIns="91425" anchor="ctr" anchorCtr="0">
-              <a:noAutofit/>
-            </a:bodyPr>
-            <a:lstStyle/>
-            <a:p>
-              <a:pPr marL="0" lvl="0" indent="0" algn="l" rtl="0">
-                <a:spcBef>
-                  <a:spcPts val="0"/>
-                </a:spcBef>
-                <a:spcAft>
-                  <a:spcPts val="0"/>
-                </a:spcAft>
-                <a:buNone/>
-              </a:pPr>
-              <a:endParaRPr/>
-            </a:p>
-          </p:txBody>
-        </p:sp>
-        <p:sp>
-          <p:nvSpPr>
-            <p:cNvPr id="685" name="Google Shape;685;p9"/>
-            <p:cNvSpPr/>
-            <p:nvPr/>
-          </p:nvSpPr>
-          <p:spPr>
-            <a:xfrm>
-              <a:off x="597550" y="4328250"/>
-              <a:ext cx="6449225" cy="7625"/>
-            </a:xfrm>
-            <a:custGeom>
-              <a:avLst/>
-              <a:gdLst/>
-              <a:ahLst/>
-              <a:cxnLst/>
-              <a:rect l="l" t="t" r="r" b="b"/>
-              <a:pathLst>
-                <a:path w="257969" h="305" extrusionOk="0">
-                  <a:moveTo>
-                    <a:pt x="0" y="0"/>
-                  </a:moveTo>
-                  <a:lnTo>
-                    <a:pt x="257969" y="0"/>
-                  </a:lnTo>
-                  <a:lnTo>
-                    <a:pt x="257969" y="304"/>
-                  </a:lnTo>
-                  <a:lnTo>
-                    <a:pt x="0" y="304"/>
-                  </a:lnTo>
-                  <a:close/>
-                </a:path>
-              </a:pathLst>
-            </a:custGeom>
-            <a:solidFill>
-              <a:srgbClr val="000000">
-                <a:alpha val="58929"/>
-              </a:srgbClr>
-            </a:solidFill>
-            <a:ln>
-              <a:noFill/>
-            </a:ln>
-          </p:spPr>
-          <p:txBody>
-            <a:bodyPr spcFirstLastPara="1" wrap="square" lIns="91425" tIns="91425" rIns="91425" bIns="91425" anchor="ctr" anchorCtr="0">
-              <a:noAutofit/>
-            </a:bodyPr>
-            <a:lstStyle/>
-            <a:p>
-              <a:pPr marL="0" lvl="0" indent="0" algn="l" rtl="0">
-                <a:spcBef>
-                  <a:spcPts val="0"/>
-                </a:spcBef>
-                <a:spcAft>
-                  <a:spcPts val="0"/>
-                </a:spcAft>
-                <a:buNone/>
-              </a:pPr>
-              <a:endParaRPr/>
-            </a:p>
-          </p:txBody>
-        </p:sp>
-        <p:sp>
-          <p:nvSpPr>
-            <p:cNvPr id="686" name="Google Shape;686;p9"/>
-            <p:cNvSpPr/>
-            <p:nvPr/>
-          </p:nvSpPr>
-          <p:spPr>
-            <a:xfrm>
-              <a:off x="597550" y="4215025"/>
-              <a:ext cx="6449225" cy="7625"/>
-            </a:xfrm>
-            <a:custGeom>
-              <a:avLst/>
-              <a:gdLst/>
-              <a:ahLst/>
-              <a:cxnLst/>
-              <a:rect l="l" t="t" r="r" b="b"/>
-              <a:pathLst>
-                <a:path w="257969" h="305" extrusionOk="0">
-                  <a:moveTo>
-                    <a:pt x="0" y="0"/>
-                  </a:moveTo>
-                  <a:lnTo>
-                    <a:pt x="257969" y="0"/>
-                  </a:lnTo>
-                  <a:lnTo>
-                    <a:pt x="257969" y="304"/>
-                  </a:lnTo>
-                  <a:lnTo>
-                    <a:pt x="0" y="304"/>
-                  </a:lnTo>
-                  <a:close/>
-                </a:path>
-              </a:pathLst>
-            </a:custGeom>
-            <a:solidFill>
-              <a:srgbClr val="000000">
-                <a:alpha val="58929"/>
-              </a:srgbClr>
-            </a:solidFill>
-            <a:ln>
-              <a:noFill/>
-            </a:ln>
-          </p:spPr>
-          <p:txBody>
-            <a:bodyPr spcFirstLastPara="1" wrap="square" lIns="91425" tIns="91425" rIns="91425" bIns="91425" anchor="ctr" anchorCtr="0">
-              <a:noAutofit/>
-            </a:bodyPr>
-            <a:lstStyle/>
-            <a:p>
-              <a:pPr marL="0" lvl="0" indent="0" algn="l" rtl="0">
-                <a:spcBef>
-                  <a:spcPts val="0"/>
-                </a:spcBef>
-                <a:spcAft>
-                  <a:spcPts val="0"/>
-                </a:spcAft>
-                <a:buNone/>
-              </a:pPr>
-              <a:endParaRPr/>
-            </a:p>
-          </p:txBody>
-        </p:sp>
-        <p:sp>
-          <p:nvSpPr>
-            <p:cNvPr id="687" name="Google Shape;687;p9"/>
-            <p:cNvSpPr/>
-            <p:nvPr/>
-          </p:nvSpPr>
-          <p:spPr>
-            <a:xfrm>
-              <a:off x="597550" y="4101800"/>
-              <a:ext cx="6449225" cy="8375"/>
-            </a:xfrm>
-            <a:custGeom>
-              <a:avLst/>
-              <a:gdLst/>
-              <a:ahLst/>
-              <a:cxnLst/>
-              <a:rect l="l" t="t" r="r" b="b"/>
-              <a:pathLst>
-                <a:path w="257969" h="335" extrusionOk="0">
-                  <a:moveTo>
-                    <a:pt x="0" y="0"/>
-                  </a:moveTo>
-                  <a:lnTo>
-                    <a:pt x="257969" y="0"/>
-                  </a:lnTo>
-                  <a:lnTo>
-                    <a:pt x="257969" y="335"/>
-                  </a:lnTo>
-                  <a:lnTo>
-                    <a:pt x="0" y="335"/>
-                  </a:lnTo>
-                  <a:close/>
-                </a:path>
-              </a:pathLst>
-            </a:custGeom>
-            <a:solidFill>
-              <a:srgbClr val="000000">
-                <a:alpha val="58929"/>
-              </a:srgbClr>
-            </a:solidFill>
-            <a:ln>
-              <a:noFill/>
-            </a:ln>
-          </p:spPr>
-          <p:txBody>
-            <a:bodyPr spcFirstLastPara="1" wrap="square" lIns="91425" tIns="91425" rIns="91425" bIns="91425" anchor="ctr" anchorCtr="0">
-              <a:noAutofit/>
-            </a:bodyPr>
-            <a:lstStyle/>
-            <a:p>
-              <a:pPr marL="0" lvl="0" indent="0" algn="l" rtl="0">
-                <a:spcBef>
-                  <a:spcPts val="0"/>
-                </a:spcBef>
-                <a:spcAft>
-                  <a:spcPts val="0"/>
-                </a:spcAft>
-                <a:buNone/>
-              </a:pPr>
-              <a:endParaRPr/>
-            </a:p>
-          </p:txBody>
-        </p:sp>
-        <p:sp>
-          <p:nvSpPr>
-            <p:cNvPr id="688" name="Google Shape;688;p9"/>
-            <p:cNvSpPr/>
-            <p:nvPr/>
-          </p:nvSpPr>
-          <p:spPr>
-            <a:xfrm>
-              <a:off x="597550" y="3988575"/>
-              <a:ext cx="6449225" cy="8375"/>
-            </a:xfrm>
-            <a:custGeom>
-              <a:avLst/>
-              <a:gdLst/>
-              <a:ahLst/>
-              <a:cxnLst/>
-              <a:rect l="l" t="t" r="r" b="b"/>
-              <a:pathLst>
-                <a:path w="257969" h="335" extrusionOk="0">
-                  <a:moveTo>
-                    <a:pt x="0" y="0"/>
-                  </a:moveTo>
-                  <a:lnTo>
-                    <a:pt x="257969" y="0"/>
-                  </a:lnTo>
-                  <a:lnTo>
-                    <a:pt x="257969" y="335"/>
-                  </a:lnTo>
-                  <a:lnTo>
-                    <a:pt x="0" y="335"/>
-                  </a:lnTo>
-                  <a:close/>
-                </a:path>
-              </a:pathLst>
-            </a:custGeom>
-            <a:solidFill>
-              <a:srgbClr val="000000">
-                <a:alpha val="58929"/>
-              </a:srgbClr>
-            </a:solidFill>
-            <a:ln>
-              <a:noFill/>
-            </a:ln>
-          </p:spPr>
-          <p:txBody>
-            <a:bodyPr spcFirstLastPara="1" wrap="square" lIns="91425" tIns="91425" rIns="91425" bIns="91425" anchor="ctr" anchorCtr="0">
-              <a:noAutofit/>
-            </a:bodyPr>
-            <a:lstStyle/>
-            <a:p>
-              <a:pPr marL="0" lvl="0" indent="0" algn="l" rtl="0">
-                <a:spcBef>
-                  <a:spcPts val="0"/>
-                </a:spcBef>
-                <a:spcAft>
-                  <a:spcPts val="0"/>
-                </a:spcAft>
-                <a:buNone/>
-              </a:pPr>
-              <a:endParaRPr/>
-            </a:p>
-          </p:txBody>
-        </p:sp>
-        <p:sp>
-          <p:nvSpPr>
-            <p:cNvPr id="689" name="Google Shape;689;p9"/>
-            <p:cNvSpPr/>
-            <p:nvPr/>
-          </p:nvSpPr>
-          <p:spPr>
-            <a:xfrm>
-              <a:off x="597550" y="3875350"/>
-              <a:ext cx="6449225" cy="8375"/>
-            </a:xfrm>
-            <a:custGeom>
-              <a:avLst/>
-              <a:gdLst/>
-              <a:ahLst/>
-              <a:cxnLst/>
-              <a:rect l="l" t="t" r="r" b="b"/>
-              <a:pathLst>
-                <a:path w="257969" h="335" extrusionOk="0">
-                  <a:moveTo>
-                    <a:pt x="0" y="0"/>
-                  </a:moveTo>
-                  <a:lnTo>
-                    <a:pt x="257969" y="0"/>
-                  </a:lnTo>
-                  <a:lnTo>
-                    <a:pt x="257969" y="335"/>
-                  </a:lnTo>
-                  <a:lnTo>
-                    <a:pt x="0" y="335"/>
-                  </a:lnTo>
-                  <a:close/>
-                </a:path>
-              </a:pathLst>
-            </a:custGeom>
-            <a:solidFill>
-              <a:srgbClr val="000000">
-                <a:alpha val="58929"/>
-              </a:srgbClr>
-            </a:solidFill>
-            <a:ln>
-              <a:noFill/>
-            </a:ln>
-          </p:spPr>
-          <p:txBody>
-            <a:bodyPr spcFirstLastPara="1" wrap="square" lIns="91425" tIns="91425" rIns="91425" bIns="91425" anchor="ctr" anchorCtr="0">
-              <a:noAutofit/>
-            </a:bodyPr>
-            <a:lstStyle/>
-            <a:p>
-              <a:pPr marL="0" lvl="0" indent="0" algn="l" rtl="0">
-                <a:spcBef>
-                  <a:spcPts val="0"/>
-                </a:spcBef>
-                <a:spcAft>
-                  <a:spcPts val="0"/>
-                </a:spcAft>
-                <a:buNone/>
-              </a:pPr>
-              <a:endParaRPr/>
-            </a:p>
-          </p:txBody>
-        </p:sp>
-        <p:sp>
-          <p:nvSpPr>
-            <p:cNvPr id="690" name="Google Shape;690;p9"/>
-            <p:cNvSpPr/>
-            <p:nvPr/>
-          </p:nvSpPr>
-          <p:spPr>
-            <a:xfrm>
-              <a:off x="597550" y="3762125"/>
-              <a:ext cx="6449225" cy="8375"/>
-            </a:xfrm>
-            <a:custGeom>
-              <a:avLst/>
-              <a:gdLst/>
-              <a:ahLst/>
-              <a:cxnLst/>
-              <a:rect l="l" t="t" r="r" b="b"/>
-              <a:pathLst>
-                <a:path w="257969" h="335" extrusionOk="0">
-                  <a:moveTo>
-                    <a:pt x="0" y="0"/>
-                  </a:moveTo>
-                  <a:lnTo>
-                    <a:pt x="257969" y="0"/>
-                  </a:lnTo>
-                  <a:lnTo>
-                    <a:pt x="257969" y="335"/>
-                  </a:lnTo>
-                  <a:lnTo>
-                    <a:pt x="0" y="335"/>
-                  </a:lnTo>
-                  <a:close/>
-                </a:path>
-              </a:pathLst>
-            </a:custGeom>
-            <a:solidFill>
-              <a:srgbClr val="000000">
-                <a:alpha val="58929"/>
-              </a:srgbClr>
-            </a:solidFill>
-            <a:ln>
-              <a:noFill/>
-            </a:ln>
-          </p:spPr>
-          <p:txBody>
-            <a:bodyPr spcFirstLastPara="1" wrap="square" lIns="91425" tIns="91425" rIns="91425" bIns="91425" anchor="ctr" anchorCtr="0">
-              <a:noAutofit/>
-            </a:bodyPr>
-            <a:lstStyle/>
-            <a:p>
-              <a:pPr marL="0" lvl="0" indent="0" algn="l" rtl="0">
-                <a:spcBef>
-                  <a:spcPts val="0"/>
-                </a:spcBef>
-                <a:spcAft>
-                  <a:spcPts val="0"/>
-                </a:spcAft>
-                <a:buNone/>
-              </a:pPr>
-              <a:endParaRPr/>
-            </a:p>
-          </p:txBody>
-        </p:sp>
-        <p:sp>
-          <p:nvSpPr>
-            <p:cNvPr id="691" name="Google Shape;691;p9"/>
-            <p:cNvSpPr/>
-            <p:nvPr/>
-          </p:nvSpPr>
-          <p:spPr>
-            <a:xfrm>
-              <a:off x="597550" y="3649650"/>
-              <a:ext cx="6449225" cy="7625"/>
-            </a:xfrm>
-            <a:custGeom>
-              <a:avLst/>
-              <a:gdLst/>
-              <a:ahLst/>
-              <a:cxnLst/>
-              <a:rect l="l" t="t" r="r" b="b"/>
-              <a:pathLst>
-                <a:path w="257969" h="305" extrusionOk="0">
-                  <a:moveTo>
-                    <a:pt x="0" y="1"/>
-                  </a:moveTo>
-                  <a:lnTo>
-                    <a:pt x="257969" y="1"/>
-                  </a:lnTo>
-                  <a:lnTo>
-                    <a:pt x="257969" y="305"/>
-                  </a:lnTo>
-                  <a:lnTo>
-                    <a:pt x="0" y="305"/>
-                  </a:lnTo>
-                  <a:close/>
-                </a:path>
-              </a:pathLst>
-            </a:custGeom>
-            <a:solidFill>
-              <a:srgbClr val="000000">
-                <a:alpha val="58929"/>
-              </a:srgbClr>
-            </a:solidFill>
-            <a:ln>
-              <a:noFill/>
-            </a:ln>
-          </p:spPr>
-          <p:txBody>
-            <a:bodyPr spcFirstLastPara="1" wrap="square" lIns="91425" tIns="91425" rIns="91425" bIns="91425" anchor="ctr" anchorCtr="0">
-              <a:noAutofit/>
-            </a:bodyPr>
-            <a:lstStyle/>
-            <a:p>
-              <a:pPr marL="0" lvl="0" indent="0" algn="l" rtl="0">
-                <a:spcBef>
-                  <a:spcPts val="0"/>
-                </a:spcBef>
-                <a:spcAft>
-                  <a:spcPts val="0"/>
-                </a:spcAft>
-                <a:buNone/>
-              </a:pPr>
-              <a:endParaRPr/>
-            </a:p>
-          </p:txBody>
-        </p:sp>
-        <p:sp>
-          <p:nvSpPr>
-            <p:cNvPr id="692" name="Google Shape;692;p9"/>
-            <p:cNvSpPr/>
-            <p:nvPr/>
-          </p:nvSpPr>
-          <p:spPr>
-            <a:xfrm>
-              <a:off x="597550" y="3536425"/>
-              <a:ext cx="6449225" cy="7625"/>
-            </a:xfrm>
-            <a:custGeom>
-              <a:avLst/>
-              <a:gdLst/>
-              <a:ahLst/>
-              <a:cxnLst/>
-              <a:rect l="l" t="t" r="r" b="b"/>
-              <a:pathLst>
-                <a:path w="257969" h="305" extrusionOk="0">
-                  <a:moveTo>
-                    <a:pt x="0" y="1"/>
-                  </a:moveTo>
-                  <a:lnTo>
-                    <a:pt x="257969" y="1"/>
-                  </a:lnTo>
-                  <a:lnTo>
-                    <a:pt x="257969" y="305"/>
-                  </a:lnTo>
-                  <a:lnTo>
-                    <a:pt x="0" y="305"/>
-                  </a:lnTo>
-                  <a:close/>
-                </a:path>
-              </a:pathLst>
-            </a:custGeom>
-            <a:solidFill>
-              <a:srgbClr val="000000">
-                <a:alpha val="58929"/>
-              </a:srgbClr>
-            </a:solidFill>
-            <a:ln>
-              <a:noFill/>
-            </a:ln>
-          </p:spPr>
-          <p:txBody>
-            <a:bodyPr spcFirstLastPara="1" wrap="square" lIns="91425" tIns="91425" rIns="91425" bIns="91425" anchor="ctr" anchorCtr="0">
-              <a:noAutofit/>
-            </a:bodyPr>
-            <a:lstStyle/>
-            <a:p>
-              <a:pPr marL="0" lvl="0" indent="0" algn="l" rtl="0">
-                <a:spcBef>
-                  <a:spcPts val="0"/>
-                </a:spcBef>
-                <a:spcAft>
-                  <a:spcPts val="0"/>
-                </a:spcAft>
-                <a:buNone/>
-              </a:pPr>
-              <a:endParaRPr/>
-            </a:p>
-          </p:txBody>
-        </p:sp>
-        <p:sp>
-          <p:nvSpPr>
-            <p:cNvPr id="693" name="Google Shape;693;p9"/>
-            <p:cNvSpPr/>
-            <p:nvPr/>
-          </p:nvSpPr>
-          <p:spPr>
-            <a:xfrm>
-              <a:off x="597550" y="3423225"/>
-              <a:ext cx="6449225" cy="8375"/>
-            </a:xfrm>
-            <a:custGeom>
-              <a:avLst/>
-              <a:gdLst/>
-              <a:ahLst/>
-              <a:cxnLst/>
-              <a:rect l="l" t="t" r="r" b="b"/>
-              <a:pathLst>
-                <a:path w="257969" h="335" extrusionOk="0">
-                  <a:moveTo>
-                    <a:pt x="0" y="0"/>
-                  </a:moveTo>
-                  <a:lnTo>
-                    <a:pt x="257969" y="0"/>
-                  </a:lnTo>
-                  <a:lnTo>
-                    <a:pt x="257969" y="334"/>
-                  </a:lnTo>
-                  <a:lnTo>
-                    <a:pt x="0" y="334"/>
-                  </a:lnTo>
-                  <a:close/>
-                </a:path>
-              </a:pathLst>
-            </a:custGeom>
-            <a:solidFill>
-              <a:srgbClr val="000000">
-                <a:alpha val="58929"/>
-              </a:srgbClr>
-            </a:solidFill>
-            <a:ln>
-              <a:noFill/>
-            </a:ln>
-          </p:spPr>
-          <p:txBody>
-            <a:bodyPr spcFirstLastPara="1" wrap="square" lIns="91425" tIns="91425" rIns="91425" bIns="91425" anchor="ctr" anchorCtr="0">
-              <a:noAutofit/>
-            </a:bodyPr>
-            <a:lstStyle/>
-            <a:p>
-              <a:pPr marL="0" lvl="0" indent="0" algn="l" rtl="0">
-                <a:spcBef>
-                  <a:spcPts val="0"/>
-                </a:spcBef>
-                <a:spcAft>
-                  <a:spcPts val="0"/>
-                </a:spcAft>
-                <a:buNone/>
-              </a:pPr>
-              <a:endParaRPr/>
-            </a:p>
-          </p:txBody>
-        </p:sp>
-        <p:sp>
-          <p:nvSpPr>
-            <p:cNvPr id="694" name="Google Shape;694;p9"/>
-            <p:cNvSpPr/>
-            <p:nvPr/>
-          </p:nvSpPr>
-          <p:spPr>
-            <a:xfrm>
-              <a:off x="597550" y="3310000"/>
-              <a:ext cx="6449225" cy="8375"/>
-            </a:xfrm>
-            <a:custGeom>
-              <a:avLst/>
-              <a:gdLst/>
-              <a:ahLst/>
-              <a:cxnLst/>
-              <a:rect l="l" t="t" r="r" b="b"/>
-              <a:pathLst>
-                <a:path w="257969" h="335" extrusionOk="0">
-                  <a:moveTo>
-                    <a:pt x="0" y="0"/>
-                  </a:moveTo>
-                  <a:lnTo>
-                    <a:pt x="257969" y="0"/>
-                  </a:lnTo>
-                  <a:lnTo>
-                    <a:pt x="257969" y="334"/>
-                  </a:lnTo>
-                  <a:lnTo>
-                    <a:pt x="0" y="334"/>
-                  </a:lnTo>
-                  <a:close/>
-                </a:path>
-              </a:pathLst>
-            </a:custGeom>
-            <a:solidFill>
-              <a:srgbClr val="000000">
-                <a:alpha val="58929"/>
-              </a:srgbClr>
-            </a:solidFill>
-            <a:ln>
-              <a:noFill/>
-            </a:ln>
-          </p:spPr>
-          <p:txBody>
-            <a:bodyPr spcFirstLastPara="1" wrap="square" lIns="91425" tIns="91425" rIns="91425" bIns="91425" anchor="ctr" anchorCtr="0">
-              <a:noAutofit/>
-            </a:bodyPr>
-            <a:lstStyle/>
-            <a:p>
-              <a:pPr marL="0" lvl="0" indent="0" algn="l" rtl="0">
-                <a:spcBef>
-                  <a:spcPts val="0"/>
-                </a:spcBef>
-                <a:spcAft>
-                  <a:spcPts val="0"/>
-                </a:spcAft>
-                <a:buNone/>
-              </a:pPr>
-              <a:endParaRPr/>
-            </a:p>
-          </p:txBody>
-        </p:sp>
-        <p:sp>
-          <p:nvSpPr>
-            <p:cNvPr id="695" name="Google Shape;695;p9"/>
-            <p:cNvSpPr/>
-            <p:nvPr/>
-          </p:nvSpPr>
-          <p:spPr>
-            <a:xfrm>
-              <a:off x="597550" y="3196775"/>
-              <a:ext cx="6449225" cy="8375"/>
-            </a:xfrm>
-            <a:custGeom>
-              <a:avLst/>
-              <a:gdLst/>
-              <a:ahLst/>
-              <a:cxnLst/>
-              <a:rect l="l" t="t" r="r" b="b"/>
-              <a:pathLst>
-                <a:path w="257969" h="335" extrusionOk="0">
-                  <a:moveTo>
-                    <a:pt x="0" y="0"/>
-                  </a:moveTo>
-                  <a:lnTo>
-                    <a:pt x="257969" y="0"/>
-                  </a:lnTo>
-                  <a:lnTo>
-                    <a:pt x="257969" y="334"/>
-                  </a:lnTo>
-                  <a:lnTo>
-                    <a:pt x="0" y="334"/>
-                  </a:lnTo>
-                  <a:close/>
-                </a:path>
-              </a:pathLst>
-            </a:custGeom>
-            <a:solidFill>
-              <a:srgbClr val="000000">
-                <a:alpha val="58929"/>
-              </a:srgbClr>
-            </a:solidFill>
-            <a:ln>
-              <a:noFill/>
-            </a:ln>
-          </p:spPr>
-          <p:txBody>
-            <a:bodyPr spcFirstLastPara="1" wrap="square" lIns="91425" tIns="91425" rIns="91425" bIns="91425" anchor="ctr" anchorCtr="0">
-              <a:noAutofit/>
-            </a:bodyPr>
-            <a:lstStyle/>
-            <a:p>
-              <a:pPr marL="0" lvl="0" indent="0" algn="l" rtl="0">
-                <a:spcBef>
-                  <a:spcPts val="0"/>
-                </a:spcBef>
-                <a:spcAft>
-                  <a:spcPts val="0"/>
-                </a:spcAft>
-                <a:buNone/>
-              </a:pPr>
-              <a:endParaRPr/>
-            </a:p>
-          </p:txBody>
-        </p:sp>
-        <p:sp>
-          <p:nvSpPr>
-            <p:cNvPr id="696" name="Google Shape;696;p9"/>
-            <p:cNvSpPr/>
-            <p:nvPr/>
-          </p:nvSpPr>
-          <p:spPr>
-            <a:xfrm>
-              <a:off x="597550" y="3083550"/>
-              <a:ext cx="6449225" cy="8375"/>
-            </a:xfrm>
-            <a:custGeom>
-              <a:avLst/>
-              <a:gdLst/>
-              <a:ahLst/>
-              <a:cxnLst/>
-              <a:rect l="l" t="t" r="r" b="b"/>
-              <a:pathLst>
-                <a:path w="257969" h="335" extrusionOk="0">
-                  <a:moveTo>
-                    <a:pt x="0" y="0"/>
-                  </a:moveTo>
-                  <a:lnTo>
-                    <a:pt x="257969" y="0"/>
-                  </a:lnTo>
-                  <a:lnTo>
-                    <a:pt x="257969" y="335"/>
-                  </a:lnTo>
-                  <a:lnTo>
-                    <a:pt x="0" y="335"/>
-                  </a:lnTo>
-                  <a:close/>
-                </a:path>
-              </a:pathLst>
-            </a:custGeom>
-            <a:solidFill>
-              <a:srgbClr val="000000">
-                <a:alpha val="58929"/>
-              </a:srgbClr>
-            </a:solidFill>
-            <a:ln>
-              <a:noFill/>
-            </a:ln>
-          </p:spPr>
-          <p:txBody>
-            <a:bodyPr spcFirstLastPara="1" wrap="square" lIns="91425" tIns="91425" rIns="91425" bIns="91425" anchor="ctr" anchorCtr="0">
-              <a:noAutofit/>
-            </a:bodyPr>
-            <a:lstStyle/>
-            <a:p>
-              <a:pPr marL="0" lvl="0" indent="0" algn="l" rtl="0">
-                <a:spcBef>
-                  <a:spcPts val="0"/>
-                </a:spcBef>
-                <a:spcAft>
-                  <a:spcPts val="0"/>
-                </a:spcAft>
-                <a:buNone/>
-              </a:pPr>
-              <a:endParaRPr/>
-            </a:p>
-          </p:txBody>
-        </p:sp>
-        <p:sp>
-          <p:nvSpPr>
-            <p:cNvPr id="697" name="Google Shape;697;p9"/>
-            <p:cNvSpPr/>
-            <p:nvPr/>
-          </p:nvSpPr>
-          <p:spPr>
-            <a:xfrm>
-              <a:off x="597550" y="2970325"/>
-              <a:ext cx="6449225" cy="8375"/>
-            </a:xfrm>
-            <a:custGeom>
-              <a:avLst/>
-              <a:gdLst/>
-              <a:ahLst/>
-              <a:cxnLst/>
-              <a:rect l="l" t="t" r="r" b="b"/>
-              <a:pathLst>
-                <a:path w="257969" h="335" extrusionOk="0">
-                  <a:moveTo>
-                    <a:pt x="0" y="0"/>
-                  </a:moveTo>
-                  <a:lnTo>
-                    <a:pt x="257969" y="0"/>
-                  </a:lnTo>
-                  <a:lnTo>
-                    <a:pt x="257969" y="335"/>
-                  </a:lnTo>
-                  <a:lnTo>
-                    <a:pt x="0" y="335"/>
-                  </a:lnTo>
-                  <a:close/>
-                </a:path>
-              </a:pathLst>
-            </a:custGeom>
-            <a:solidFill>
-              <a:srgbClr val="000000">
-                <a:alpha val="58929"/>
-              </a:srgbClr>
-            </a:solidFill>
-            <a:ln>
-              <a:noFill/>
-            </a:ln>
-          </p:spPr>
-          <p:txBody>
-            <a:bodyPr spcFirstLastPara="1" wrap="square" lIns="91425" tIns="91425" rIns="91425" bIns="91425" anchor="ctr" anchorCtr="0">
-              <a:noAutofit/>
-            </a:bodyPr>
-            <a:lstStyle/>
-            <a:p>
-              <a:pPr marL="0" lvl="0" indent="0" algn="l" rtl="0">
-                <a:spcBef>
-                  <a:spcPts val="0"/>
-                </a:spcBef>
-                <a:spcAft>
-                  <a:spcPts val="0"/>
-                </a:spcAft>
-                <a:buNone/>
-              </a:pPr>
-              <a:endParaRPr/>
-            </a:p>
-          </p:txBody>
-        </p:sp>
-        <p:sp>
-          <p:nvSpPr>
-            <p:cNvPr id="698" name="Google Shape;698;p9"/>
-            <p:cNvSpPr/>
-            <p:nvPr/>
-          </p:nvSpPr>
-          <p:spPr>
-            <a:xfrm>
-              <a:off x="597550" y="2857850"/>
-              <a:ext cx="6449225" cy="7625"/>
-            </a:xfrm>
-            <a:custGeom>
-              <a:avLst/>
-              <a:gdLst/>
-              <a:ahLst/>
-              <a:cxnLst/>
-              <a:rect l="l" t="t" r="r" b="b"/>
-              <a:pathLst>
-                <a:path w="257969" h="305" extrusionOk="0">
-                  <a:moveTo>
-                    <a:pt x="0" y="1"/>
-                  </a:moveTo>
-                  <a:lnTo>
-                    <a:pt x="257969" y="1"/>
-                  </a:lnTo>
-                  <a:lnTo>
-                    <a:pt x="257969" y="305"/>
-                  </a:lnTo>
-                  <a:lnTo>
-                    <a:pt x="0" y="305"/>
-                  </a:lnTo>
-                  <a:close/>
-                </a:path>
-              </a:pathLst>
-            </a:custGeom>
-            <a:solidFill>
-              <a:srgbClr val="000000">
-                <a:alpha val="58929"/>
-              </a:srgbClr>
-            </a:solidFill>
-            <a:ln>
-              <a:noFill/>
-            </a:ln>
-          </p:spPr>
-          <p:txBody>
-            <a:bodyPr spcFirstLastPara="1" wrap="square" lIns="91425" tIns="91425" rIns="91425" bIns="91425" anchor="ctr" anchorCtr="0">
-              <a:noAutofit/>
-            </a:bodyPr>
-            <a:lstStyle/>
-            <a:p>
-              <a:pPr marL="0" lvl="0" indent="0" algn="l" rtl="0">
-                <a:spcBef>
-                  <a:spcPts val="0"/>
-                </a:spcBef>
-                <a:spcAft>
-                  <a:spcPts val="0"/>
-                </a:spcAft>
-                <a:buNone/>
-              </a:pPr>
-              <a:endParaRPr/>
-            </a:p>
-          </p:txBody>
-        </p:sp>
-        <p:sp>
-          <p:nvSpPr>
-            <p:cNvPr id="699" name="Google Shape;699;p9"/>
-            <p:cNvSpPr/>
-            <p:nvPr/>
-          </p:nvSpPr>
-          <p:spPr>
-            <a:xfrm>
-              <a:off x="597550" y="2744625"/>
-              <a:ext cx="6449225" cy="7625"/>
-            </a:xfrm>
-            <a:custGeom>
-              <a:avLst/>
-              <a:gdLst/>
-              <a:ahLst/>
-              <a:cxnLst/>
-              <a:rect l="l" t="t" r="r" b="b"/>
-              <a:pathLst>
-                <a:path w="257969" h="305" extrusionOk="0">
-                  <a:moveTo>
-                    <a:pt x="0" y="1"/>
-                  </a:moveTo>
-                  <a:lnTo>
-                    <a:pt x="257969" y="1"/>
-                  </a:lnTo>
-                  <a:lnTo>
-                    <a:pt x="257969" y="305"/>
-                  </a:lnTo>
-                  <a:lnTo>
-                    <a:pt x="0" y="305"/>
-                  </a:lnTo>
-                  <a:close/>
-                </a:path>
-              </a:pathLst>
-            </a:custGeom>
-            <a:solidFill>
-              <a:srgbClr val="000000">
-                <a:alpha val="58929"/>
-              </a:srgbClr>
-            </a:solidFill>
-            <a:ln>
-              <a:noFill/>
-            </a:ln>
-          </p:spPr>
-          <p:txBody>
-            <a:bodyPr spcFirstLastPara="1" wrap="square" lIns="91425" tIns="91425" rIns="91425" bIns="91425" anchor="ctr" anchorCtr="0">
-              <a:noAutofit/>
-            </a:bodyPr>
-            <a:lstStyle/>
-            <a:p>
-              <a:pPr marL="0" lvl="0" indent="0" algn="l" rtl="0">
-                <a:spcBef>
-                  <a:spcPts val="0"/>
-                </a:spcBef>
-                <a:spcAft>
-                  <a:spcPts val="0"/>
-                </a:spcAft>
-                <a:buNone/>
-              </a:pPr>
-              <a:endParaRPr/>
-            </a:p>
-          </p:txBody>
-        </p:sp>
-        <p:sp>
-          <p:nvSpPr>
-            <p:cNvPr id="700" name="Google Shape;700;p9"/>
-            <p:cNvSpPr/>
-            <p:nvPr/>
-          </p:nvSpPr>
-          <p:spPr>
-            <a:xfrm>
-              <a:off x="597550" y="2631400"/>
-              <a:ext cx="6449225" cy="8400"/>
-            </a:xfrm>
-            <a:custGeom>
-              <a:avLst/>
-              <a:gdLst/>
-              <a:ahLst/>
-              <a:cxnLst/>
-              <a:rect l="l" t="t" r="r" b="b"/>
-              <a:pathLst>
-                <a:path w="257969" h="336" extrusionOk="0">
-                  <a:moveTo>
-                    <a:pt x="0" y="1"/>
-                  </a:moveTo>
-                  <a:lnTo>
-                    <a:pt x="257969" y="1"/>
-                  </a:lnTo>
-                  <a:lnTo>
-                    <a:pt x="257969" y="335"/>
-                  </a:lnTo>
-                  <a:lnTo>
-                    <a:pt x="0" y="335"/>
-                  </a:lnTo>
-                  <a:close/>
-                </a:path>
-              </a:pathLst>
-            </a:custGeom>
-            <a:solidFill>
-              <a:srgbClr val="000000">
-                <a:alpha val="58929"/>
-              </a:srgbClr>
-            </a:solidFill>
-            <a:ln>
-              <a:noFill/>
-            </a:ln>
-          </p:spPr>
-          <p:txBody>
-            <a:bodyPr spcFirstLastPara="1" wrap="square" lIns="91425" tIns="91425" rIns="91425" bIns="91425" anchor="ctr" anchorCtr="0">
-              <a:noAutofit/>
-            </a:bodyPr>
-            <a:lstStyle/>
-            <a:p>
-              <a:pPr marL="0" lvl="0" indent="0" algn="l" rtl="0">
-                <a:spcBef>
-                  <a:spcPts val="0"/>
-                </a:spcBef>
-                <a:spcAft>
-                  <a:spcPts val="0"/>
-                </a:spcAft>
-                <a:buNone/>
-              </a:pPr>
-              <a:endParaRPr/>
-            </a:p>
-          </p:txBody>
-        </p:sp>
-        <p:sp>
-          <p:nvSpPr>
-            <p:cNvPr id="701" name="Google Shape;701;p9"/>
-            <p:cNvSpPr/>
-            <p:nvPr/>
-          </p:nvSpPr>
-          <p:spPr>
-            <a:xfrm>
-              <a:off x="597550" y="2518175"/>
-              <a:ext cx="6449225" cy="8400"/>
-            </a:xfrm>
-            <a:custGeom>
-              <a:avLst/>
-              <a:gdLst/>
-              <a:ahLst/>
-              <a:cxnLst/>
-              <a:rect l="l" t="t" r="r" b="b"/>
-              <a:pathLst>
-                <a:path w="257969" h="336" extrusionOk="0">
-                  <a:moveTo>
-                    <a:pt x="0" y="1"/>
-                  </a:moveTo>
-                  <a:lnTo>
-                    <a:pt x="257969" y="1"/>
-                  </a:lnTo>
-                  <a:lnTo>
-                    <a:pt x="257969" y="335"/>
-                  </a:lnTo>
-                  <a:lnTo>
-                    <a:pt x="0" y="335"/>
-                  </a:lnTo>
-                  <a:close/>
-                </a:path>
-              </a:pathLst>
-            </a:custGeom>
-            <a:solidFill>
-              <a:srgbClr val="000000">
-                <a:alpha val="58929"/>
-              </a:srgbClr>
-            </a:solidFill>
-            <a:ln>
-              <a:noFill/>
-            </a:ln>
-          </p:spPr>
-          <p:txBody>
-            <a:bodyPr spcFirstLastPara="1" wrap="square" lIns="91425" tIns="91425" rIns="91425" bIns="91425" anchor="ctr" anchorCtr="0">
-              <a:noAutofit/>
-            </a:bodyPr>
-            <a:lstStyle/>
-            <a:p>
-              <a:pPr marL="0" lvl="0" indent="0" algn="l" rtl="0">
-                <a:spcBef>
-                  <a:spcPts val="0"/>
-                </a:spcBef>
-                <a:spcAft>
-                  <a:spcPts val="0"/>
-                </a:spcAft>
-                <a:buNone/>
-              </a:pPr>
-              <a:endParaRPr/>
-            </a:p>
-          </p:txBody>
-        </p:sp>
-        <p:sp>
-          <p:nvSpPr>
-            <p:cNvPr id="702" name="Google Shape;702;p9"/>
-            <p:cNvSpPr/>
-            <p:nvPr/>
-          </p:nvSpPr>
-          <p:spPr>
-            <a:xfrm>
-              <a:off x="597550" y="2404950"/>
-              <a:ext cx="6449225" cy="8400"/>
-            </a:xfrm>
-            <a:custGeom>
-              <a:avLst/>
-              <a:gdLst/>
-              <a:ahLst/>
-              <a:cxnLst/>
-              <a:rect l="l" t="t" r="r" b="b"/>
-              <a:pathLst>
-                <a:path w="257969" h="336" extrusionOk="0">
-                  <a:moveTo>
-                    <a:pt x="0" y="1"/>
-                  </a:moveTo>
-                  <a:lnTo>
-                    <a:pt x="257969" y="1"/>
-                  </a:lnTo>
-                  <a:lnTo>
-                    <a:pt x="257969" y="335"/>
-                  </a:lnTo>
-                  <a:lnTo>
-                    <a:pt x="0" y="335"/>
-                  </a:lnTo>
-                  <a:close/>
-                </a:path>
-              </a:pathLst>
-            </a:custGeom>
-            <a:solidFill>
-              <a:srgbClr val="000000">
-                <a:alpha val="58929"/>
-              </a:srgbClr>
-            </a:solidFill>
-            <a:ln>
-              <a:noFill/>
-            </a:ln>
-          </p:spPr>
-          <p:txBody>
-            <a:bodyPr spcFirstLastPara="1" wrap="square" lIns="91425" tIns="91425" rIns="91425" bIns="91425" anchor="ctr" anchorCtr="0">
-              <a:noAutofit/>
-            </a:bodyPr>
-            <a:lstStyle/>
-            <a:p>
-              <a:pPr marL="0" lvl="0" indent="0" algn="l" rtl="0">
-                <a:spcBef>
-                  <a:spcPts val="0"/>
-                </a:spcBef>
-                <a:spcAft>
-                  <a:spcPts val="0"/>
-                </a:spcAft>
-                <a:buNone/>
-              </a:pPr>
-              <a:endParaRPr/>
-            </a:p>
-          </p:txBody>
-        </p:sp>
-        <p:sp>
-          <p:nvSpPr>
-            <p:cNvPr id="703" name="Google Shape;703;p9"/>
-            <p:cNvSpPr/>
-            <p:nvPr/>
-          </p:nvSpPr>
-          <p:spPr>
-            <a:xfrm>
-              <a:off x="597550" y="2291725"/>
-              <a:ext cx="6449225" cy="8400"/>
-            </a:xfrm>
-            <a:custGeom>
-              <a:avLst/>
-              <a:gdLst/>
-              <a:ahLst/>
-              <a:cxnLst/>
-              <a:rect l="l" t="t" r="r" b="b"/>
-              <a:pathLst>
-                <a:path w="257969" h="336" extrusionOk="0">
-                  <a:moveTo>
-                    <a:pt x="0" y="1"/>
-                  </a:moveTo>
-                  <a:lnTo>
-                    <a:pt x="257969" y="1"/>
-                  </a:lnTo>
-                  <a:lnTo>
-                    <a:pt x="257969" y="335"/>
-                  </a:lnTo>
-                  <a:lnTo>
-                    <a:pt x="0" y="335"/>
-                  </a:lnTo>
-                  <a:close/>
-                </a:path>
-              </a:pathLst>
-            </a:custGeom>
-            <a:solidFill>
-              <a:srgbClr val="000000">
-                <a:alpha val="58929"/>
-              </a:srgbClr>
-            </a:solidFill>
-            <a:ln>
-              <a:noFill/>
-            </a:ln>
-          </p:spPr>
-          <p:txBody>
-            <a:bodyPr spcFirstLastPara="1" wrap="square" lIns="91425" tIns="91425" rIns="91425" bIns="91425" anchor="ctr" anchorCtr="0">
-              <a:noAutofit/>
-            </a:bodyPr>
-            <a:lstStyle/>
-            <a:p>
-              <a:pPr marL="0" lvl="0" indent="0" algn="l" rtl="0">
-                <a:spcBef>
-                  <a:spcPts val="0"/>
-                </a:spcBef>
-                <a:spcAft>
-                  <a:spcPts val="0"/>
-                </a:spcAft>
-                <a:buNone/>
-              </a:pPr>
-              <a:endParaRPr/>
-            </a:p>
-          </p:txBody>
-        </p:sp>
-        <p:sp>
-          <p:nvSpPr>
-            <p:cNvPr id="704" name="Google Shape;704;p9"/>
-            <p:cNvSpPr/>
-            <p:nvPr/>
-          </p:nvSpPr>
-          <p:spPr>
-            <a:xfrm>
-              <a:off x="597550" y="2179275"/>
-              <a:ext cx="6449225" cy="7625"/>
-            </a:xfrm>
-            <a:custGeom>
-              <a:avLst/>
-              <a:gdLst/>
-              <a:ahLst/>
-              <a:cxnLst/>
-              <a:rect l="l" t="t" r="r" b="b"/>
-              <a:pathLst>
-                <a:path w="257969" h="305" extrusionOk="0">
-                  <a:moveTo>
-                    <a:pt x="0" y="0"/>
-                  </a:moveTo>
-                  <a:lnTo>
-                    <a:pt x="257969" y="0"/>
-                  </a:lnTo>
-                  <a:lnTo>
-                    <a:pt x="257969" y="304"/>
-                  </a:lnTo>
-                  <a:lnTo>
-                    <a:pt x="0" y="304"/>
-                  </a:lnTo>
-                  <a:close/>
-                </a:path>
-              </a:pathLst>
-            </a:custGeom>
-            <a:solidFill>
-              <a:srgbClr val="000000">
-                <a:alpha val="58929"/>
-              </a:srgbClr>
-            </a:solidFill>
-            <a:ln>
-              <a:noFill/>
-            </a:ln>
-          </p:spPr>
-          <p:txBody>
-            <a:bodyPr spcFirstLastPara="1" wrap="square" lIns="91425" tIns="91425" rIns="91425" bIns="91425" anchor="ctr" anchorCtr="0">
-              <a:noAutofit/>
-            </a:bodyPr>
-            <a:lstStyle/>
-            <a:p>
-              <a:pPr marL="0" lvl="0" indent="0" algn="l" rtl="0">
-                <a:spcBef>
-                  <a:spcPts val="0"/>
-                </a:spcBef>
-                <a:spcAft>
-                  <a:spcPts val="0"/>
-                </a:spcAft>
-                <a:buNone/>
-              </a:pPr>
-              <a:endParaRPr/>
-            </a:p>
-          </p:txBody>
-        </p:sp>
-        <p:sp>
-          <p:nvSpPr>
-            <p:cNvPr id="705" name="Google Shape;705;p9"/>
-            <p:cNvSpPr/>
-            <p:nvPr/>
-          </p:nvSpPr>
-          <p:spPr>
-            <a:xfrm>
-              <a:off x="597550" y="2066050"/>
-              <a:ext cx="6449225" cy="7625"/>
-            </a:xfrm>
-            <a:custGeom>
-              <a:avLst/>
-              <a:gdLst/>
-              <a:ahLst/>
-              <a:cxnLst/>
-              <a:rect l="l" t="t" r="r" b="b"/>
-              <a:pathLst>
-                <a:path w="257969" h="305" extrusionOk="0">
-                  <a:moveTo>
-                    <a:pt x="0" y="0"/>
-                  </a:moveTo>
-                  <a:lnTo>
-                    <a:pt x="257969" y="0"/>
-                  </a:lnTo>
-                  <a:lnTo>
-                    <a:pt x="257969" y="304"/>
-                  </a:lnTo>
-                  <a:lnTo>
-                    <a:pt x="0" y="304"/>
-                  </a:lnTo>
-                  <a:close/>
-                </a:path>
-              </a:pathLst>
-            </a:custGeom>
-            <a:solidFill>
-              <a:srgbClr val="000000">
-                <a:alpha val="58929"/>
-              </a:srgbClr>
-            </a:solidFill>
-            <a:ln>
-              <a:noFill/>
-            </a:ln>
-          </p:spPr>
-          <p:txBody>
-            <a:bodyPr spcFirstLastPara="1" wrap="square" lIns="91425" tIns="91425" rIns="91425" bIns="91425" anchor="ctr" anchorCtr="0">
-              <a:noAutofit/>
-            </a:bodyPr>
-            <a:lstStyle/>
-            <a:p>
-              <a:pPr marL="0" lvl="0" indent="0" algn="l" rtl="0">
-                <a:spcBef>
-                  <a:spcPts val="0"/>
-                </a:spcBef>
-                <a:spcAft>
-                  <a:spcPts val="0"/>
-                </a:spcAft>
-                <a:buNone/>
-              </a:pPr>
-              <a:endParaRPr/>
-            </a:p>
-          </p:txBody>
-        </p:sp>
-        <p:sp>
-          <p:nvSpPr>
-            <p:cNvPr id="706" name="Google Shape;706;p9"/>
-            <p:cNvSpPr/>
-            <p:nvPr/>
-          </p:nvSpPr>
-          <p:spPr>
-            <a:xfrm>
-              <a:off x="597550" y="1952825"/>
-              <a:ext cx="6449225" cy="7625"/>
-            </a:xfrm>
-            <a:custGeom>
-              <a:avLst/>
-              <a:gdLst/>
-              <a:ahLst/>
-              <a:cxnLst/>
-              <a:rect l="l" t="t" r="r" b="b"/>
-              <a:pathLst>
-                <a:path w="257969" h="305" extrusionOk="0">
-                  <a:moveTo>
-                    <a:pt x="0" y="1"/>
-                  </a:moveTo>
-                  <a:lnTo>
-                    <a:pt x="257969" y="1"/>
-                  </a:lnTo>
-                  <a:lnTo>
-                    <a:pt x="257969" y="304"/>
-                  </a:lnTo>
-                  <a:lnTo>
-                    <a:pt x="0" y="304"/>
-                  </a:lnTo>
-                  <a:close/>
-                </a:path>
-              </a:pathLst>
-            </a:custGeom>
-            <a:solidFill>
-              <a:srgbClr val="000000">
-                <a:alpha val="58929"/>
-              </a:srgbClr>
-            </a:solidFill>
-            <a:ln>
-              <a:noFill/>
-            </a:ln>
-          </p:spPr>
-          <p:txBody>
-            <a:bodyPr spcFirstLastPara="1" wrap="square" lIns="91425" tIns="91425" rIns="91425" bIns="91425" anchor="ctr" anchorCtr="0">
-              <a:noAutofit/>
-            </a:bodyPr>
-            <a:lstStyle/>
-            <a:p>
-              <a:pPr marL="0" lvl="0" indent="0" algn="l" rtl="0">
-                <a:spcBef>
-                  <a:spcPts val="0"/>
-                </a:spcBef>
-                <a:spcAft>
-                  <a:spcPts val="0"/>
-                </a:spcAft>
-                <a:buNone/>
-              </a:pPr>
-              <a:endParaRPr/>
-            </a:p>
-          </p:txBody>
-        </p:sp>
-        <p:sp>
-          <p:nvSpPr>
-            <p:cNvPr id="707" name="Google Shape;707;p9"/>
-            <p:cNvSpPr/>
-            <p:nvPr/>
-          </p:nvSpPr>
-          <p:spPr>
-            <a:xfrm>
-              <a:off x="597550" y="1839600"/>
-              <a:ext cx="6449225" cy="8375"/>
-            </a:xfrm>
-            <a:custGeom>
-              <a:avLst/>
-              <a:gdLst/>
-              <a:ahLst/>
-              <a:cxnLst/>
-              <a:rect l="l" t="t" r="r" b="b"/>
-              <a:pathLst>
-                <a:path w="257969" h="335" extrusionOk="0">
-                  <a:moveTo>
-                    <a:pt x="0" y="1"/>
-                  </a:moveTo>
-                  <a:lnTo>
-                    <a:pt x="257969" y="1"/>
-                  </a:lnTo>
-                  <a:lnTo>
-                    <a:pt x="257969" y="335"/>
-                  </a:lnTo>
-                  <a:lnTo>
-                    <a:pt x="0" y="335"/>
-                  </a:lnTo>
-                  <a:close/>
-                </a:path>
-              </a:pathLst>
-            </a:custGeom>
-            <a:solidFill>
-              <a:srgbClr val="000000">
-                <a:alpha val="58929"/>
-              </a:srgbClr>
-            </a:solidFill>
-            <a:ln>
-              <a:noFill/>
-            </a:ln>
-          </p:spPr>
-          <p:txBody>
-            <a:bodyPr spcFirstLastPara="1" wrap="square" lIns="91425" tIns="91425" rIns="91425" bIns="91425" anchor="ctr" anchorCtr="0">
-              <a:noAutofit/>
-            </a:bodyPr>
-            <a:lstStyle/>
-            <a:p>
-              <a:pPr marL="0" lvl="0" indent="0" algn="l" rtl="0">
-                <a:spcBef>
-                  <a:spcPts val="0"/>
-                </a:spcBef>
-                <a:spcAft>
-                  <a:spcPts val="0"/>
-                </a:spcAft>
-                <a:buNone/>
-              </a:pPr>
-              <a:endParaRPr/>
-            </a:p>
-          </p:txBody>
-        </p:sp>
-        <p:sp>
-          <p:nvSpPr>
-            <p:cNvPr id="708" name="Google Shape;708;p9"/>
-            <p:cNvSpPr/>
-            <p:nvPr/>
-          </p:nvSpPr>
-          <p:spPr>
-            <a:xfrm>
-              <a:off x="597550" y="1726375"/>
-              <a:ext cx="6449225" cy="8375"/>
-            </a:xfrm>
-            <a:custGeom>
-              <a:avLst/>
-              <a:gdLst/>
-              <a:ahLst/>
-              <a:cxnLst/>
-              <a:rect l="l" t="t" r="r" b="b"/>
-              <a:pathLst>
-                <a:path w="257969" h="335" extrusionOk="0">
-                  <a:moveTo>
-                    <a:pt x="0" y="1"/>
-                  </a:moveTo>
-                  <a:lnTo>
-                    <a:pt x="257969" y="1"/>
-                  </a:lnTo>
-                  <a:lnTo>
-                    <a:pt x="257969" y="335"/>
-                  </a:lnTo>
-                  <a:lnTo>
-                    <a:pt x="0" y="335"/>
-                  </a:lnTo>
-                  <a:close/>
-                </a:path>
-              </a:pathLst>
-            </a:custGeom>
-            <a:solidFill>
-              <a:srgbClr val="000000">
-                <a:alpha val="58929"/>
-              </a:srgbClr>
-            </a:solidFill>
-            <a:ln>
-              <a:noFill/>
-            </a:ln>
-          </p:spPr>
-          <p:txBody>
-            <a:bodyPr spcFirstLastPara="1" wrap="square" lIns="91425" tIns="91425" rIns="91425" bIns="91425" anchor="ctr" anchorCtr="0">
-              <a:noAutofit/>
-            </a:bodyPr>
-            <a:lstStyle/>
-            <a:p>
-              <a:pPr marL="0" lvl="0" indent="0" algn="l" rtl="0">
-                <a:spcBef>
-                  <a:spcPts val="0"/>
-                </a:spcBef>
-                <a:spcAft>
-                  <a:spcPts val="0"/>
-                </a:spcAft>
-                <a:buNone/>
-              </a:pPr>
-              <a:endParaRPr/>
-            </a:p>
-          </p:txBody>
-        </p:sp>
-        <p:sp>
-          <p:nvSpPr>
-            <p:cNvPr id="709" name="Google Shape;709;p9"/>
-            <p:cNvSpPr/>
-            <p:nvPr/>
-          </p:nvSpPr>
-          <p:spPr>
-            <a:xfrm>
-              <a:off x="597550" y="1613150"/>
-              <a:ext cx="6449225" cy="8400"/>
-            </a:xfrm>
-            <a:custGeom>
-              <a:avLst/>
-              <a:gdLst/>
-              <a:ahLst/>
-              <a:cxnLst/>
-              <a:rect l="l" t="t" r="r" b="b"/>
-              <a:pathLst>
-                <a:path w="257969" h="336" extrusionOk="0">
-                  <a:moveTo>
-                    <a:pt x="0" y="1"/>
-                  </a:moveTo>
-                  <a:lnTo>
-                    <a:pt x="257969" y="1"/>
-                  </a:lnTo>
-                  <a:lnTo>
-                    <a:pt x="257969" y="335"/>
-                  </a:lnTo>
-                  <a:lnTo>
-                    <a:pt x="0" y="335"/>
-                  </a:lnTo>
-                  <a:close/>
-                </a:path>
-              </a:pathLst>
-            </a:custGeom>
-            <a:solidFill>
-              <a:srgbClr val="000000">
-                <a:alpha val="58929"/>
-              </a:srgbClr>
-            </a:solidFill>
-            <a:ln>
-              <a:noFill/>
-            </a:ln>
-          </p:spPr>
-          <p:txBody>
-            <a:bodyPr spcFirstLastPara="1" wrap="square" lIns="91425" tIns="91425" rIns="91425" bIns="91425" anchor="ctr" anchorCtr="0">
-              <a:noAutofit/>
-            </a:bodyPr>
-            <a:lstStyle/>
-            <a:p>
-              <a:pPr marL="0" lvl="0" indent="0" algn="l" rtl="0">
-                <a:spcBef>
-                  <a:spcPts val="0"/>
-                </a:spcBef>
-                <a:spcAft>
-                  <a:spcPts val="0"/>
-                </a:spcAft>
-                <a:buNone/>
-              </a:pPr>
-              <a:endParaRPr/>
-            </a:p>
-          </p:txBody>
-        </p:sp>
-        <p:sp>
-          <p:nvSpPr>
-            <p:cNvPr id="710" name="Google Shape;710;p9"/>
-            <p:cNvSpPr/>
-            <p:nvPr/>
-          </p:nvSpPr>
-          <p:spPr>
-            <a:xfrm>
-              <a:off x="597550" y="1499925"/>
-              <a:ext cx="6449225" cy="8400"/>
-            </a:xfrm>
-            <a:custGeom>
-              <a:avLst/>
-              <a:gdLst/>
-              <a:ahLst/>
-              <a:cxnLst/>
-              <a:rect l="l" t="t" r="r" b="b"/>
-              <a:pathLst>
-                <a:path w="257969" h="336" extrusionOk="0">
-                  <a:moveTo>
-                    <a:pt x="0" y="1"/>
-                  </a:moveTo>
-                  <a:lnTo>
-                    <a:pt x="257969" y="1"/>
-                  </a:lnTo>
-                  <a:lnTo>
-                    <a:pt x="257969" y="335"/>
-                  </a:lnTo>
-                  <a:lnTo>
-                    <a:pt x="0" y="335"/>
-                  </a:lnTo>
-                  <a:close/>
-                </a:path>
-              </a:pathLst>
-            </a:custGeom>
-            <a:solidFill>
-              <a:srgbClr val="000000">
-                <a:alpha val="58929"/>
-              </a:srgbClr>
-            </a:solidFill>
-            <a:ln>
-              <a:noFill/>
-            </a:ln>
-          </p:spPr>
-          <p:txBody>
-            <a:bodyPr spcFirstLastPara="1" wrap="square" lIns="91425" tIns="91425" rIns="91425" bIns="91425" anchor="ctr" anchorCtr="0">
-              <a:noAutofit/>
-            </a:bodyPr>
-            <a:lstStyle/>
-            <a:p>
-              <a:pPr marL="0" lvl="0" indent="0" algn="l" rtl="0">
-                <a:spcBef>
-                  <a:spcPts val="0"/>
-                </a:spcBef>
-                <a:spcAft>
-                  <a:spcPts val="0"/>
-                </a:spcAft>
-                <a:buNone/>
-              </a:pPr>
-              <a:endParaRPr/>
-            </a:p>
-          </p:txBody>
-        </p:sp>
-        <p:sp>
-          <p:nvSpPr>
-            <p:cNvPr id="711" name="Google Shape;711;p9"/>
-            <p:cNvSpPr/>
-            <p:nvPr/>
-          </p:nvSpPr>
-          <p:spPr>
-            <a:xfrm>
-              <a:off x="597550" y="1387475"/>
-              <a:ext cx="6449225" cy="7625"/>
-            </a:xfrm>
-            <a:custGeom>
-              <a:avLst/>
-              <a:gdLst/>
-              <a:ahLst/>
-              <a:cxnLst/>
-              <a:rect l="l" t="t" r="r" b="b"/>
-              <a:pathLst>
-                <a:path w="257969" h="305" extrusionOk="0">
-                  <a:moveTo>
-                    <a:pt x="0" y="0"/>
-                  </a:moveTo>
-                  <a:lnTo>
-                    <a:pt x="257969" y="0"/>
-                  </a:lnTo>
-                  <a:lnTo>
-                    <a:pt x="257969" y="304"/>
-                  </a:lnTo>
-                  <a:lnTo>
-                    <a:pt x="0" y="304"/>
-                  </a:lnTo>
-                  <a:close/>
-                </a:path>
-              </a:pathLst>
-            </a:custGeom>
-            <a:solidFill>
-              <a:srgbClr val="000000">
-                <a:alpha val="58929"/>
-              </a:srgbClr>
-            </a:solidFill>
-            <a:ln>
-              <a:noFill/>
-            </a:ln>
-          </p:spPr>
-          <p:txBody>
-            <a:bodyPr spcFirstLastPara="1" wrap="square" lIns="91425" tIns="91425" rIns="91425" bIns="91425" anchor="ctr" anchorCtr="0">
-              <a:noAutofit/>
-            </a:bodyPr>
-            <a:lstStyle/>
-            <a:p>
-              <a:pPr marL="0" lvl="0" indent="0" algn="l" rtl="0">
-                <a:spcBef>
-                  <a:spcPts val="0"/>
-                </a:spcBef>
-                <a:spcAft>
-                  <a:spcPts val="0"/>
-                </a:spcAft>
-                <a:buNone/>
-              </a:pPr>
-              <a:endParaRPr/>
-            </a:p>
-          </p:txBody>
-        </p:sp>
-        <p:sp>
-          <p:nvSpPr>
-            <p:cNvPr id="712" name="Google Shape;712;p9"/>
-            <p:cNvSpPr/>
-            <p:nvPr/>
-          </p:nvSpPr>
-          <p:spPr>
-            <a:xfrm>
-              <a:off x="597550" y="1274250"/>
-              <a:ext cx="6449225" cy="7625"/>
-            </a:xfrm>
-            <a:custGeom>
-              <a:avLst/>
-              <a:gdLst/>
-              <a:ahLst/>
-              <a:cxnLst/>
-              <a:rect l="l" t="t" r="r" b="b"/>
-              <a:pathLst>
-                <a:path w="257969" h="305" extrusionOk="0">
-                  <a:moveTo>
-                    <a:pt x="0" y="0"/>
-                  </a:moveTo>
-                  <a:lnTo>
-                    <a:pt x="257969" y="0"/>
-                  </a:lnTo>
-                  <a:lnTo>
-                    <a:pt x="257969" y="304"/>
-                  </a:lnTo>
-                  <a:lnTo>
-                    <a:pt x="0" y="304"/>
-                  </a:lnTo>
-                  <a:close/>
-                </a:path>
-              </a:pathLst>
-            </a:custGeom>
-            <a:solidFill>
-              <a:srgbClr val="000000">
-                <a:alpha val="58929"/>
-              </a:srgbClr>
-            </a:solidFill>
-            <a:ln>
-              <a:noFill/>
-            </a:ln>
-          </p:spPr>
-          <p:txBody>
-            <a:bodyPr spcFirstLastPara="1" wrap="square" lIns="91425" tIns="91425" rIns="91425" bIns="91425" anchor="ctr" anchorCtr="0">
-              <a:noAutofit/>
-            </a:bodyPr>
-            <a:lstStyle/>
-            <a:p>
-              <a:pPr marL="0" lvl="0" indent="0" algn="l" rtl="0">
-                <a:spcBef>
-                  <a:spcPts val="0"/>
-                </a:spcBef>
-                <a:spcAft>
-                  <a:spcPts val="0"/>
-                </a:spcAft>
-                <a:buNone/>
-              </a:pPr>
-              <a:endParaRPr/>
-            </a:p>
-          </p:txBody>
-        </p:sp>
-        <p:sp>
-          <p:nvSpPr>
-            <p:cNvPr id="713" name="Google Shape;713;p9"/>
-            <p:cNvSpPr/>
-            <p:nvPr/>
-          </p:nvSpPr>
-          <p:spPr>
-            <a:xfrm>
-              <a:off x="597550" y="1161025"/>
-              <a:ext cx="6449225" cy="8375"/>
-            </a:xfrm>
-            <a:custGeom>
-              <a:avLst/>
-              <a:gdLst/>
-              <a:ahLst/>
-              <a:cxnLst/>
-              <a:rect l="l" t="t" r="r" b="b"/>
-              <a:pathLst>
-                <a:path w="257969" h="335" extrusionOk="0">
-                  <a:moveTo>
-                    <a:pt x="0" y="0"/>
-                  </a:moveTo>
-                  <a:lnTo>
-                    <a:pt x="257969" y="0"/>
-                  </a:lnTo>
-                  <a:lnTo>
-                    <a:pt x="257969" y="335"/>
-                  </a:lnTo>
-                  <a:lnTo>
-                    <a:pt x="0" y="335"/>
-                  </a:lnTo>
-                  <a:close/>
-                </a:path>
-              </a:pathLst>
-            </a:custGeom>
-            <a:solidFill>
-              <a:srgbClr val="000000">
-                <a:alpha val="58929"/>
-              </a:srgbClr>
-            </a:solidFill>
-            <a:ln>
-              <a:noFill/>
-            </a:ln>
-          </p:spPr>
-          <p:txBody>
-            <a:bodyPr spcFirstLastPara="1" wrap="square" lIns="91425" tIns="91425" rIns="91425" bIns="91425" anchor="ctr" anchorCtr="0">
-              <a:noAutofit/>
-            </a:bodyPr>
-            <a:lstStyle/>
-            <a:p>
-              <a:pPr marL="0" lvl="0" indent="0" algn="l" rtl="0">
-                <a:spcBef>
-                  <a:spcPts val="0"/>
-                </a:spcBef>
-                <a:spcAft>
-                  <a:spcPts val="0"/>
-                </a:spcAft>
-                <a:buNone/>
-              </a:pPr>
-              <a:endParaRPr/>
-            </a:p>
-          </p:txBody>
-        </p:sp>
-        <p:sp>
-          <p:nvSpPr>
-            <p:cNvPr id="714" name="Google Shape;714;p9"/>
-            <p:cNvSpPr/>
-            <p:nvPr/>
-          </p:nvSpPr>
-          <p:spPr>
-            <a:xfrm>
-              <a:off x="597550" y="1047800"/>
-              <a:ext cx="6449225" cy="8375"/>
-            </a:xfrm>
-            <a:custGeom>
-              <a:avLst/>
-              <a:gdLst/>
-              <a:ahLst/>
-              <a:cxnLst/>
-              <a:rect l="l" t="t" r="r" b="b"/>
-              <a:pathLst>
-                <a:path w="257969" h="335" extrusionOk="0">
-                  <a:moveTo>
-                    <a:pt x="0" y="0"/>
-                  </a:moveTo>
-                  <a:lnTo>
-                    <a:pt x="257969" y="0"/>
-                  </a:lnTo>
-                  <a:lnTo>
-                    <a:pt x="257969" y="335"/>
-                  </a:lnTo>
-                  <a:lnTo>
-                    <a:pt x="0" y="335"/>
-                  </a:lnTo>
-                  <a:close/>
-                </a:path>
-              </a:pathLst>
-            </a:custGeom>
-            <a:solidFill>
-              <a:srgbClr val="000000">
-                <a:alpha val="58929"/>
-              </a:srgbClr>
-            </a:solidFill>
-            <a:ln>
-              <a:noFill/>
-            </a:ln>
-          </p:spPr>
-          <p:txBody>
-            <a:bodyPr spcFirstLastPara="1" wrap="square" lIns="91425" tIns="91425" rIns="91425" bIns="91425" anchor="ctr" anchorCtr="0">
-              <a:noAutofit/>
-            </a:bodyPr>
-            <a:lstStyle/>
-            <a:p>
-              <a:pPr marL="0" lvl="0" indent="0" algn="l" rtl="0">
-                <a:spcBef>
-                  <a:spcPts val="0"/>
-                </a:spcBef>
-                <a:spcAft>
-                  <a:spcPts val="0"/>
-                </a:spcAft>
-                <a:buNone/>
-              </a:pPr>
-              <a:endParaRPr/>
-            </a:p>
-          </p:txBody>
-        </p:sp>
-        <p:sp>
-          <p:nvSpPr>
-            <p:cNvPr id="715" name="Google Shape;715;p9"/>
-            <p:cNvSpPr/>
-            <p:nvPr/>
-          </p:nvSpPr>
-          <p:spPr>
-            <a:xfrm>
-              <a:off x="597550" y="934575"/>
-              <a:ext cx="6449225" cy="8375"/>
-            </a:xfrm>
-            <a:custGeom>
-              <a:avLst/>
-              <a:gdLst/>
-              <a:ahLst/>
-              <a:cxnLst/>
-              <a:rect l="l" t="t" r="r" b="b"/>
-              <a:pathLst>
-                <a:path w="257969" h="335" extrusionOk="0">
-                  <a:moveTo>
-                    <a:pt x="0" y="0"/>
-                  </a:moveTo>
-                  <a:lnTo>
-                    <a:pt x="257969" y="0"/>
-                  </a:lnTo>
-                  <a:lnTo>
-                    <a:pt x="257969" y="335"/>
-                  </a:lnTo>
-                  <a:lnTo>
-                    <a:pt x="0" y="335"/>
-                  </a:lnTo>
-                  <a:close/>
-                </a:path>
-              </a:pathLst>
-            </a:custGeom>
-            <a:solidFill>
-              <a:srgbClr val="000000">
-                <a:alpha val="58929"/>
-              </a:srgbClr>
-            </a:solidFill>
-            <a:ln>
-              <a:noFill/>
-            </a:ln>
-          </p:spPr>
-          <p:txBody>
-            <a:bodyPr spcFirstLastPara="1" wrap="square" lIns="91425" tIns="91425" rIns="91425" bIns="91425" anchor="ctr" anchorCtr="0">
-              <a:noAutofit/>
-            </a:bodyPr>
-            <a:lstStyle/>
-            <a:p>
-              <a:pPr marL="0" lvl="0" indent="0" algn="l" rtl="0">
-                <a:spcBef>
-                  <a:spcPts val="0"/>
-                </a:spcBef>
-                <a:spcAft>
-                  <a:spcPts val="0"/>
-                </a:spcAft>
-                <a:buNone/>
-              </a:pPr>
-              <a:endParaRPr/>
-            </a:p>
-          </p:txBody>
-        </p:sp>
-        <p:sp>
-          <p:nvSpPr>
-            <p:cNvPr id="716" name="Google Shape;716;p9"/>
-            <p:cNvSpPr/>
-            <p:nvPr/>
-          </p:nvSpPr>
-          <p:spPr>
-            <a:xfrm>
-              <a:off x="597550" y="821350"/>
-              <a:ext cx="6449225" cy="8375"/>
-            </a:xfrm>
-            <a:custGeom>
-              <a:avLst/>
-              <a:gdLst/>
-              <a:ahLst/>
-              <a:cxnLst/>
-              <a:rect l="l" t="t" r="r" b="b"/>
-              <a:pathLst>
-                <a:path w="257969" h="335" extrusionOk="0">
-                  <a:moveTo>
-                    <a:pt x="0" y="0"/>
-                  </a:moveTo>
-                  <a:lnTo>
-                    <a:pt x="257969" y="0"/>
-                  </a:lnTo>
-                  <a:lnTo>
-                    <a:pt x="257969" y="335"/>
-                  </a:lnTo>
-                  <a:lnTo>
-                    <a:pt x="0" y="335"/>
-                  </a:lnTo>
-                  <a:close/>
-                </a:path>
-              </a:pathLst>
-            </a:custGeom>
-            <a:solidFill>
-              <a:srgbClr val="000000">
-                <a:alpha val="58929"/>
-              </a:srgbClr>
-            </a:solidFill>
-            <a:ln>
-              <a:noFill/>
-            </a:ln>
-          </p:spPr>
-          <p:txBody>
-            <a:bodyPr spcFirstLastPara="1" wrap="square" lIns="91425" tIns="91425" rIns="91425" bIns="91425" anchor="ctr" anchorCtr="0">
-              <a:noAutofit/>
-            </a:bodyPr>
-            <a:lstStyle/>
-            <a:p>
-              <a:pPr marL="0" lvl="0" indent="0" algn="l" rtl="0">
-                <a:spcBef>
-                  <a:spcPts val="0"/>
-                </a:spcBef>
-                <a:spcAft>
-                  <a:spcPts val="0"/>
-                </a:spcAft>
-                <a:buNone/>
-              </a:pPr>
-              <a:endParaRPr/>
-            </a:p>
-          </p:txBody>
-        </p:sp>
-        <p:sp>
-          <p:nvSpPr>
-            <p:cNvPr id="717" name="Google Shape;717;p9"/>
-            <p:cNvSpPr/>
-            <p:nvPr/>
-          </p:nvSpPr>
-          <p:spPr>
-            <a:xfrm>
-              <a:off x="597550" y="708125"/>
-              <a:ext cx="6449225" cy="8375"/>
-            </a:xfrm>
-            <a:custGeom>
-              <a:avLst/>
-              <a:gdLst/>
-              <a:ahLst/>
-              <a:cxnLst/>
-              <a:rect l="l" t="t" r="r" b="b"/>
-              <a:pathLst>
-                <a:path w="257969" h="335" extrusionOk="0">
-                  <a:moveTo>
-                    <a:pt x="0" y="1"/>
-                  </a:moveTo>
-                  <a:lnTo>
-                    <a:pt x="257969" y="1"/>
-                  </a:lnTo>
-                  <a:lnTo>
-                    <a:pt x="257969" y="335"/>
-                  </a:lnTo>
-                  <a:lnTo>
-                    <a:pt x="0" y="335"/>
-                  </a:lnTo>
-                  <a:close/>
-                </a:path>
-              </a:pathLst>
-            </a:custGeom>
-            <a:solidFill>
-              <a:srgbClr val="000000">
-                <a:alpha val="58929"/>
-              </a:srgbClr>
-            </a:solidFill>
-            <a:ln>
-              <a:noFill/>
-            </a:ln>
-          </p:spPr>
-          <p:txBody>
-            <a:bodyPr spcFirstLastPara="1" wrap="square" lIns="91425" tIns="91425" rIns="91425" bIns="91425" anchor="ctr" anchorCtr="0">
-              <a:noAutofit/>
-            </a:bodyPr>
-            <a:lstStyle/>
-            <a:p>
-              <a:pPr marL="0" lvl="0" indent="0" algn="l" rtl="0">
-                <a:spcBef>
-                  <a:spcPts val="0"/>
-                </a:spcBef>
-                <a:spcAft>
-                  <a:spcPts val="0"/>
-                </a:spcAft>
-                <a:buNone/>
-              </a:pPr>
-              <a:endParaRPr/>
-            </a:p>
-          </p:txBody>
-        </p:sp>
-      </p:grpSp>
-      <p:sp>
-        <p:nvSpPr>
-          <p:cNvPr id="718" name="Google Shape;718;p9"/>
-          <p:cNvSpPr txBox="1">
-            <a:spLocks noGrp="1"/>
-          </p:cNvSpPr>
-          <p:nvPr>
-            <p:ph type="subTitle" idx="1"/>
-          </p:nvPr>
-        </p:nvSpPr>
-        <p:spPr>
-          <a:xfrm>
-            <a:off x="1656875" y="2480906"/>
-            <a:ext cx="5830200" cy="1421400"/>
-          </a:xfrm>
-          <a:prstGeom prst="rect">
-            <a:avLst/>
-          </a:prstGeom>
-        </p:spPr>
-        <p:txBody>
-          <a:bodyPr spcFirstLastPara="1" wrap="square" lIns="91425" tIns="91425" rIns="91425" bIns="91425" anchor="t" anchorCtr="0">
-            <a:noAutofit/>
-          </a:bodyPr>
-          <a:lstStyle>
-            <a:lvl1pPr lvl="0" algn="ctr">
-              <a:lnSpc>
-                <a:spcPct val="100000"/>
-              </a:lnSpc>
-              <a:spcBef>
-                <a:spcPts val="0"/>
-              </a:spcBef>
-              <a:spcAft>
-                <a:spcPts val="0"/>
-              </a:spcAft>
-              <a:buSzPts val="1400"/>
-              <a:buNone/>
-              <a:defRPr/>
-            </a:lvl1pPr>
-            <a:lvl2pPr lvl="1" algn="ctr">
-              <a:lnSpc>
-                <a:spcPct val="100000"/>
-              </a:lnSpc>
-              <a:spcBef>
-                <a:spcPts val="0"/>
-              </a:spcBef>
-              <a:spcAft>
-                <a:spcPts val="0"/>
-              </a:spcAft>
-              <a:buSzPts val="1400"/>
-              <a:buNone/>
-              <a:defRPr/>
-            </a:lvl2pPr>
-            <a:lvl3pPr lvl="2" algn="ctr">
-              <a:lnSpc>
-                <a:spcPct val="100000"/>
-              </a:lnSpc>
-              <a:spcBef>
-                <a:spcPts val="0"/>
-              </a:spcBef>
-              <a:spcAft>
-                <a:spcPts val="0"/>
-              </a:spcAft>
-              <a:buSzPts val="1400"/>
-              <a:buNone/>
-              <a:defRPr/>
-            </a:lvl3pPr>
-            <a:lvl4pPr lvl="3" algn="ctr">
-              <a:lnSpc>
-                <a:spcPct val="100000"/>
-              </a:lnSpc>
-              <a:spcBef>
-                <a:spcPts val="0"/>
-              </a:spcBef>
-              <a:spcAft>
-                <a:spcPts val="0"/>
-              </a:spcAft>
-              <a:buSzPts val="1400"/>
-              <a:buNone/>
-              <a:defRPr/>
-            </a:lvl4pPr>
-            <a:lvl5pPr lvl="4" algn="ctr">
-              <a:lnSpc>
-                <a:spcPct val="100000"/>
-              </a:lnSpc>
-              <a:spcBef>
-                <a:spcPts val="0"/>
-              </a:spcBef>
-              <a:spcAft>
-                <a:spcPts val="0"/>
-              </a:spcAft>
-              <a:buSzPts val="1400"/>
-              <a:buNone/>
-              <a:defRPr/>
-            </a:lvl5pPr>
-            <a:lvl6pPr lvl="5" algn="ctr">
-              <a:lnSpc>
-                <a:spcPct val="100000"/>
-              </a:lnSpc>
-              <a:spcBef>
-                <a:spcPts val="0"/>
-              </a:spcBef>
-              <a:spcAft>
-                <a:spcPts val="0"/>
-              </a:spcAft>
-              <a:buSzPts val="1400"/>
-              <a:buNone/>
-              <a:defRPr/>
-            </a:lvl6pPr>
-            <a:lvl7pPr lvl="6" algn="ctr">
-              <a:lnSpc>
-                <a:spcPct val="100000"/>
-              </a:lnSpc>
-              <a:spcBef>
-                <a:spcPts val="0"/>
-              </a:spcBef>
-              <a:spcAft>
-                <a:spcPts val="0"/>
-              </a:spcAft>
-              <a:buSzPts val="1400"/>
-              <a:buNone/>
-              <a:defRPr/>
-            </a:lvl7pPr>
-            <a:lvl8pPr lvl="7" algn="ctr">
-              <a:lnSpc>
-                <a:spcPct val="100000"/>
-              </a:lnSpc>
-              <a:spcBef>
-                <a:spcPts val="0"/>
-              </a:spcBef>
-              <a:spcAft>
-                <a:spcPts val="0"/>
-              </a:spcAft>
-              <a:buSzPts val="1400"/>
-              <a:buNone/>
-              <a:defRPr/>
-            </a:lvl8pPr>
-            <a:lvl9pPr lvl="8" algn="ctr">
-              <a:lnSpc>
-                <a:spcPct val="100000"/>
-              </a:lnSpc>
-              <a:spcBef>
-                <a:spcPts val="0"/>
-              </a:spcBef>
-              <a:spcAft>
-                <a:spcPts val="0"/>
-              </a:spcAft>
-              <a:buSzPts val="1400"/>
-              <a:buNone/>
-              <a:defRPr/>
-            </a:lvl9pPr>
-          </a:lstStyle>
-          <a:p>
-            <a:endParaRPr/>
-          </a:p>
-        </p:txBody>
-      </p:sp>
-      <p:sp>
-        <p:nvSpPr>
-          <p:cNvPr id="719" name="Google Shape;719;p9"/>
-          <p:cNvSpPr txBox="1">
-            <a:spLocks noGrp="1"/>
-          </p:cNvSpPr>
-          <p:nvPr>
-            <p:ph type="title"/>
-          </p:nvPr>
-        </p:nvSpPr>
-        <p:spPr>
-          <a:xfrm>
-            <a:off x="1656875" y="1241200"/>
-            <a:ext cx="5830200" cy="1169400"/>
-          </a:xfrm>
-          <a:prstGeom prst="rect">
-            <a:avLst/>
-          </a:prstGeom>
-          <a:effectLst>
-            <a:outerShdw blurRad="142875" algn="bl" rotWithShape="0">
-              <a:schemeClr val="accent2">
-                <a:alpha val="40000"/>
-              </a:schemeClr>
-            </a:outerShdw>
-          </a:effectLst>
-        </p:spPr>
-        <p:txBody>
-          <a:bodyPr spcFirstLastPara="1" wrap="square" lIns="91425" tIns="91425" rIns="91425" bIns="91425" anchor="b" anchorCtr="0">
-            <a:noAutofit/>
-          </a:bodyPr>
-          <a:lstStyle>
-            <a:lvl1pPr lvl="0" algn="ctr" rtl="0">
-              <a:spcBef>
-                <a:spcPts val="0"/>
-              </a:spcBef>
-              <a:spcAft>
-                <a:spcPts val="0"/>
-              </a:spcAft>
-              <a:buSzPts val="3200"/>
-              <a:buNone/>
-              <a:defRPr/>
-            </a:lvl1pPr>
-            <a:lvl2pPr lvl="1" rtl="0">
-              <a:spcBef>
-                <a:spcPts val="0"/>
-              </a:spcBef>
-              <a:spcAft>
-                <a:spcPts val="0"/>
-              </a:spcAft>
-              <a:buSzPts val="3200"/>
-              <a:buNone/>
-              <a:defRPr/>
-            </a:lvl2pPr>
-            <a:lvl3pPr lvl="2" rtl="0">
-              <a:spcBef>
-                <a:spcPts val="0"/>
-              </a:spcBef>
-              <a:spcAft>
-                <a:spcPts val="0"/>
-              </a:spcAft>
-              <a:buSzPts val="3200"/>
-              <a:buNone/>
-              <a:defRPr/>
-            </a:lvl3pPr>
-            <a:lvl4pPr lvl="3" rtl="0">
-              <a:spcBef>
-                <a:spcPts val="0"/>
-              </a:spcBef>
-              <a:spcAft>
-                <a:spcPts val="0"/>
-              </a:spcAft>
-              <a:buSzPts val="3200"/>
-              <a:buNone/>
-              <a:defRPr/>
-            </a:lvl4pPr>
-            <a:lvl5pPr lvl="4" rtl="0">
-              <a:spcBef>
-                <a:spcPts val="0"/>
-              </a:spcBef>
-              <a:spcAft>
-                <a:spcPts val="0"/>
-              </a:spcAft>
-              <a:buSzPts val="3200"/>
-              <a:buNone/>
-              <a:defRPr/>
-            </a:lvl5pPr>
-            <a:lvl6pPr lvl="5" rtl="0">
-              <a:spcBef>
-                <a:spcPts val="0"/>
-              </a:spcBef>
-              <a:spcAft>
-                <a:spcPts val="0"/>
-              </a:spcAft>
-              <a:buSzPts val="3200"/>
-              <a:buNone/>
-              <a:defRPr/>
-            </a:lvl6pPr>
-            <a:lvl7pPr lvl="6" rtl="0">
-              <a:spcBef>
-                <a:spcPts val="0"/>
-              </a:spcBef>
-              <a:spcAft>
-                <a:spcPts val="0"/>
-              </a:spcAft>
-              <a:buSzPts val="3200"/>
-              <a:buNone/>
-              <a:defRPr/>
-            </a:lvl7pPr>
-            <a:lvl8pPr lvl="7" rtl="0">
-              <a:spcBef>
-                <a:spcPts val="0"/>
-              </a:spcBef>
-              <a:spcAft>
-                <a:spcPts val="0"/>
-              </a:spcAft>
-              <a:buSzPts val="3200"/>
-              <a:buNone/>
-              <a:defRPr/>
-            </a:lvl8pPr>
-            <a:lvl9pPr lvl="8" rtl="0">
-              <a:spcBef>
-                <a:spcPts val="0"/>
-              </a:spcBef>
-              <a:spcAft>
-                <a:spcPts val="0"/>
-              </a:spcAft>
-              <a:buSzPts val="3200"/>
-              <a:buNone/>
-              <a:defRPr/>
-            </a:lvl9pPr>
-          </a:lstStyle>
-          <a:p>
-            <a:endParaRPr/>
-          </a:p>
-        </p:txBody>
-      </p:sp>
-      <p:sp>
-        <p:nvSpPr>
-          <p:cNvPr id="720" name="Google Shape;720;p9"/>
-          <p:cNvSpPr/>
-          <p:nvPr/>
-        </p:nvSpPr>
-        <p:spPr>
-          <a:xfrm rot="-5400000">
-            <a:off x="348812" y="258001"/>
-            <a:ext cx="586800" cy="1284425"/>
-          </a:xfrm>
-          <a:prstGeom prst="flowChartOffpageConnector">
-            <a:avLst/>
-          </a:prstGeom>
-          <a:gradFill>
-            <a:gsLst>
-              <a:gs pos="0">
-                <a:schemeClr val="accent4"/>
-              </a:gs>
-              <a:gs pos="100000">
-                <a:schemeClr val="lt2"/>
-              </a:gs>
-            </a:gsLst>
-            <a:lin ang="16200038" scaled="0"/>
-          </a:gradFill>
-          <a:ln>
-            <a:noFill/>
-          </a:ln>
-        </p:spPr>
-        <p:txBody>
-          <a:bodyPr spcFirstLastPara="1" wrap="square" lIns="91425" tIns="91425" rIns="91425" bIns="91425" anchor="ctr" anchorCtr="0">
-            <a:noAutofit/>
-          </a:bodyPr>
-          <a:lstStyle/>
-          <a:p>
-            <a:pPr marL="0" lvl="0" indent="0" algn="l" rtl="0">
-              <a:spcBef>
-                <a:spcPts val="0"/>
-              </a:spcBef>
-              <a:spcAft>
-                <a:spcPts val="0"/>
-              </a:spcAft>
-              <a:buNone/>
-            </a:pPr>
-            <a:endParaRPr/>
-          </a:p>
-        </p:txBody>
-      </p:sp>
-      <p:grpSp>
-        <p:nvGrpSpPr>
-          <p:cNvPr id="721" name="Google Shape;721;p9"/>
-          <p:cNvGrpSpPr/>
-          <p:nvPr/>
-        </p:nvGrpSpPr>
-        <p:grpSpPr>
-          <a:xfrm rot="10800000">
-            <a:off x="-11" y="779178"/>
-            <a:ext cx="883262" cy="242091"/>
-            <a:chOff x="2300350" y="2601250"/>
-            <a:chExt cx="2275275" cy="623625"/>
-          </a:xfrm>
-        </p:grpSpPr>
-        <p:sp>
-          <p:nvSpPr>
-            <p:cNvPr id="722" name="Google Shape;722;p9"/>
-            <p:cNvSpPr/>
-            <p:nvPr/>
-          </p:nvSpPr>
-          <p:spPr>
-            <a:xfrm>
-              <a:off x="2300350" y="2601250"/>
-              <a:ext cx="392100" cy="623625"/>
-            </a:xfrm>
-            <a:custGeom>
-              <a:avLst/>
-              <a:gdLst/>
-              <a:ahLst/>
-              <a:cxnLst/>
-              <a:rect l="l" t="t" r="r" b="b"/>
-              <a:pathLst>
-                <a:path w="15684" h="24945" extrusionOk="0">
-                  <a:moveTo>
-                    <a:pt x="12720" y="0"/>
-                  </a:moveTo>
-                  <a:cubicBezTo>
-                    <a:pt x="13337" y="0"/>
-                    <a:pt x="14078" y="247"/>
-                    <a:pt x="14572" y="741"/>
-                  </a:cubicBezTo>
-                  <a:cubicBezTo>
-                    <a:pt x="15684" y="1852"/>
-                    <a:pt x="15684" y="3581"/>
-                    <a:pt x="14572" y="4569"/>
-                  </a:cubicBezTo>
-                  <a:lnTo>
-                    <a:pt x="6792" y="12349"/>
-                  </a:lnTo>
-                  <a:lnTo>
-                    <a:pt x="14572" y="20128"/>
-                  </a:lnTo>
-                  <a:cubicBezTo>
-                    <a:pt x="15684" y="21240"/>
-                    <a:pt x="15684" y="22845"/>
-                    <a:pt x="14572" y="23957"/>
-                  </a:cubicBezTo>
-                  <a:cubicBezTo>
-                    <a:pt x="13584" y="24944"/>
-                    <a:pt x="11855" y="24944"/>
-                    <a:pt x="10744" y="23957"/>
-                  </a:cubicBezTo>
-                  <a:lnTo>
-                    <a:pt x="1112" y="14325"/>
-                  </a:lnTo>
-                  <a:cubicBezTo>
-                    <a:pt x="1" y="13213"/>
-                    <a:pt x="1" y="11484"/>
-                    <a:pt x="1112" y="10496"/>
-                  </a:cubicBezTo>
-                  <a:lnTo>
-                    <a:pt x="10744" y="741"/>
-                  </a:lnTo>
-                  <a:cubicBezTo>
-                    <a:pt x="11361" y="247"/>
-                    <a:pt x="11979" y="0"/>
-                    <a:pt x="12720" y="0"/>
-                  </a:cubicBezTo>
-                  <a:close/>
-                </a:path>
-              </a:pathLst>
-            </a:custGeom>
-            <a:solidFill>
-              <a:schemeClr val="accent2"/>
-            </a:solidFill>
-            <a:ln>
-              <a:noFill/>
-            </a:ln>
-          </p:spPr>
-          <p:txBody>
-            <a:bodyPr spcFirstLastPara="1" wrap="square" lIns="91425" tIns="91425" rIns="91425" bIns="91425" anchor="ctr" anchorCtr="0">
-              <a:noAutofit/>
-            </a:bodyPr>
-            <a:lstStyle/>
-            <a:p>
-              <a:pPr marL="0" lvl="0" indent="0" algn="l" rtl="0">
-                <a:spcBef>
-                  <a:spcPts val="0"/>
-                </a:spcBef>
-                <a:spcAft>
-                  <a:spcPts val="0"/>
-                </a:spcAft>
-                <a:buNone/>
-              </a:pPr>
-              <a:endParaRPr/>
-            </a:p>
-          </p:txBody>
-        </p:sp>
-        <p:sp>
-          <p:nvSpPr>
-            <p:cNvPr id="723" name="Google Shape;723;p9"/>
-            <p:cNvSpPr/>
-            <p:nvPr/>
-          </p:nvSpPr>
-          <p:spPr>
-            <a:xfrm>
-              <a:off x="2680075" y="2601250"/>
-              <a:ext cx="389025" cy="623625"/>
-            </a:xfrm>
-            <a:custGeom>
-              <a:avLst/>
-              <a:gdLst/>
-              <a:ahLst/>
-              <a:cxnLst/>
-              <a:rect l="l" t="t" r="r" b="b"/>
-              <a:pathLst>
-                <a:path w="15561" h="24945" extrusionOk="0">
-                  <a:moveTo>
-                    <a:pt x="12596" y="0"/>
-                  </a:moveTo>
-                  <a:cubicBezTo>
-                    <a:pt x="13337" y="0"/>
-                    <a:pt x="13955" y="247"/>
-                    <a:pt x="14449" y="741"/>
-                  </a:cubicBezTo>
-                  <a:cubicBezTo>
-                    <a:pt x="15560" y="1852"/>
-                    <a:pt x="15560" y="3581"/>
-                    <a:pt x="14449" y="4569"/>
-                  </a:cubicBezTo>
-                  <a:lnTo>
-                    <a:pt x="6669" y="12349"/>
-                  </a:lnTo>
-                  <a:lnTo>
-                    <a:pt x="14449" y="20128"/>
-                  </a:lnTo>
-                  <a:cubicBezTo>
-                    <a:pt x="15560" y="21240"/>
-                    <a:pt x="15560" y="22845"/>
-                    <a:pt x="14449" y="23957"/>
-                  </a:cubicBezTo>
-                  <a:cubicBezTo>
-                    <a:pt x="13461" y="24944"/>
-                    <a:pt x="11732" y="24944"/>
-                    <a:pt x="10621" y="23957"/>
-                  </a:cubicBezTo>
-                  <a:lnTo>
-                    <a:pt x="988" y="14325"/>
-                  </a:lnTo>
-                  <a:cubicBezTo>
-                    <a:pt x="1" y="13213"/>
-                    <a:pt x="1" y="11484"/>
-                    <a:pt x="988" y="10496"/>
-                  </a:cubicBezTo>
-                  <a:lnTo>
-                    <a:pt x="10621" y="741"/>
-                  </a:lnTo>
-                  <a:cubicBezTo>
-                    <a:pt x="11238" y="247"/>
-                    <a:pt x="11855" y="0"/>
-                    <a:pt x="12596" y="0"/>
-                  </a:cubicBezTo>
-                  <a:close/>
-                </a:path>
-              </a:pathLst>
-            </a:custGeom>
-            <a:solidFill>
-              <a:schemeClr val="accent2"/>
-            </a:solidFill>
-            <a:ln>
-              <a:noFill/>
-            </a:ln>
-          </p:spPr>
-          <p:txBody>
-            <a:bodyPr spcFirstLastPara="1" wrap="square" lIns="91425" tIns="91425" rIns="91425" bIns="91425" anchor="ctr" anchorCtr="0">
-              <a:noAutofit/>
-            </a:bodyPr>
-            <a:lstStyle/>
-            <a:p>
-              <a:pPr marL="0" lvl="0" indent="0" algn="l" rtl="0">
-                <a:spcBef>
-                  <a:spcPts val="0"/>
-                </a:spcBef>
-                <a:spcAft>
-                  <a:spcPts val="0"/>
-                </a:spcAft>
-                <a:buNone/>
-              </a:pPr>
-              <a:endParaRPr/>
-            </a:p>
-          </p:txBody>
-        </p:sp>
-        <p:sp>
-          <p:nvSpPr>
-            <p:cNvPr id="724" name="Google Shape;724;p9"/>
-            <p:cNvSpPr/>
-            <p:nvPr/>
-          </p:nvSpPr>
-          <p:spPr>
-            <a:xfrm>
-              <a:off x="3056725" y="2601250"/>
-              <a:ext cx="389000" cy="623625"/>
-            </a:xfrm>
-            <a:custGeom>
-              <a:avLst/>
-              <a:gdLst/>
-              <a:ahLst/>
-              <a:cxnLst/>
-              <a:rect l="l" t="t" r="r" b="b"/>
-              <a:pathLst>
-                <a:path w="15560" h="24945" extrusionOk="0">
-                  <a:moveTo>
-                    <a:pt x="12596" y="0"/>
-                  </a:moveTo>
-                  <a:cubicBezTo>
-                    <a:pt x="13337" y="0"/>
-                    <a:pt x="13954" y="247"/>
-                    <a:pt x="14448" y="741"/>
-                  </a:cubicBezTo>
-                  <a:cubicBezTo>
-                    <a:pt x="15559" y="1852"/>
-                    <a:pt x="15559" y="3581"/>
-                    <a:pt x="14448" y="4569"/>
-                  </a:cubicBezTo>
-                  <a:lnTo>
-                    <a:pt x="6792" y="12349"/>
-                  </a:lnTo>
-                  <a:lnTo>
-                    <a:pt x="14448" y="20128"/>
-                  </a:lnTo>
-                  <a:cubicBezTo>
-                    <a:pt x="15559" y="21240"/>
-                    <a:pt x="15559" y="22845"/>
-                    <a:pt x="14448" y="23957"/>
-                  </a:cubicBezTo>
-                  <a:cubicBezTo>
-                    <a:pt x="13460" y="24944"/>
-                    <a:pt x="11731" y="24944"/>
-                    <a:pt x="10743" y="23957"/>
-                  </a:cubicBezTo>
-                  <a:lnTo>
-                    <a:pt x="988" y="14325"/>
-                  </a:lnTo>
-                  <a:cubicBezTo>
-                    <a:pt x="0" y="13213"/>
-                    <a:pt x="0" y="11484"/>
-                    <a:pt x="988" y="10496"/>
-                  </a:cubicBezTo>
-                  <a:lnTo>
-                    <a:pt x="10743" y="741"/>
-                  </a:lnTo>
-                  <a:cubicBezTo>
-                    <a:pt x="11237" y="247"/>
-                    <a:pt x="11855" y="0"/>
-                    <a:pt x="12596" y="0"/>
-                  </a:cubicBezTo>
-                  <a:close/>
-                </a:path>
-              </a:pathLst>
-            </a:custGeom>
-            <a:solidFill>
-              <a:schemeClr val="accent2"/>
-            </a:solidFill>
-            <a:ln>
-              <a:noFill/>
-            </a:ln>
-          </p:spPr>
-          <p:txBody>
-            <a:bodyPr spcFirstLastPara="1" wrap="square" lIns="91425" tIns="91425" rIns="91425" bIns="91425" anchor="ctr" anchorCtr="0">
-              <a:noAutofit/>
-            </a:bodyPr>
-            <a:lstStyle/>
-            <a:p>
-              <a:pPr marL="0" lvl="0" indent="0" algn="l" rtl="0">
-                <a:spcBef>
-                  <a:spcPts val="0"/>
-                </a:spcBef>
-                <a:spcAft>
-                  <a:spcPts val="0"/>
-                </a:spcAft>
-                <a:buNone/>
-              </a:pPr>
-              <a:endParaRPr/>
-            </a:p>
-          </p:txBody>
-        </p:sp>
-        <p:sp>
-          <p:nvSpPr>
-            <p:cNvPr id="725" name="Google Shape;725;p9"/>
-            <p:cNvSpPr/>
-            <p:nvPr/>
-          </p:nvSpPr>
-          <p:spPr>
-            <a:xfrm>
-              <a:off x="3433350" y="2601250"/>
-              <a:ext cx="389000" cy="623625"/>
-            </a:xfrm>
-            <a:custGeom>
-              <a:avLst/>
-              <a:gdLst/>
-              <a:ahLst/>
-              <a:cxnLst/>
-              <a:rect l="l" t="t" r="r" b="b"/>
-              <a:pathLst>
-                <a:path w="15560" h="24945" extrusionOk="0">
-                  <a:moveTo>
-                    <a:pt x="12596" y="0"/>
-                  </a:moveTo>
-                  <a:cubicBezTo>
-                    <a:pt x="13337" y="0"/>
-                    <a:pt x="13955" y="247"/>
-                    <a:pt x="14572" y="741"/>
-                  </a:cubicBezTo>
-                  <a:cubicBezTo>
-                    <a:pt x="15560" y="1852"/>
-                    <a:pt x="15560" y="3581"/>
-                    <a:pt x="14572" y="4569"/>
-                  </a:cubicBezTo>
-                  <a:lnTo>
-                    <a:pt x="6792" y="12349"/>
-                  </a:lnTo>
-                  <a:lnTo>
-                    <a:pt x="14572" y="20128"/>
-                  </a:lnTo>
-                  <a:cubicBezTo>
-                    <a:pt x="15560" y="21240"/>
-                    <a:pt x="15560" y="22845"/>
-                    <a:pt x="14572" y="23957"/>
-                  </a:cubicBezTo>
-                  <a:cubicBezTo>
-                    <a:pt x="13461" y="24944"/>
-                    <a:pt x="11732" y="24944"/>
-                    <a:pt x="10744" y="23957"/>
-                  </a:cubicBezTo>
-                  <a:lnTo>
-                    <a:pt x="988" y="14325"/>
-                  </a:lnTo>
-                  <a:cubicBezTo>
-                    <a:pt x="1" y="13213"/>
-                    <a:pt x="1" y="11484"/>
-                    <a:pt x="988" y="10496"/>
-                  </a:cubicBezTo>
-                  <a:lnTo>
-                    <a:pt x="10744" y="741"/>
-                  </a:lnTo>
-                  <a:cubicBezTo>
-                    <a:pt x="11238" y="247"/>
-                    <a:pt x="11979" y="0"/>
-                    <a:pt x="12596" y="0"/>
-                  </a:cubicBezTo>
-                  <a:close/>
-                </a:path>
-              </a:pathLst>
-            </a:custGeom>
-            <a:solidFill>
-              <a:schemeClr val="accent2"/>
-            </a:solidFill>
-            <a:ln>
-              <a:noFill/>
-            </a:ln>
-          </p:spPr>
-          <p:txBody>
-            <a:bodyPr spcFirstLastPara="1" wrap="square" lIns="91425" tIns="91425" rIns="91425" bIns="91425" anchor="ctr" anchorCtr="0">
-              <a:noAutofit/>
-            </a:bodyPr>
-            <a:lstStyle/>
-            <a:p>
-              <a:pPr marL="0" lvl="0" indent="0" algn="l" rtl="0">
-                <a:spcBef>
-                  <a:spcPts val="0"/>
-                </a:spcBef>
-                <a:spcAft>
-                  <a:spcPts val="0"/>
-                </a:spcAft>
-                <a:buNone/>
-              </a:pPr>
-              <a:endParaRPr/>
-            </a:p>
-          </p:txBody>
-        </p:sp>
-        <p:sp>
-          <p:nvSpPr>
-            <p:cNvPr id="726" name="Google Shape;726;p9"/>
-            <p:cNvSpPr/>
-            <p:nvPr/>
-          </p:nvSpPr>
-          <p:spPr>
-            <a:xfrm>
-              <a:off x="3810000" y="2601250"/>
-              <a:ext cx="389000" cy="623625"/>
-            </a:xfrm>
-            <a:custGeom>
-              <a:avLst/>
-              <a:gdLst/>
-              <a:ahLst/>
-              <a:cxnLst/>
-              <a:rect l="l" t="t" r="r" b="b"/>
-              <a:pathLst>
-                <a:path w="15560" h="24945" extrusionOk="0">
-                  <a:moveTo>
-                    <a:pt x="12596" y="0"/>
-                  </a:moveTo>
-                  <a:cubicBezTo>
-                    <a:pt x="13337" y="0"/>
-                    <a:pt x="13954" y="247"/>
-                    <a:pt x="14572" y="741"/>
-                  </a:cubicBezTo>
-                  <a:cubicBezTo>
-                    <a:pt x="15559" y="1852"/>
-                    <a:pt x="15559" y="3581"/>
-                    <a:pt x="14572" y="4569"/>
-                  </a:cubicBezTo>
-                  <a:lnTo>
-                    <a:pt x="6792" y="12349"/>
-                  </a:lnTo>
-                  <a:lnTo>
-                    <a:pt x="14572" y="20128"/>
-                  </a:lnTo>
-                  <a:cubicBezTo>
-                    <a:pt x="15559" y="21240"/>
-                    <a:pt x="15559" y="22845"/>
-                    <a:pt x="14572" y="23957"/>
-                  </a:cubicBezTo>
-                  <a:cubicBezTo>
-                    <a:pt x="13460" y="24944"/>
-                    <a:pt x="11731" y="24944"/>
-                    <a:pt x="10743" y="23957"/>
-                  </a:cubicBezTo>
-                  <a:lnTo>
-                    <a:pt x="988" y="14325"/>
-                  </a:lnTo>
-                  <a:cubicBezTo>
-                    <a:pt x="0" y="13213"/>
-                    <a:pt x="0" y="11484"/>
-                    <a:pt x="988" y="10496"/>
-                  </a:cubicBezTo>
-                  <a:lnTo>
-                    <a:pt x="10743" y="741"/>
-                  </a:lnTo>
-                  <a:cubicBezTo>
-                    <a:pt x="11237" y="247"/>
-                    <a:pt x="11978" y="0"/>
-                    <a:pt x="12596" y="0"/>
-                  </a:cubicBezTo>
-                  <a:close/>
-                </a:path>
-              </a:pathLst>
-            </a:custGeom>
-            <a:solidFill>
-              <a:schemeClr val="accent2"/>
-            </a:solidFill>
-            <a:ln>
-              <a:noFill/>
-            </a:ln>
-          </p:spPr>
-          <p:txBody>
-            <a:bodyPr spcFirstLastPara="1" wrap="square" lIns="91425" tIns="91425" rIns="91425" bIns="91425" anchor="ctr" anchorCtr="0">
-              <a:noAutofit/>
-            </a:bodyPr>
-            <a:lstStyle/>
-            <a:p>
-              <a:pPr marL="0" lvl="0" indent="0" algn="l" rtl="0">
-                <a:spcBef>
-                  <a:spcPts val="0"/>
-                </a:spcBef>
-                <a:spcAft>
-                  <a:spcPts val="0"/>
-                </a:spcAft>
-                <a:buNone/>
-              </a:pPr>
-              <a:endParaRPr/>
-            </a:p>
-          </p:txBody>
-        </p:sp>
-        <p:sp>
-          <p:nvSpPr>
-            <p:cNvPr id="727" name="Google Shape;727;p9"/>
-            <p:cNvSpPr/>
-            <p:nvPr/>
-          </p:nvSpPr>
-          <p:spPr>
-            <a:xfrm>
-              <a:off x="4186625" y="2601250"/>
-              <a:ext cx="389000" cy="623625"/>
-            </a:xfrm>
-            <a:custGeom>
-              <a:avLst/>
-              <a:gdLst/>
-              <a:ahLst/>
-              <a:cxnLst/>
-              <a:rect l="l" t="t" r="r" b="b"/>
-              <a:pathLst>
-                <a:path w="15560" h="24945" extrusionOk="0">
-                  <a:moveTo>
-                    <a:pt x="12596" y="0"/>
-                  </a:moveTo>
-                  <a:cubicBezTo>
-                    <a:pt x="13337" y="0"/>
-                    <a:pt x="13955" y="247"/>
-                    <a:pt x="14572" y="741"/>
-                  </a:cubicBezTo>
-                  <a:cubicBezTo>
-                    <a:pt x="15560" y="1852"/>
-                    <a:pt x="15560" y="3581"/>
-                    <a:pt x="14572" y="4569"/>
-                  </a:cubicBezTo>
-                  <a:lnTo>
-                    <a:pt x="6792" y="12349"/>
-                  </a:lnTo>
-                  <a:lnTo>
-                    <a:pt x="14572" y="20128"/>
-                  </a:lnTo>
-                  <a:cubicBezTo>
-                    <a:pt x="15560" y="21240"/>
-                    <a:pt x="15560" y="22845"/>
-                    <a:pt x="14572" y="23957"/>
-                  </a:cubicBezTo>
-                  <a:cubicBezTo>
-                    <a:pt x="13461" y="24944"/>
-                    <a:pt x="11732" y="24944"/>
-                    <a:pt x="10744" y="23957"/>
-                  </a:cubicBezTo>
-                  <a:lnTo>
-                    <a:pt x="988" y="14325"/>
-                  </a:lnTo>
-                  <a:cubicBezTo>
-                    <a:pt x="0" y="13213"/>
-                    <a:pt x="0" y="11484"/>
-                    <a:pt x="988" y="10496"/>
-                  </a:cubicBezTo>
-                  <a:lnTo>
-                    <a:pt x="10744" y="741"/>
-                  </a:lnTo>
-                  <a:cubicBezTo>
-                    <a:pt x="11238" y="247"/>
-                    <a:pt x="11979" y="0"/>
-                    <a:pt x="12596" y="0"/>
-                  </a:cubicBezTo>
-                  <a:close/>
-                </a:path>
-              </a:pathLst>
-            </a:custGeom>
-            <a:solidFill>
-              <a:schemeClr val="accent2"/>
-            </a:solidFill>
-            <a:ln>
-              <a:noFill/>
-            </a:ln>
-          </p:spPr>
-          <p:txBody>
-            <a:bodyPr spcFirstLastPara="1" wrap="square" lIns="91425" tIns="91425" rIns="91425" bIns="91425" anchor="ctr" anchorCtr="0">
-              <a:noAutofit/>
-            </a:bodyPr>
-            <a:lstStyle/>
-            <a:p>
-              <a:pPr marL="0" lvl="0" indent="0" algn="l" rtl="0">
-                <a:spcBef>
-                  <a:spcPts val="0"/>
-                </a:spcBef>
-                <a:spcAft>
-                  <a:spcPts val="0"/>
-                </a:spcAft>
-                <a:buNone/>
-              </a:pPr>
-              <a:endParaRPr/>
-            </a:p>
-          </p:txBody>
-        </p:sp>
-      </p:grpSp>
-      <p:sp>
-        <p:nvSpPr>
-          <p:cNvPr id="728" name="Google Shape;728;p9"/>
-          <p:cNvSpPr/>
-          <p:nvPr/>
-        </p:nvSpPr>
-        <p:spPr>
-          <a:xfrm rot="5400000">
-            <a:off x="1495470" y="-491996"/>
-            <a:ext cx="1994700" cy="68100"/>
-          </a:xfrm>
-          <a:prstGeom prst="roundRect">
-            <a:avLst>
-              <a:gd name="adj" fmla="val 50000"/>
-            </a:avLst>
-          </a:prstGeom>
-          <a:gradFill>
-            <a:gsLst>
-              <a:gs pos="0">
-                <a:schemeClr val="lt2"/>
-              </a:gs>
-              <a:gs pos="100000">
-                <a:schemeClr val="accent2"/>
-              </a:gs>
-            </a:gsLst>
-            <a:lin ang="2698631" scaled="0"/>
-          </a:gradFill>
-          <a:ln>
-            <a:noFill/>
-          </a:ln>
-        </p:spPr>
-        <p:txBody>
-          <a:bodyPr spcFirstLastPara="1" wrap="square" lIns="91425" tIns="91425" rIns="91425" bIns="91425" anchor="ctr" anchorCtr="0">
-            <a:noAutofit/>
-          </a:bodyPr>
-          <a:lstStyle/>
-          <a:p>
-            <a:pPr marL="0" lvl="0" indent="0" algn="l" rtl="0">
-              <a:spcBef>
-                <a:spcPts val="0"/>
-              </a:spcBef>
-              <a:spcAft>
-                <a:spcPts val="0"/>
-              </a:spcAft>
-              <a:buNone/>
-            </a:pPr>
-            <a:endParaRPr/>
-          </a:p>
-        </p:txBody>
-      </p:sp>
-      <p:sp>
-        <p:nvSpPr>
-          <p:cNvPr id="729" name="Google Shape;729;p9"/>
-          <p:cNvSpPr/>
-          <p:nvPr/>
-        </p:nvSpPr>
-        <p:spPr>
-          <a:xfrm rot="5400000">
-            <a:off x="1774770" y="-188896"/>
-            <a:ext cx="1994700" cy="68100"/>
-          </a:xfrm>
-          <a:prstGeom prst="roundRect">
-            <a:avLst>
-              <a:gd name="adj" fmla="val 50000"/>
-            </a:avLst>
-          </a:prstGeom>
-          <a:gradFill>
-            <a:gsLst>
-              <a:gs pos="0">
-                <a:schemeClr val="lt2"/>
-              </a:gs>
-              <a:gs pos="100000">
-                <a:schemeClr val="accent2"/>
-              </a:gs>
-            </a:gsLst>
-            <a:lin ang="2698631" scaled="0"/>
-          </a:gradFill>
-          <a:ln>
-            <a:noFill/>
-          </a:ln>
-        </p:spPr>
-        <p:txBody>
-          <a:bodyPr spcFirstLastPara="1" wrap="square" lIns="91425" tIns="91425" rIns="91425" bIns="91425" anchor="ctr" anchorCtr="0">
-            <a:noAutofit/>
-          </a:bodyPr>
-          <a:lstStyle/>
-          <a:p>
-            <a:pPr marL="0" lvl="0" indent="0" algn="l" rtl="0">
-              <a:spcBef>
-                <a:spcPts val="0"/>
-              </a:spcBef>
-              <a:spcAft>
-                <a:spcPts val="0"/>
-              </a:spcAft>
-              <a:buNone/>
-            </a:pPr>
-            <a:endParaRPr/>
-          </a:p>
-        </p:txBody>
-      </p:sp>
-      <p:sp>
-        <p:nvSpPr>
-          <p:cNvPr id="730" name="Google Shape;730;p9"/>
-          <p:cNvSpPr/>
-          <p:nvPr/>
-        </p:nvSpPr>
-        <p:spPr>
-          <a:xfrm>
-            <a:off x="8557212" y="-11"/>
-            <a:ext cx="586800" cy="1284425"/>
-          </a:xfrm>
-          <a:prstGeom prst="flowChartOffpageConnector">
-            <a:avLst/>
-          </a:prstGeom>
-          <a:gradFill>
-            <a:gsLst>
-              <a:gs pos="0">
-                <a:schemeClr val="accent4"/>
-              </a:gs>
-              <a:gs pos="100000">
-                <a:schemeClr val="lt2"/>
-              </a:gs>
-            </a:gsLst>
-            <a:lin ang="16200038" scaled="0"/>
-          </a:gradFill>
-          <a:ln>
-            <a:noFill/>
-          </a:ln>
-        </p:spPr>
-        <p:txBody>
-          <a:bodyPr spcFirstLastPara="1" wrap="square" lIns="91425" tIns="91425" rIns="91425" bIns="91425" anchor="ctr" anchorCtr="0">
-            <a:noAutofit/>
-          </a:bodyPr>
-          <a:lstStyle/>
-          <a:p>
-            <a:pPr marL="0" lvl="0" indent="0" algn="l" rtl="0">
-              <a:spcBef>
-                <a:spcPts val="0"/>
-              </a:spcBef>
-              <a:spcAft>
-                <a:spcPts val="0"/>
-              </a:spcAft>
-              <a:buNone/>
-            </a:pPr>
-            <a:endParaRPr/>
-          </a:p>
-        </p:txBody>
-      </p:sp>
-      <p:grpSp>
-        <p:nvGrpSpPr>
-          <p:cNvPr id="731" name="Google Shape;731;p9"/>
-          <p:cNvGrpSpPr/>
-          <p:nvPr/>
-        </p:nvGrpSpPr>
-        <p:grpSpPr>
-          <a:xfrm>
-            <a:off x="-1414555" y="3287329"/>
-            <a:ext cx="2297800" cy="347400"/>
-            <a:chOff x="-1414555" y="3439729"/>
-            <a:chExt cx="2297800" cy="347400"/>
-          </a:xfrm>
-        </p:grpSpPr>
-        <p:sp>
-          <p:nvSpPr>
-            <p:cNvPr id="732" name="Google Shape;732;p9"/>
-            <p:cNvSpPr/>
-            <p:nvPr/>
-          </p:nvSpPr>
-          <p:spPr>
-            <a:xfrm>
-              <a:off x="-1414555" y="3719029"/>
-              <a:ext cx="1994700" cy="68100"/>
-            </a:xfrm>
-            <a:prstGeom prst="roundRect">
-              <a:avLst>
-                <a:gd name="adj" fmla="val 50000"/>
-              </a:avLst>
-            </a:prstGeom>
-            <a:gradFill>
-              <a:gsLst>
-                <a:gs pos="0">
-                  <a:schemeClr val="lt2"/>
-                </a:gs>
-                <a:gs pos="100000">
-                  <a:schemeClr val="accent2"/>
-                </a:gs>
-              </a:gsLst>
-              <a:lin ang="2698631" scaled="0"/>
-            </a:gradFill>
-            <a:ln>
-              <a:noFill/>
-            </a:ln>
-          </p:spPr>
-          <p:txBody>
-            <a:bodyPr spcFirstLastPara="1" wrap="square" lIns="91425" tIns="91425" rIns="91425" bIns="91425" anchor="ctr" anchorCtr="0">
-              <a:noAutofit/>
-            </a:bodyPr>
-            <a:lstStyle/>
-            <a:p>
-              <a:pPr marL="0" lvl="0" indent="0" algn="l" rtl="0">
-                <a:spcBef>
-                  <a:spcPts val="0"/>
-                </a:spcBef>
-                <a:spcAft>
-                  <a:spcPts val="0"/>
-                </a:spcAft>
-                <a:buNone/>
-              </a:pPr>
-              <a:endParaRPr/>
-            </a:p>
-          </p:txBody>
-        </p:sp>
-        <p:sp>
-          <p:nvSpPr>
-            <p:cNvPr id="733" name="Google Shape;733;p9"/>
-            <p:cNvSpPr/>
-            <p:nvPr/>
-          </p:nvSpPr>
-          <p:spPr>
-            <a:xfrm>
-              <a:off x="-1111455" y="3439729"/>
-              <a:ext cx="1994700" cy="68100"/>
-            </a:xfrm>
-            <a:prstGeom prst="roundRect">
-              <a:avLst>
-                <a:gd name="adj" fmla="val 50000"/>
-              </a:avLst>
-            </a:prstGeom>
-            <a:gradFill>
-              <a:gsLst>
-                <a:gs pos="0">
-                  <a:schemeClr val="lt2"/>
-                </a:gs>
-                <a:gs pos="100000">
-                  <a:schemeClr val="accent2"/>
-                </a:gs>
-              </a:gsLst>
-              <a:lin ang="2698631" scaled="0"/>
-            </a:gradFill>
-            <a:ln>
-              <a:noFill/>
-            </a:ln>
-          </p:spPr>
-          <p:txBody>
-            <a:bodyPr spcFirstLastPara="1" wrap="square" lIns="91425" tIns="91425" rIns="91425" bIns="91425" anchor="ctr" anchorCtr="0">
-              <a:noAutofit/>
-            </a:bodyPr>
-            <a:lstStyle/>
-            <a:p>
-              <a:pPr marL="0" lvl="0" indent="0" algn="l" rtl="0">
-                <a:spcBef>
-                  <a:spcPts val="0"/>
-                </a:spcBef>
-                <a:spcAft>
-                  <a:spcPts val="0"/>
-                </a:spcAft>
-                <a:buNone/>
-              </a:pPr>
-              <a:endParaRPr/>
-            </a:p>
-          </p:txBody>
-        </p:sp>
-      </p:grpSp>
-      <p:grpSp>
-        <p:nvGrpSpPr>
-          <p:cNvPr id="734" name="Google Shape;734;p9"/>
-          <p:cNvGrpSpPr/>
-          <p:nvPr/>
-        </p:nvGrpSpPr>
-        <p:grpSpPr>
-          <a:xfrm>
-            <a:off x="5512632" y="-116346"/>
-            <a:ext cx="1520982" cy="302065"/>
-            <a:chOff x="5642557" y="-150670"/>
-            <a:chExt cx="1520982" cy="302065"/>
-          </a:xfrm>
-        </p:grpSpPr>
-        <p:sp>
-          <p:nvSpPr>
-            <p:cNvPr id="735" name="Google Shape;735;p9"/>
-            <p:cNvSpPr/>
-            <p:nvPr/>
-          </p:nvSpPr>
-          <p:spPr>
-            <a:xfrm>
-              <a:off x="5736006" y="-104304"/>
-              <a:ext cx="1335611" cy="209364"/>
-            </a:xfrm>
-            <a:custGeom>
-              <a:avLst/>
-              <a:gdLst/>
-              <a:ahLst/>
-              <a:cxnLst/>
-              <a:rect l="l" t="t" r="r" b="b"/>
-              <a:pathLst>
-                <a:path w="42863" h="6719" fill="none" extrusionOk="0">
-                  <a:moveTo>
-                    <a:pt x="1" y="0"/>
-                  </a:moveTo>
-                  <a:lnTo>
-                    <a:pt x="19064" y="0"/>
-                  </a:lnTo>
-                  <a:lnTo>
-                    <a:pt x="25782" y="6718"/>
-                  </a:lnTo>
-                  <a:lnTo>
-                    <a:pt x="42862" y="6718"/>
-                  </a:lnTo>
-                </a:path>
-              </a:pathLst>
-            </a:custGeom>
-            <a:noFill/>
-            <a:ln w="19050" cap="rnd" cmpd="sng">
-              <a:solidFill>
-                <a:schemeClr val="accent3"/>
-              </a:solidFill>
-              <a:prstDash val="solid"/>
-              <a:round/>
-              <a:headEnd type="none" w="sm" len="sm"/>
-              <a:tailEnd type="none" w="sm" len="sm"/>
-            </a:ln>
-          </p:spPr>
-          <p:txBody>
-            <a:bodyPr spcFirstLastPara="1" wrap="square" lIns="91425" tIns="91425" rIns="91425" bIns="91425" anchor="ctr" anchorCtr="0">
-              <a:noAutofit/>
-            </a:bodyPr>
-            <a:lstStyle/>
-            <a:p>
-              <a:pPr marL="0" lvl="0" indent="0" algn="l" rtl="0">
-                <a:spcBef>
-                  <a:spcPts val="0"/>
-                </a:spcBef>
-                <a:spcAft>
-                  <a:spcPts val="0"/>
-                </a:spcAft>
-                <a:buNone/>
-              </a:pPr>
-              <a:endParaRPr/>
-            </a:p>
-          </p:txBody>
-        </p:sp>
-        <p:sp>
-          <p:nvSpPr>
-            <p:cNvPr id="736" name="Google Shape;736;p9"/>
-            <p:cNvSpPr/>
-            <p:nvPr/>
-          </p:nvSpPr>
-          <p:spPr>
-            <a:xfrm>
-              <a:off x="7071586" y="59442"/>
-              <a:ext cx="91953" cy="91953"/>
-            </a:xfrm>
-            <a:custGeom>
-              <a:avLst/>
-              <a:gdLst/>
-              <a:ahLst/>
-              <a:cxnLst/>
-              <a:rect l="l" t="t" r="r" b="b"/>
-              <a:pathLst>
-                <a:path w="2951" h="2951" fill="none" extrusionOk="0">
-                  <a:moveTo>
-                    <a:pt x="2950" y="1463"/>
-                  </a:moveTo>
-                  <a:cubicBezTo>
-                    <a:pt x="2950" y="2281"/>
-                    <a:pt x="2281" y="2951"/>
-                    <a:pt x="1463" y="2951"/>
-                  </a:cubicBezTo>
-                  <a:cubicBezTo>
-                    <a:pt x="645" y="2951"/>
-                    <a:pt x="0" y="2281"/>
-                    <a:pt x="0" y="1463"/>
-                  </a:cubicBezTo>
-                  <a:cubicBezTo>
-                    <a:pt x="0" y="670"/>
-                    <a:pt x="645" y="1"/>
-                    <a:pt x="1463" y="1"/>
-                  </a:cubicBezTo>
-                  <a:cubicBezTo>
-                    <a:pt x="2281" y="1"/>
-                    <a:pt x="2950" y="670"/>
-                    <a:pt x="2950" y="1463"/>
-                  </a:cubicBezTo>
-                  <a:close/>
-                </a:path>
-              </a:pathLst>
-            </a:custGeom>
-            <a:noFill/>
-            <a:ln w="19050" cap="rnd" cmpd="sng">
-              <a:solidFill>
-                <a:schemeClr val="accent3"/>
-              </a:solidFill>
-              <a:prstDash val="solid"/>
-              <a:round/>
-              <a:headEnd type="none" w="sm" len="sm"/>
-              <a:tailEnd type="none" w="sm" len="sm"/>
-            </a:ln>
-          </p:spPr>
-          <p:txBody>
-            <a:bodyPr spcFirstLastPara="1" wrap="square" lIns="91425" tIns="91425" rIns="91425" bIns="91425" anchor="ctr" anchorCtr="0">
-              <a:noAutofit/>
-            </a:bodyPr>
-            <a:lstStyle/>
-            <a:p>
-              <a:pPr marL="0" lvl="0" indent="0" algn="l" rtl="0">
-                <a:spcBef>
-                  <a:spcPts val="0"/>
-                </a:spcBef>
-                <a:spcAft>
-                  <a:spcPts val="0"/>
-                </a:spcAft>
-                <a:buNone/>
-              </a:pPr>
-              <a:endParaRPr/>
-            </a:p>
-          </p:txBody>
-        </p:sp>
-        <p:sp>
-          <p:nvSpPr>
-            <p:cNvPr id="737" name="Google Shape;737;p9"/>
-            <p:cNvSpPr/>
-            <p:nvPr/>
-          </p:nvSpPr>
-          <p:spPr>
-            <a:xfrm>
-              <a:off x="7095517" y="84152"/>
-              <a:ext cx="43281" cy="42533"/>
-            </a:xfrm>
-            <a:custGeom>
-              <a:avLst/>
-              <a:gdLst/>
-              <a:ahLst/>
-              <a:cxnLst/>
-              <a:rect l="l" t="t" r="r" b="b"/>
-              <a:pathLst>
-                <a:path w="1389" h="1365" extrusionOk="0">
-                  <a:moveTo>
-                    <a:pt x="695" y="1"/>
-                  </a:moveTo>
-                  <a:cubicBezTo>
-                    <a:pt x="323" y="1"/>
-                    <a:pt x="1" y="298"/>
-                    <a:pt x="1" y="670"/>
-                  </a:cubicBezTo>
-                  <a:cubicBezTo>
-                    <a:pt x="1" y="1067"/>
-                    <a:pt x="323" y="1364"/>
-                    <a:pt x="695" y="1364"/>
-                  </a:cubicBezTo>
-                  <a:cubicBezTo>
-                    <a:pt x="1091" y="1364"/>
-                    <a:pt x="1389" y="1067"/>
-                    <a:pt x="1389" y="670"/>
-                  </a:cubicBezTo>
-                  <a:cubicBezTo>
-                    <a:pt x="1389" y="298"/>
-                    <a:pt x="1091" y="1"/>
-                    <a:pt x="695" y="1"/>
-                  </a:cubicBezTo>
-                  <a:close/>
-                </a:path>
-              </a:pathLst>
-            </a:custGeom>
-            <a:solidFill>
-              <a:schemeClr val="accent3"/>
-            </a:solidFill>
-            <a:ln>
-              <a:noFill/>
-            </a:ln>
-          </p:spPr>
-          <p:txBody>
-            <a:bodyPr spcFirstLastPara="1" wrap="square" lIns="91425" tIns="91425" rIns="91425" bIns="91425" anchor="ctr" anchorCtr="0">
-              <a:noAutofit/>
-            </a:bodyPr>
-            <a:lstStyle/>
-            <a:p>
-              <a:pPr marL="0" lvl="0" indent="0" algn="l" rtl="0">
-                <a:spcBef>
-                  <a:spcPts val="0"/>
-                </a:spcBef>
-                <a:spcAft>
-                  <a:spcPts val="0"/>
-                </a:spcAft>
-                <a:buNone/>
-              </a:pPr>
-              <a:endParaRPr/>
-            </a:p>
-          </p:txBody>
-        </p:sp>
-        <p:sp>
-          <p:nvSpPr>
-            <p:cNvPr id="738" name="Google Shape;738;p9"/>
-            <p:cNvSpPr/>
-            <p:nvPr/>
-          </p:nvSpPr>
-          <p:spPr>
-            <a:xfrm>
-              <a:off x="5642557" y="-150670"/>
-              <a:ext cx="91953" cy="92732"/>
-            </a:xfrm>
-            <a:custGeom>
-              <a:avLst/>
-              <a:gdLst/>
-              <a:ahLst/>
-              <a:cxnLst/>
-              <a:rect l="l" t="t" r="r" b="b"/>
-              <a:pathLst>
-                <a:path w="2951" h="2976" fill="none" extrusionOk="0">
-                  <a:moveTo>
-                    <a:pt x="2950" y="1488"/>
-                  </a:moveTo>
-                  <a:cubicBezTo>
-                    <a:pt x="2950" y="2306"/>
-                    <a:pt x="2281" y="2976"/>
-                    <a:pt x="1463" y="2976"/>
-                  </a:cubicBezTo>
-                  <a:cubicBezTo>
-                    <a:pt x="645" y="2976"/>
-                    <a:pt x="0" y="2306"/>
-                    <a:pt x="0" y="1488"/>
-                  </a:cubicBezTo>
-                  <a:cubicBezTo>
-                    <a:pt x="0" y="670"/>
-                    <a:pt x="645" y="1"/>
-                    <a:pt x="1463" y="1"/>
-                  </a:cubicBezTo>
-                  <a:cubicBezTo>
-                    <a:pt x="2281" y="1"/>
-                    <a:pt x="2950" y="670"/>
-                    <a:pt x="2950" y="1488"/>
-                  </a:cubicBezTo>
-                  <a:close/>
-                </a:path>
-              </a:pathLst>
-            </a:custGeom>
-            <a:noFill/>
-            <a:ln w="19050" cap="rnd" cmpd="sng">
-              <a:solidFill>
-                <a:schemeClr val="accent3"/>
-              </a:solidFill>
-              <a:prstDash val="solid"/>
-              <a:round/>
-              <a:headEnd type="none" w="sm" len="sm"/>
-              <a:tailEnd type="none" w="sm" len="sm"/>
-            </a:ln>
-          </p:spPr>
-          <p:txBody>
-            <a:bodyPr spcFirstLastPara="1" wrap="square" lIns="91425" tIns="91425" rIns="91425" bIns="91425" anchor="ctr" anchorCtr="0">
-              <a:noAutofit/>
-            </a:bodyPr>
-            <a:lstStyle/>
-            <a:p>
-              <a:pPr marL="0" lvl="0" indent="0" algn="l" rtl="0">
-                <a:spcBef>
-                  <a:spcPts val="0"/>
-                </a:spcBef>
-                <a:spcAft>
-                  <a:spcPts val="0"/>
-                </a:spcAft>
-                <a:buNone/>
-              </a:pPr>
-              <a:endParaRPr/>
-            </a:p>
-          </p:txBody>
-        </p:sp>
-        <p:sp>
-          <p:nvSpPr>
-            <p:cNvPr id="739" name="Google Shape;739;p9"/>
-            <p:cNvSpPr/>
-            <p:nvPr/>
-          </p:nvSpPr>
-          <p:spPr>
-            <a:xfrm>
-              <a:off x="5666488" y="-125929"/>
-              <a:ext cx="43281" cy="43281"/>
-            </a:xfrm>
-            <a:custGeom>
-              <a:avLst/>
-              <a:gdLst/>
-              <a:ahLst/>
-              <a:cxnLst/>
-              <a:rect l="l" t="t" r="r" b="b"/>
-              <a:pathLst>
-                <a:path w="1389" h="1389" extrusionOk="0">
-                  <a:moveTo>
-                    <a:pt x="695" y="0"/>
-                  </a:moveTo>
-                  <a:cubicBezTo>
-                    <a:pt x="323" y="0"/>
-                    <a:pt x="1" y="322"/>
-                    <a:pt x="1" y="694"/>
-                  </a:cubicBezTo>
-                  <a:cubicBezTo>
-                    <a:pt x="1" y="1066"/>
-                    <a:pt x="323" y="1388"/>
-                    <a:pt x="695" y="1388"/>
-                  </a:cubicBezTo>
-                  <a:cubicBezTo>
-                    <a:pt x="1092" y="1388"/>
-                    <a:pt x="1389" y="1066"/>
-                    <a:pt x="1389" y="694"/>
-                  </a:cubicBezTo>
-                  <a:cubicBezTo>
-                    <a:pt x="1389" y="322"/>
-                    <a:pt x="1092" y="0"/>
-                    <a:pt x="695" y="0"/>
-                  </a:cubicBezTo>
-                  <a:close/>
-                </a:path>
-              </a:pathLst>
-            </a:custGeom>
-            <a:solidFill>
-              <a:schemeClr val="accent3"/>
-            </a:solidFill>
-            <a:ln>
-              <a:noFill/>
-            </a:ln>
-          </p:spPr>
-          <p:txBody>
-            <a:bodyPr spcFirstLastPara="1" wrap="square" lIns="91425" tIns="91425" rIns="91425" bIns="91425" anchor="ctr" anchorCtr="0">
-              <a:noAutofit/>
-            </a:bodyPr>
-            <a:lstStyle/>
-            <a:p>
-              <a:pPr marL="0" lvl="0" indent="0" algn="l" rtl="0">
-                <a:spcBef>
-                  <a:spcPts val="0"/>
-                </a:spcBef>
-                <a:spcAft>
-                  <a:spcPts val="0"/>
-                </a:spcAft>
-                <a:buNone/>
-              </a:pPr>
-              <a:endParaRPr/>
-            </a:p>
-          </p:txBody>
-        </p:sp>
-      </p:grpSp>
-      <p:grpSp>
-        <p:nvGrpSpPr>
-          <p:cNvPr id="740" name="Google Shape;740;p9"/>
-          <p:cNvGrpSpPr/>
-          <p:nvPr/>
-        </p:nvGrpSpPr>
-        <p:grpSpPr>
-          <a:xfrm rot="10800000" flipH="1">
-            <a:off x="7918521" y="1923880"/>
-            <a:ext cx="1823016" cy="296643"/>
-            <a:chOff x="7857346" y="3902355"/>
-            <a:chExt cx="1823016" cy="296643"/>
-          </a:xfrm>
-        </p:grpSpPr>
-        <p:sp>
-          <p:nvSpPr>
-            <p:cNvPr id="741" name="Google Shape;741;p9"/>
-            <p:cNvSpPr/>
-            <p:nvPr/>
-          </p:nvSpPr>
-          <p:spPr>
-            <a:xfrm>
-              <a:off x="7956216" y="4048371"/>
-              <a:ext cx="1724145" cy="150627"/>
-            </a:xfrm>
-            <a:custGeom>
-              <a:avLst/>
-              <a:gdLst/>
-              <a:ahLst/>
-              <a:cxnLst/>
-              <a:rect l="l" t="t" r="r" b="b"/>
-              <a:pathLst>
-                <a:path w="55332" h="4834" fill="none" extrusionOk="0">
-                  <a:moveTo>
-                    <a:pt x="55331" y="4834"/>
-                  </a:moveTo>
-                  <a:lnTo>
-                    <a:pt x="28930" y="4834"/>
-                  </a:lnTo>
-                  <a:lnTo>
-                    <a:pt x="27294" y="3198"/>
-                  </a:lnTo>
-                  <a:lnTo>
-                    <a:pt x="24072" y="0"/>
-                  </a:lnTo>
-                  <a:lnTo>
-                    <a:pt x="1" y="0"/>
-                  </a:lnTo>
-                </a:path>
-              </a:pathLst>
-            </a:custGeom>
-            <a:noFill/>
-            <a:ln w="19050" cap="rnd" cmpd="sng">
-              <a:solidFill>
-                <a:schemeClr val="accent3"/>
-              </a:solidFill>
-              <a:prstDash val="solid"/>
-              <a:round/>
-              <a:headEnd type="none" w="sm" len="sm"/>
-              <a:tailEnd type="none" w="sm" len="sm"/>
-            </a:ln>
-          </p:spPr>
-          <p:txBody>
-            <a:bodyPr spcFirstLastPara="1" wrap="square" lIns="91425" tIns="91425" rIns="91425" bIns="91425" anchor="ctr" anchorCtr="0">
-              <a:noAutofit/>
-            </a:bodyPr>
-            <a:lstStyle/>
-            <a:p>
-              <a:pPr marL="0" lvl="0" indent="0" algn="l" rtl="0">
-                <a:spcBef>
-                  <a:spcPts val="0"/>
-                </a:spcBef>
-                <a:spcAft>
-                  <a:spcPts val="0"/>
-                </a:spcAft>
-                <a:buNone/>
-              </a:pPr>
-              <a:endParaRPr/>
-            </a:p>
-          </p:txBody>
-        </p:sp>
-        <p:sp>
-          <p:nvSpPr>
-            <p:cNvPr id="742" name="Google Shape;742;p9"/>
-            <p:cNvSpPr/>
-            <p:nvPr/>
-          </p:nvSpPr>
-          <p:spPr>
-            <a:xfrm>
-              <a:off x="8453686" y="3902355"/>
-              <a:ext cx="91953" cy="91953"/>
-            </a:xfrm>
-            <a:custGeom>
-              <a:avLst/>
-              <a:gdLst/>
-              <a:ahLst/>
-              <a:cxnLst/>
-              <a:rect l="l" t="t" r="r" b="b"/>
-              <a:pathLst>
-                <a:path w="2951" h="2951" fill="none" extrusionOk="0">
-                  <a:moveTo>
-                    <a:pt x="0" y="1488"/>
-                  </a:moveTo>
-                  <a:cubicBezTo>
-                    <a:pt x="0" y="670"/>
-                    <a:pt x="670" y="1"/>
-                    <a:pt x="1488" y="1"/>
-                  </a:cubicBezTo>
-                  <a:cubicBezTo>
-                    <a:pt x="2306" y="1"/>
-                    <a:pt x="2950" y="670"/>
-                    <a:pt x="2950" y="1488"/>
-                  </a:cubicBezTo>
-                  <a:cubicBezTo>
-                    <a:pt x="2950" y="2281"/>
-                    <a:pt x="2306" y="2951"/>
-                    <a:pt x="1488" y="2951"/>
-                  </a:cubicBezTo>
-                  <a:cubicBezTo>
-                    <a:pt x="670" y="2951"/>
-                    <a:pt x="0" y="2281"/>
-                    <a:pt x="0" y="1488"/>
-                  </a:cubicBezTo>
-                  <a:close/>
-                </a:path>
-              </a:pathLst>
-            </a:custGeom>
-            <a:noFill/>
-            <a:ln w="19050" cap="rnd" cmpd="sng">
-              <a:solidFill>
-                <a:schemeClr val="accent3"/>
-              </a:solidFill>
-              <a:prstDash val="solid"/>
-              <a:round/>
-              <a:headEnd type="none" w="sm" len="sm"/>
-              <a:tailEnd type="none" w="sm" len="sm"/>
-            </a:ln>
-          </p:spPr>
-          <p:txBody>
-            <a:bodyPr spcFirstLastPara="1" wrap="square" lIns="91425" tIns="91425" rIns="91425" bIns="91425" anchor="ctr" anchorCtr="0">
-              <a:noAutofit/>
-            </a:bodyPr>
-            <a:lstStyle/>
-            <a:p>
-              <a:pPr marL="0" lvl="0" indent="0" algn="l" rtl="0">
-                <a:spcBef>
-                  <a:spcPts val="0"/>
-                </a:spcBef>
-                <a:spcAft>
-                  <a:spcPts val="0"/>
-                </a:spcAft>
-                <a:buNone/>
-              </a:pPr>
-              <a:endParaRPr/>
-            </a:p>
-          </p:txBody>
-        </p:sp>
-        <p:sp>
-          <p:nvSpPr>
-            <p:cNvPr id="743" name="Google Shape;743;p9"/>
-            <p:cNvSpPr/>
-            <p:nvPr/>
-          </p:nvSpPr>
-          <p:spPr>
-            <a:xfrm>
-              <a:off x="8478396" y="3927096"/>
-              <a:ext cx="43281" cy="42502"/>
-            </a:xfrm>
-            <a:custGeom>
-              <a:avLst/>
-              <a:gdLst/>
-              <a:ahLst/>
-              <a:cxnLst/>
-              <a:rect l="l" t="t" r="r" b="b"/>
-              <a:pathLst>
-                <a:path w="1389" h="1364" extrusionOk="0">
-                  <a:moveTo>
-                    <a:pt x="695" y="0"/>
-                  </a:moveTo>
-                  <a:cubicBezTo>
-                    <a:pt x="298" y="0"/>
-                    <a:pt x="1" y="298"/>
-                    <a:pt x="1" y="694"/>
-                  </a:cubicBezTo>
-                  <a:cubicBezTo>
-                    <a:pt x="1" y="1066"/>
-                    <a:pt x="298" y="1363"/>
-                    <a:pt x="695" y="1363"/>
-                  </a:cubicBezTo>
-                  <a:cubicBezTo>
-                    <a:pt x="1067" y="1363"/>
-                    <a:pt x="1389" y="1066"/>
-                    <a:pt x="1389" y="694"/>
-                  </a:cubicBezTo>
-                  <a:cubicBezTo>
-                    <a:pt x="1389" y="298"/>
-                    <a:pt x="1067" y="0"/>
-                    <a:pt x="695" y="0"/>
-                  </a:cubicBezTo>
-                  <a:close/>
-                </a:path>
-              </a:pathLst>
-            </a:custGeom>
-            <a:solidFill>
-              <a:schemeClr val="accent3"/>
-            </a:solidFill>
-            <a:ln>
-              <a:noFill/>
-            </a:ln>
-          </p:spPr>
-          <p:txBody>
-            <a:bodyPr spcFirstLastPara="1" wrap="square" lIns="91425" tIns="91425" rIns="91425" bIns="91425" anchor="ctr" anchorCtr="0">
-              <a:noAutofit/>
-            </a:bodyPr>
-            <a:lstStyle/>
-            <a:p>
-              <a:pPr marL="0" lvl="0" indent="0" algn="l" rtl="0">
-                <a:spcBef>
-                  <a:spcPts val="0"/>
-                </a:spcBef>
-                <a:spcAft>
-                  <a:spcPts val="0"/>
-                </a:spcAft>
-                <a:buNone/>
-              </a:pPr>
-              <a:endParaRPr/>
-            </a:p>
-          </p:txBody>
-        </p:sp>
-        <p:sp>
-          <p:nvSpPr>
-            <p:cNvPr id="744" name="Google Shape;744;p9"/>
-            <p:cNvSpPr/>
-            <p:nvPr/>
-          </p:nvSpPr>
-          <p:spPr>
-            <a:xfrm>
-              <a:off x="7857346" y="4002005"/>
-              <a:ext cx="91953" cy="91953"/>
-            </a:xfrm>
-            <a:custGeom>
-              <a:avLst/>
-              <a:gdLst/>
-              <a:ahLst/>
-              <a:cxnLst/>
-              <a:rect l="l" t="t" r="r" b="b"/>
-              <a:pathLst>
-                <a:path w="2951" h="2951" fill="none" extrusionOk="0">
-                  <a:moveTo>
-                    <a:pt x="1" y="1463"/>
-                  </a:moveTo>
-                  <a:cubicBezTo>
-                    <a:pt x="1" y="670"/>
-                    <a:pt x="670" y="1"/>
-                    <a:pt x="1488" y="1"/>
-                  </a:cubicBezTo>
-                  <a:cubicBezTo>
-                    <a:pt x="2306" y="1"/>
-                    <a:pt x="2951" y="670"/>
-                    <a:pt x="2951" y="1463"/>
-                  </a:cubicBezTo>
-                  <a:cubicBezTo>
-                    <a:pt x="2951" y="2281"/>
-                    <a:pt x="2306" y="2951"/>
-                    <a:pt x="1488" y="2951"/>
-                  </a:cubicBezTo>
-                  <a:cubicBezTo>
-                    <a:pt x="670" y="2951"/>
-                    <a:pt x="1" y="2281"/>
-                    <a:pt x="1" y="1463"/>
-                  </a:cubicBezTo>
-                  <a:close/>
-                </a:path>
-              </a:pathLst>
-            </a:custGeom>
-            <a:noFill/>
-            <a:ln w="19050" cap="rnd" cmpd="sng">
-              <a:solidFill>
-                <a:schemeClr val="accent3"/>
-              </a:solidFill>
-              <a:prstDash val="solid"/>
-              <a:round/>
-              <a:headEnd type="none" w="sm" len="sm"/>
-              <a:tailEnd type="none" w="sm" len="sm"/>
-            </a:ln>
-          </p:spPr>
-          <p:txBody>
-            <a:bodyPr spcFirstLastPara="1" wrap="square" lIns="91425" tIns="91425" rIns="91425" bIns="91425" anchor="ctr" anchorCtr="0">
-              <a:noAutofit/>
-            </a:bodyPr>
-            <a:lstStyle/>
-            <a:p>
-              <a:pPr marL="0" lvl="0" indent="0" algn="l" rtl="0">
-                <a:spcBef>
-                  <a:spcPts val="0"/>
-                </a:spcBef>
-                <a:spcAft>
-                  <a:spcPts val="0"/>
-                </a:spcAft>
-                <a:buNone/>
-              </a:pPr>
-              <a:endParaRPr/>
-            </a:p>
-          </p:txBody>
-        </p:sp>
-        <p:sp>
-          <p:nvSpPr>
-            <p:cNvPr id="745" name="Google Shape;745;p9"/>
-            <p:cNvSpPr/>
-            <p:nvPr/>
-          </p:nvSpPr>
-          <p:spPr>
-            <a:xfrm>
-              <a:off x="7882087" y="4026715"/>
-              <a:ext cx="43281" cy="42533"/>
-            </a:xfrm>
-            <a:custGeom>
-              <a:avLst/>
-              <a:gdLst/>
-              <a:ahLst/>
-              <a:cxnLst/>
-              <a:rect l="l" t="t" r="r" b="b"/>
-              <a:pathLst>
-                <a:path w="1389" h="1365" extrusionOk="0">
-                  <a:moveTo>
-                    <a:pt x="694" y="1"/>
-                  </a:moveTo>
-                  <a:cubicBezTo>
-                    <a:pt x="298" y="1"/>
-                    <a:pt x="0" y="298"/>
-                    <a:pt x="0" y="670"/>
-                  </a:cubicBezTo>
-                  <a:cubicBezTo>
-                    <a:pt x="0" y="1067"/>
-                    <a:pt x="298" y="1364"/>
-                    <a:pt x="694" y="1364"/>
-                  </a:cubicBezTo>
-                  <a:cubicBezTo>
-                    <a:pt x="1066" y="1364"/>
-                    <a:pt x="1388" y="1067"/>
-                    <a:pt x="1388" y="670"/>
-                  </a:cubicBezTo>
-                  <a:cubicBezTo>
-                    <a:pt x="1388" y="298"/>
-                    <a:pt x="1066" y="1"/>
-                    <a:pt x="694" y="1"/>
-                  </a:cubicBezTo>
-                  <a:close/>
-                </a:path>
-              </a:pathLst>
-            </a:custGeom>
-            <a:solidFill>
-              <a:schemeClr val="accent3"/>
-            </a:solidFill>
-            <a:ln>
-              <a:noFill/>
-            </a:ln>
-          </p:spPr>
-          <p:txBody>
-            <a:bodyPr spcFirstLastPara="1" wrap="square" lIns="91425" tIns="91425" rIns="91425" bIns="91425" anchor="ctr" anchorCtr="0">
-              <a:noAutofit/>
-            </a:bodyPr>
-            <a:lstStyle/>
-            <a:p>
-              <a:pPr marL="0" lvl="0" indent="0" algn="l" rtl="0">
-                <a:spcBef>
-                  <a:spcPts val="0"/>
-                </a:spcBef>
-                <a:spcAft>
-                  <a:spcPts val="0"/>
-                </a:spcAft>
-                <a:buNone/>
-              </a:pPr>
-              <a:endParaRPr/>
-            </a:p>
-          </p:txBody>
-        </p:sp>
-        <p:sp>
-          <p:nvSpPr>
-            <p:cNvPr id="746" name="Google Shape;746;p9"/>
-            <p:cNvSpPr/>
-            <p:nvPr/>
-          </p:nvSpPr>
-          <p:spPr>
-            <a:xfrm>
-              <a:off x="8545608" y="3948721"/>
-              <a:ext cx="1134754" cy="175368"/>
-            </a:xfrm>
-            <a:custGeom>
-              <a:avLst/>
-              <a:gdLst/>
-              <a:ahLst/>
-              <a:cxnLst/>
-              <a:rect l="l" t="t" r="r" b="b"/>
-              <a:pathLst>
-                <a:path w="36417" h="5628" fill="none" extrusionOk="0">
-                  <a:moveTo>
-                    <a:pt x="0" y="0"/>
-                  </a:moveTo>
-                  <a:lnTo>
-                    <a:pt x="6049" y="0"/>
-                  </a:lnTo>
-                  <a:lnTo>
-                    <a:pt x="8379" y="2330"/>
-                  </a:lnTo>
-                  <a:lnTo>
-                    <a:pt x="11676" y="5627"/>
-                  </a:lnTo>
-                  <a:lnTo>
-                    <a:pt x="36416" y="5627"/>
-                  </a:lnTo>
-                </a:path>
-              </a:pathLst>
-            </a:custGeom>
-            <a:noFill/>
-            <a:ln w="19050" cap="rnd" cmpd="sng">
-              <a:solidFill>
-                <a:schemeClr val="accent3"/>
-              </a:solidFill>
-              <a:prstDash val="solid"/>
-              <a:round/>
-              <a:headEnd type="none" w="sm" len="sm"/>
-              <a:tailEnd type="none" w="sm" len="sm"/>
-            </a:ln>
-          </p:spPr>
-          <p:txBody>
-            <a:bodyPr spcFirstLastPara="1" wrap="square" lIns="91425" tIns="91425" rIns="91425" bIns="91425" anchor="ctr" anchorCtr="0">
-              <a:noAutofit/>
-            </a:bodyPr>
-            <a:lstStyle/>
-            <a:p>
-              <a:pPr marL="0" lvl="0" indent="0" algn="l" rtl="0">
-                <a:spcBef>
-                  <a:spcPts val="0"/>
-                </a:spcBef>
-                <a:spcAft>
-                  <a:spcPts val="0"/>
-                </a:spcAft>
-                <a:buNone/>
-              </a:pPr>
-              <a:endParaRPr/>
-            </a:p>
-          </p:txBody>
-        </p:sp>
-      </p:grpSp>
-      <p:grpSp>
-        <p:nvGrpSpPr>
-          <p:cNvPr id="747" name="Google Shape;747;p9"/>
-          <p:cNvGrpSpPr/>
-          <p:nvPr/>
-        </p:nvGrpSpPr>
-        <p:grpSpPr>
-          <a:xfrm flipH="1">
-            <a:off x="-799254" y="2157805"/>
-            <a:ext cx="1823016" cy="196994"/>
-            <a:chOff x="7857346" y="4002005"/>
-            <a:chExt cx="1823016" cy="196994"/>
-          </a:xfrm>
-        </p:grpSpPr>
-        <p:sp>
-          <p:nvSpPr>
-            <p:cNvPr id="748" name="Google Shape;748;p9"/>
-            <p:cNvSpPr/>
-            <p:nvPr/>
-          </p:nvSpPr>
-          <p:spPr>
-            <a:xfrm>
-              <a:off x="7956216" y="4048371"/>
-              <a:ext cx="1724145" cy="150627"/>
-            </a:xfrm>
-            <a:custGeom>
-              <a:avLst/>
-              <a:gdLst/>
-              <a:ahLst/>
-              <a:cxnLst/>
-              <a:rect l="l" t="t" r="r" b="b"/>
-              <a:pathLst>
-                <a:path w="55332" h="4834" fill="none" extrusionOk="0">
-                  <a:moveTo>
-                    <a:pt x="55331" y="4834"/>
-                  </a:moveTo>
-                  <a:lnTo>
-                    <a:pt x="28930" y="4834"/>
-                  </a:lnTo>
-                  <a:lnTo>
-                    <a:pt x="27294" y="3198"/>
-                  </a:lnTo>
-                  <a:lnTo>
-                    <a:pt x="24072" y="0"/>
-                  </a:lnTo>
-                  <a:lnTo>
-                    <a:pt x="1" y="0"/>
-                  </a:lnTo>
-                </a:path>
-              </a:pathLst>
-            </a:custGeom>
-            <a:noFill/>
-            <a:ln w="19050" cap="rnd" cmpd="sng">
-              <a:solidFill>
-                <a:schemeClr val="accent3"/>
-              </a:solidFill>
-              <a:prstDash val="solid"/>
-              <a:round/>
-              <a:headEnd type="none" w="sm" len="sm"/>
-              <a:tailEnd type="none" w="sm" len="sm"/>
-            </a:ln>
-          </p:spPr>
-          <p:txBody>
-            <a:bodyPr spcFirstLastPara="1" wrap="square" lIns="91425" tIns="91425" rIns="91425" bIns="91425" anchor="ctr" anchorCtr="0">
-              <a:noAutofit/>
-            </a:bodyPr>
-            <a:lstStyle/>
-            <a:p>
-              <a:pPr marL="0" lvl="0" indent="0" algn="l" rtl="0">
-                <a:spcBef>
-                  <a:spcPts val="0"/>
-                </a:spcBef>
-                <a:spcAft>
-                  <a:spcPts val="0"/>
-                </a:spcAft>
-                <a:buNone/>
-              </a:pPr>
-              <a:endParaRPr/>
-            </a:p>
-          </p:txBody>
-        </p:sp>
-        <p:sp>
-          <p:nvSpPr>
-            <p:cNvPr id="749" name="Google Shape;749;p9"/>
-            <p:cNvSpPr/>
-            <p:nvPr/>
-          </p:nvSpPr>
-          <p:spPr>
-            <a:xfrm>
-              <a:off x="7857346" y="4002005"/>
-              <a:ext cx="91953" cy="91953"/>
-            </a:xfrm>
-            <a:custGeom>
-              <a:avLst/>
-              <a:gdLst/>
-              <a:ahLst/>
-              <a:cxnLst/>
-              <a:rect l="l" t="t" r="r" b="b"/>
-              <a:pathLst>
-                <a:path w="2951" h="2951" fill="none" extrusionOk="0">
-                  <a:moveTo>
-                    <a:pt x="1" y="1463"/>
-                  </a:moveTo>
-                  <a:cubicBezTo>
-                    <a:pt x="1" y="670"/>
-                    <a:pt x="670" y="1"/>
-                    <a:pt x="1488" y="1"/>
-                  </a:cubicBezTo>
-                  <a:cubicBezTo>
-                    <a:pt x="2306" y="1"/>
-                    <a:pt x="2951" y="670"/>
-                    <a:pt x="2951" y="1463"/>
-                  </a:cubicBezTo>
-                  <a:cubicBezTo>
-                    <a:pt x="2951" y="2281"/>
-                    <a:pt x="2306" y="2951"/>
-                    <a:pt x="1488" y="2951"/>
-                  </a:cubicBezTo>
-                  <a:cubicBezTo>
-                    <a:pt x="670" y="2951"/>
-                    <a:pt x="1" y="2281"/>
-                    <a:pt x="1" y="1463"/>
-                  </a:cubicBezTo>
-                  <a:close/>
-                </a:path>
-              </a:pathLst>
-            </a:custGeom>
-            <a:noFill/>
-            <a:ln w="19050" cap="rnd" cmpd="sng">
-              <a:solidFill>
-                <a:schemeClr val="accent3"/>
-              </a:solidFill>
-              <a:prstDash val="solid"/>
-              <a:round/>
-              <a:headEnd type="none" w="sm" len="sm"/>
-              <a:tailEnd type="none" w="sm" len="sm"/>
-            </a:ln>
-          </p:spPr>
-          <p:txBody>
-            <a:bodyPr spcFirstLastPara="1" wrap="square" lIns="91425" tIns="91425" rIns="91425" bIns="91425" anchor="ctr" anchorCtr="0">
-              <a:noAutofit/>
-            </a:bodyPr>
-            <a:lstStyle/>
-            <a:p>
-              <a:pPr marL="0" lvl="0" indent="0" algn="l" rtl="0">
-                <a:spcBef>
-                  <a:spcPts val="0"/>
-                </a:spcBef>
-                <a:spcAft>
-                  <a:spcPts val="0"/>
-                </a:spcAft>
-                <a:buNone/>
-              </a:pPr>
-              <a:endParaRPr/>
-            </a:p>
-          </p:txBody>
-        </p:sp>
-        <p:sp>
-          <p:nvSpPr>
-            <p:cNvPr id="750" name="Google Shape;750;p9"/>
-            <p:cNvSpPr/>
-            <p:nvPr/>
-          </p:nvSpPr>
-          <p:spPr>
-            <a:xfrm>
-              <a:off x="7882087" y="4026715"/>
-              <a:ext cx="43281" cy="42533"/>
-            </a:xfrm>
-            <a:custGeom>
-              <a:avLst/>
-              <a:gdLst/>
-              <a:ahLst/>
-              <a:cxnLst/>
-              <a:rect l="l" t="t" r="r" b="b"/>
-              <a:pathLst>
-                <a:path w="1389" h="1365" extrusionOk="0">
-                  <a:moveTo>
-                    <a:pt x="694" y="1"/>
-                  </a:moveTo>
-                  <a:cubicBezTo>
-                    <a:pt x="298" y="1"/>
-                    <a:pt x="0" y="298"/>
-                    <a:pt x="0" y="670"/>
-                  </a:cubicBezTo>
-                  <a:cubicBezTo>
-                    <a:pt x="0" y="1067"/>
-                    <a:pt x="298" y="1364"/>
-                    <a:pt x="694" y="1364"/>
-                  </a:cubicBezTo>
-                  <a:cubicBezTo>
-                    <a:pt x="1066" y="1364"/>
-                    <a:pt x="1388" y="1067"/>
-                    <a:pt x="1388" y="670"/>
-                  </a:cubicBezTo>
-                  <a:cubicBezTo>
-                    <a:pt x="1388" y="298"/>
-                    <a:pt x="1066" y="1"/>
-                    <a:pt x="694" y="1"/>
-                  </a:cubicBezTo>
-                  <a:close/>
-                </a:path>
-              </a:pathLst>
-            </a:custGeom>
-            <a:solidFill>
-              <a:schemeClr val="accent3"/>
-            </a:solidFill>
-            <a:ln>
-              <a:noFill/>
-            </a:ln>
-          </p:spPr>
-          <p:txBody>
-            <a:bodyPr spcFirstLastPara="1" wrap="square" lIns="91425" tIns="91425" rIns="91425" bIns="91425" anchor="ctr" anchorCtr="0">
-              <a:noAutofit/>
-            </a:bodyPr>
-            <a:lstStyle/>
-            <a:p>
-              <a:pPr marL="0" lvl="0" indent="0" algn="l" rtl="0">
-                <a:spcBef>
-                  <a:spcPts val="0"/>
-                </a:spcBef>
-                <a:spcAft>
-                  <a:spcPts val="0"/>
-                </a:spcAft>
-                <a:buNone/>
-              </a:pPr>
-              <a:endParaRPr/>
-            </a:p>
-          </p:txBody>
-        </p:sp>
-      </p:grpSp>
-      <p:grpSp>
-        <p:nvGrpSpPr>
-          <p:cNvPr id="751" name="Google Shape;751;p9"/>
-          <p:cNvGrpSpPr/>
-          <p:nvPr/>
-        </p:nvGrpSpPr>
-        <p:grpSpPr>
-          <a:xfrm>
-            <a:off x="8331253" y="3180067"/>
-            <a:ext cx="1105976" cy="133969"/>
-            <a:chOff x="8183182" y="663852"/>
-            <a:chExt cx="1475028" cy="178673"/>
-          </a:xfrm>
-        </p:grpSpPr>
-        <p:grpSp>
-          <p:nvGrpSpPr>
-            <p:cNvPr id="752" name="Google Shape;752;p9"/>
-            <p:cNvGrpSpPr/>
-            <p:nvPr/>
-          </p:nvGrpSpPr>
-          <p:grpSpPr>
-            <a:xfrm>
-              <a:off x="8183182" y="774425"/>
-              <a:ext cx="1178025" cy="68100"/>
-              <a:chOff x="2024450" y="204150"/>
-              <a:chExt cx="1178025" cy="68100"/>
-            </a:xfrm>
-          </p:grpSpPr>
-          <p:sp>
-            <p:nvSpPr>
-              <p:cNvPr id="753" name="Google Shape;753;p9"/>
-              <p:cNvSpPr/>
-              <p:nvPr/>
-            </p:nvSpPr>
-            <p:spPr>
-              <a:xfrm>
-                <a:off x="2024450" y="204150"/>
-                <a:ext cx="68100" cy="68100"/>
-              </a:xfrm>
-              <a:prstGeom prst="ellipse">
-                <a:avLst/>
-              </a:prstGeom>
-              <a:solidFill>
-                <a:schemeClr val="accent2"/>
-              </a:solidFill>
-              <a:ln>
-                <a:noFill/>
-              </a:ln>
-            </p:spPr>
-            <p:txBody>
-              <a:bodyPr spcFirstLastPara="1" wrap="square" lIns="91425" tIns="91425" rIns="91425" bIns="91425" anchor="ctr" anchorCtr="0">
-                <a:noAutofit/>
-              </a:bodyPr>
-              <a:lstStyle/>
-              <a:p>
-                <a:pPr marL="0" lvl="0" indent="0" algn="l" rtl="0">
-                  <a:spcBef>
-                    <a:spcPts val="0"/>
-                  </a:spcBef>
-                  <a:spcAft>
-                    <a:spcPts val="0"/>
-                  </a:spcAft>
-                  <a:buNone/>
-                </a:pPr>
-                <a:endParaRPr/>
-              </a:p>
-            </p:txBody>
-          </p:sp>
-          <p:sp>
-            <p:nvSpPr>
-              <p:cNvPr id="754" name="Google Shape;754;p9"/>
-              <p:cNvSpPr/>
-              <p:nvPr/>
-            </p:nvSpPr>
-            <p:spPr>
-              <a:xfrm>
-                <a:off x="2147775" y="204150"/>
-                <a:ext cx="68100" cy="68100"/>
-              </a:xfrm>
-              <a:prstGeom prst="ellipse">
-                <a:avLst/>
-              </a:prstGeom>
-              <a:solidFill>
-                <a:schemeClr val="accent2"/>
-              </a:solidFill>
-              <a:ln>
-                <a:noFill/>
-              </a:ln>
-            </p:spPr>
-            <p:txBody>
-              <a:bodyPr spcFirstLastPara="1" wrap="square" lIns="91425" tIns="91425" rIns="91425" bIns="91425" anchor="ctr" anchorCtr="0">
-                <a:noAutofit/>
-              </a:bodyPr>
-              <a:lstStyle/>
-              <a:p>
-                <a:pPr marL="0" lvl="0" indent="0" algn="l" rtl="0">
-                  <a:spcBef>
-                    <a:spcPts val="0"/>
-                  </a:spcBef>
-                  <a:spcAft>
-                    <a:spcPts val="0"/>
-                  </a:spcAft>
-                  <a:buNone/>
-                </a:pPr>
-                <a:endParaRPr/>
-              </a:p>
-            </p:txBody>
-          </p:sp>
-          <p:sp>
-            <p:nvSpPr>
-              <p:cNvPr id="755" name="Google Shape;755;p9"/>
-              <p:cNvSpPr/>
-              <p:nvPr/>
-            </p:nvSpPr>
-            <p:spPr>
-              <a:xfrm>
-                <a:off x="2271100" y="204150"/>
-                <a:ext cx="68100" cy="68100"/>
-              </a:xfrm>
-              <a:prstGeom prst="ellipse">
-                <a:avLst/>
-              </a:prstGeom>
-              <a:solidFill>
-                <a:schemeClr val="accent2"/>
-              </a:solidFill>
-              <a:ln>
-                <a:noFill/>
-              </a:ln>
-            </p:spPr>
-            <p:txBody>
-              <a:bodyPr spcFirstLastPara="1" wrap="square" lIns="91425" tIns="91425" rIns="91425" bIns="91425" anchor="ctr" anchorCtr="0">
-                <a:noAutofit/>
-              </a:bodyPr>
-              <a:lstStyle/>
-              <a:p>
-                <a:pPr marL="0" lvl="0" indent="0" algn="l" rtl="0">
-                  <a:spcBef>
-                    <a:spcPts val="0"/>
-                  </a:spcBef>
-                  <a:spcAft>
-                    <a:spcPts val="0"/>
-                  </a:spcAft>
-                  <a:buNone/>
-                </a:pPr>
-                <a:endParaRPr/>
-              </a:p>
-            </p:txBody>
-          </p:sp>
-          <p:sp>
-            <p:nvSpPr>
-              <p:cNvPr id="756" name="Google Shape;756;p9"/>
-              <p:cNvSpPr/>
-              <p:nvPr/>
-            </p:nvSpPr>
-            <p:spPr>
-              <a:xfrm>
-                <a:off x="2394425" y="204150"/>
-                <a:ext cx="68100" cy="68100"/>
-              </a:xfrm>
-              <a:prstGeom prst="ellipse">
-                <a:avLst/>
-              </a:prstGeom>
-              <a:solidFill>
-                <a:schemeClr val="accent2"/>
-              </a:solidFill>
-              <a:ln>
-                <a:noFill/>
-              </a:ln>
-            </p:spPr>
-            <p:txBody>
-              <a:bodyPr spcFirstLastPara="1" wrap="square" lIns="91425" tIns="91425" rIns="91425" bIns="91425" anchor="ctr" anchorCtr="0">
-                <a:noAutofit/>
-              </a:bodyPr>
-              <a:lstStyle/>
-              <a:p>
-                <a:pPr marL="0" lvl="0" indent="0" algn="l" rtl="0">
-                  <a:spcBef>
-                    <a:spcPts val="0"/>
-                  </a:spcBef>
-                  <a:spcAft>
-                    <a:spcPts val="0"/>
-                  </a:spcAft>
-                  <a:buNone/>
-                </a:pPr>
-                <a:endParaRPr/>
-              </a:p>
-            </p:txBody>
-          </p:sp>
-          <p:sp>
-            <p:nvSpPr>
-              <p:cNvPr id="757" name="Google Shape;757;p9"/>
-              <p:cNvSpPr/>
-              <p:nvPr/>
-            </p:nvSpPr>
-            <p:spPr>
-              <a:xfrm>
-                <a:off x="2517750" y="204150"/>
-                <a:ext cx="68100" cy="68100"/>
-              </a:xfrm>
-              <a:prstGeom prst="ellipse">
-                <a:avLst/>
-              </a:prstGeom>
-              <a:solidFill>
-                <a:schemeClr val="accent2"/>
-              </a:solidFill>
-              <a:ln>
-                <a:noFill/>
-              </a:ln>
-            </p:spPr>
-            <p:txBody>
-              <a:bodyPr spcFirstLastPara="1" wrap="square" lIns="91425" tIns="91425" rIns="91425" bIns="91425" anchor="ctr" anchorCtr="0">
-                <a:noAutofit/>
-              </a:bodyPr>
-              <a:lstStyle/>
-              <a:p>
-                <a:pPr marL="0" lvl="0" indent="0" algn="l" rtl="0">
-                  <a:spcBef>
-                    <a:spcPts val="0"/>
-                  </a:spcBef>
-                  <a:spcAft>
-                    <a:spcPts val="0"/>
-                  </a:spcAft>
-                  <a:buNone/>
-                </a:pPr>
-                <a:endParaRPr/>
-              </a:p>
-            </p:txBody>
-          </p:sp>
-          <p:sp>
-            <p:nvSpPr>
-              <p:cNvPr id="758" name="Google Shape;758;p9"/>
-              <p:cNvSpPr/>
-              <p:nvPr/>
-            </p:nvSpPr>
-            <p:spPr>
-              <a:xfrm>
-                <a:off x="2641075" y="204150"/>
-                <a:ext cx="68100" cy="68100"/>
-              </a:xfrm>
-              <a:prstGeom prst="ellipse">
-                <a:avLst/>
-              </a:prstGeom>
-              <a:solidFill>
-                <a:schemeClr val="accent2"/>
-              </a:solidFill>
-              <a:ln>
-                <a:noFill/>
-              </a:ln>
-            </p:spPr>
-            <p:txBody>
-              <a:bodyPr spcFirstLastPara="1" wrap="square" lIns="91425" tIns="91425" rIns="91425" bIns="91425" anchor="ctr" anchorCtr="0">
-                <a:noAutofit/>
-              </a:bodyPr>
-              <a:lstStyle/>
-              <a:p>
-                <a:pPr marL="0" lvl="0" indent="0" algn="l" rtl="0">
-                  <a:spcBef>
-                    <a:spcPts val="0"/>
-                  </a:spcBef>
-                  <a:spcAft>
-                    <a:spcPts val="0"/>
-                  </a:spcAft>
-                  <a:buNone/>
-                </a:pPr>
-                <a:endParaRPr/>
-              </a:p>
-            </p:txBody>
-          </p:sp>
-          <p:sp>
-            <p:nvSpPr>
-              <p:cNvPr id="759" name="Google Shape;759;p9"/>
-              <p:cNvSpPr/>
-              <p:nvPr/>
-            </p:nvSpPr>
-            <p:spPr>
-              <a:xfrm>
-                <a:off x="2764400" y="204150"/>
-                <a:ext cx="68100" cy="68100"/>
-              </a:xfrm>
-              <a:prstGeom prst="ellipse">
-                <a:avLst/>
-              </a:prstGeom>
-              <a:solidFill>
-                <a:schemeClr val="accent2"/>
-              </a:solidFill>
-              <a:ln>
-                <a:noFill/>
-              </a:ln>
-            </p:spPr>
-            <p:txBody>
-              <a:bodyPr spcFirstLastPara="1" wrap="square" lIns="91425" tIns="91425" rIns="91425" bIns="91425" anchor="ctr" anchorCtr="0">
-                <a:noAutofit/>
-              </a:bodyPr>
-              <a:lstStyle/>
-              <a:p>
-                <a:pPr marL="0" lvl="0" indent="0" algn="l" rtl="0">
-                  <a:spcBef>
-                    <a:spcPts val="0"/>
-                  </a:spcBef>
-                  <a:spcAft>
-                    <a:spcPts val="0"/>
-                  </a:spcAft>
-                  <a:buNone/>
-                </a:pPr>
-                <a:endParaRPr/>
-              </a:p>
-            </p:txBody>
-          </p:sp>
-          <p:sp>
-            <p:nvSpPr>
-              <p:cNvPr id="760" name="Google Shape;760;p9"/>
-              <p:cNvSpPr/>
-              <p:nvPr/>
-            </p:nvSpPr>
-            <p:spPr>
-              <a:xfrm>
-                <a:off x="2887725" y="204150"/>
-                <a:ext cx="68100" cy="68100"/>
-              </a:xfrm>
-              <a:prstGeom prst="ellipse">
-                <a:avLst/>
-              </a:prstGeom>
-              <a:solidFill>
-                <a:schemeClr val="accent2"/>
-              </a:solidFill>
-              <a:ln>
-                <a:noFill/>
-              </a:ln>
-            </p:spPr>
-            <p:txBody>
-              <a:bodyPr spcFirstLastPara="1" wrap="square" lIns="91425" tIns="91425" rIns="91425" bIns="91425" anchor="ctr" anchorCtr="0">
-                <a:noAutofit/>
-              </a:bodyPr>
-              <a:lstStyle/>
-              <a:p>
-                <a:pPr marL="0" lvl="0" indent="0" algn="l" rtl="0">
-                  <a:spcBef>
-                    <a:spcPts val="0"/>
-                  </a:spcBef>
-                  <a:spcAft>
-                    <a:spcPts val="0"/>
-                  </a:spcAft>
-                  <a:buNone/>
-                </a:pPr>
-                <a:endParaRPr/>
-              </a:p>
-            </p:txBody>
-          </p:sp>
-          <p:sp>
-            <p:nvSpPr>
-              <p:cNvPr id="761" name="Google Shape;761;p9"/>
-              <p:cNvSpPr/>
-              <p:nvPr/>
-            </p:nvSpPr>
-            <p:spPr>
-              <a:xfrm>
-                <a:off x="3011050" y="204150"/>
-                <a:ext cx="68100" cy="68100"/>
-              </a:xfrm>
-              <a:prstGeom prst="ellipse">
-                <a:avLst/>
-              </a:prstGeom>
-              <a:solidFill>
-                <a:schemeClr val="accent2"/>
-              </a:solidFill>
-              <a:ln>
-                <a:noFill/>
-              </a:ln>
-            </p:spPr>
-            <p:txBody>
-              <a:bodyPr spcFirstLastPara="1" wrap="square" lIns="91425" tIns="91425" rIns="91425" bIns="91425" anchor="ctr" anchorCtr="0">
-                <a:noAutofit/>
-              </a:bodyPr>
-              <a:lstStyle/>
-              <a:p>
-                <a:pPr marL="0" lvl="0" indent="0" algn="l" rtl="0">
-                  <a:spcBef>
-                    <a:spcPts val="0"/>
-                  </a:spcBef>
-                  <a:spcAft>
-                    <a:spcPts val="0"/>
-                  </a:spcAft>
-                  <a:buNone/>
-                </a:pPr>
-                <a:endParaRPr/>
-              </a:p>
-            </p:txBody>
-          </p:sp>
-          <p:sp>
-            <p:nvSpPr>
-              <p:cNvPr id="762" name="Google Shape;762;p9"/>
-              <p:cNvSpPr/>
-              <p:nvPr/>
-            </p:nvSpPr>
-            <p:spPr>
-              <a:xfrm>
-                <a:off x="3134375" y="204150"/>
-                <a:ext cx="68100" cy="68100"/>
-              </a:xfrm>
-              <a:prstGeom prst="ellipse">
-                <a:avLst/>
-              </a:prstGeom>
-              <a:solidFill>
-                <a:schemeClr val="accent2"/>
-              </a:solidFill>
-              <a:ln>
-                <a:noFill/>
-              </a:ln>
-            </p:spPr>
-            <p:txBody>
-              <a:bodyPr spcFirstLastPara="1" wrap="square" lIns="91425" tIns="91425" rIns="91425" bIns="91425" anchor="ctr" anchorCtr="0">
-                <a:noAutofit/>
-              </a:bodyPr>
-              <a:lstStyle/>
-              <a:p>
-                <a:pPr marL="0" lvl="0" indent="0" algn="l" rtl="0">
-                  <a:spcBef>
-                    <a:spcPts val="0"/>
-                  </a:spcBef>
-                  <a:spcAft>
-                    <a:spcPts val="0"/>
-                  </a:spcAft>
-                  <a:buNone/>
-                </a:pPr>
-                <a:endParaRPr/>
-              </a:p>
-            </p:txBody>
-          </p:sp>
-        </p:grpSp>
-        <p:grpSp>
-          <p:nvGrpSpPr>
-            <p:cNvPr id="763" name="Google Shape;763;p9"/>
-            <p:cNvGrpSpPr/>
-            <p:nvPr/>
-          </p:nvGrpSpPr>
-          <p:grpSpPr>
-            <a:xfrm>
-              <a:off x="8480185" y="663852"/>
-              <a:ext cx="1178025" cy="68100"/>
-              <a:chOff x="2024450" y="204150"/>
-              <a:chExt cx="1178025" cy="68100"/>
-            </a:xfrm>
-          </p:grpSpPr>
-          <p:sp>
-            <p:nvSpPr>
-              <p:cNvPr id="764" name="Google Shape;764;p9"/>
-              <p:cNvSpPr/>
-              <p:nvPr/>
-            </p:nvSpPr>
-            <p:spPr>
-              <a:xfrm>
-                <a:off x="2024450" y="204150"/>
-                <a:ext cx="68100" cy="68100"/>
-              </a:xfrm>
-              <a:prstGeom prst="ellipse">
-                <a:avLst/>
-              </a:prstGeom>
-              <a:solidFill>
-                <a:schemeClr val="accent2"/>
-              </a:solidFill>
-              <a:ln>
-                <a:noFill/>
-              </a:ln>
-            </p:spPr>
-            <p:txBody>
-              <a:bodyPr spcFirstLastPara="1" wrap="square" lIns="91425" tIns="91425" rIns="91425" bIns="91425" anchor="ctr" anchorCtr="0">
-                <a:noAutofit/>
-              </a:bodyPr>
-              <a:lstStyle/>
-              <a:p>
-                <a:pPr marL="0" lvl="0" indent="0" algn="l" rtl="0">
-                  <a:spcBef>
-                    <a:spcPts val="0"/>
-                  </a:spcBef>
-                  <a:spcAft>
-                    <a:spcPts val="0"/>
-                  </a:spcAft>
-                  <a:buNone/>
-                </a:pPr>
-                <a:endParaRPr/>
-              </a:p>
-            </p:txBody>
-          </p:sp>
-          <p:sp>
-            <p:nvSpPr>
-              <p:cNvPr id="765" name="Google Shape;765;p9"/>
-              <p:cNvSpPr/>
-              <p:nvPr/>
-            </p:nvSpPr>
-            <p:spPr>
-              <a:xfrm>
-                <a:off x="2147775" y="204150"/>
-                <a:ext cx="68100" cy="68100"/>
-              </a:xfrm>
-              <a:prstGeom prst="ellipse">
-                <a:avLst/>
-              </a:prstGeom>
-              <a:solidFill>
-                <a:schemeClr val="accent2"/>
-              </a:solidFill>
-              <a:ln>
-                <a:noFill/>
-              </a:ln>
-            </p:spPr>
-            <p:txBody>
-              <a:bodyPr spcFirstLastPara="1" wrap="square" lIns="91425" tIns="91425" rIns="91425" bIns="91425" anchor="ctr" anchorCtr="0">
-                <a:noAutofit/>
-              </a:bodyPr>
-              <a:lstStyle/>
-              <a:p>
-                <a:pPr marL="0" lvl="0" indent="0" algn="l" rtl="0">
-                  <a:spcBef>
-                    <a:spcPts val="0"/>
-                  </a:spcBef>
-                  <a:spcAft>
-                    <a:spcPts val="0"/>
-                  </a:spcAft>
-                  <a:buNone/>
-                </a:pPr>
-                <a:endParaRPr/>
-              </a:p>
-            </p:txBody>
-          </p:sp>
-          <p:sp>
-            <p:nvSpPr>
-              <p:cNvPr id="766" name="Google Shape;766;p9"/>
-              <p:cNvSpPr/>
-              <p:nvPr/>
-            </p:nvSpPr>
-            <p:spPr>
-              <a:xfrm>
-                <a:off x="2271100" y="204150"/>
-                <a:ext cx="68100" cy="68100"/>
-              </a:xfrm>
-              <a:prstGeom prst="ellipse">
-                <a:avLst/>
-              </a:prstGeom>
-              <a:solidFill>
-                <a:schemeClr val="accent2"/>
-              </a:solidFill>
-              <a:ln>
-                <a:noFill/>
-              </a:ln>
-            </p:spPr>
-            <p:txBody>
-              <a:bodyPr spcFirstLastPara="1" wrap="square" lIns="91425" tIns="91425" rIns="91425" bIns="91425" anchor="ctr" anchorCtr="0">
-                <a:noAutofit/>
-              </a:bodyPr>
-              <a:lstStyle/>
-              <a:p>
-                <a:pPr marL="0" lvl="0" indent="0" algn="l" rtl="0">
-                  <a:spcBef>
-                    <a:spcPts val="0"/>
-                  </a:spcBef>
-                  <a:spcAft>
-                    <a:spcPts val="0"/>
-                  </a:spcAft>
-                  <a:buNone/>
-                </a:pPr>
-                <a:endParaRPr/>
-              </a:p>
-            </p:txBody>
-          </p:sp>
-          <p:sp>
-            <p:nvSpPr>
-              <p:cNvPr id="767" name="Google Shape;767;p9"/>
-              <p:cNvSpPr/>
-              <p:nvPr/>
-            </p:nvSpPr>
-            <p:spPr>
-              <a:xfrm>
-                <a:off x="2394425" y="204150"/>
-                <a:ext cx="68100" cy="68100"/>
-              </a:xfrm>
-              <a:prstGeom prst="ellipse">
-                <a:avLst/>
-              </a:prstGeom>
-              <a:solidFill>
-                <a:schemeClr val="accent2"/>
-              </a:solidFill>
-              <a:ln>
-                <a:noFill/>
-              </a:ln>
-            </p:spPr>
-            <p:txBody>
-              <a:bodyPr spcFirstLastPara="1" wrap="square" lIns="91425" tIns="91425" rIns="91425" bIns="91425" anchor="ctr" anchorCtr="0">
-                <a:noAutofit/>
-              </a:bodyPr>
-              <a:lstStyle/>
-              <a:p>
-                <a:pPr marL="0" lvl="0" indent="0" algn="l" rtl="0">
-                  <a:spcBef>
-                    <a:spcPts val="0"/>
-                  </a:spcBef>
-                  <a:spcAft>
-                    <a:spcPts val="0"/>
-                  </a:spcAft>
-                  <a:buNone/>
-                </a:pPr>
-                <a:endParaRPr/>
-              </a:p>
-            </p:txBody>
-          </p:sp>
-          <p:sp>
-            <p:nvSpPr>
-              <p:cNvPr id="768" name="Google Shape;768;p9"/>
-              <p:cNvSpPr/>
-              <p:nvPr/>
-            </p:nvSpPr>
-            <p:spPr>
-              <a:xfrm>
-                <a:off x="2517750" y="204150"/>
-                <a:ext cx="68100" cy="68100"/>
-              </a:xfrm>
-              <a:prstGeom prst="ellipse">
-                <a:avLst/>
-              </a:prstGeom>
-              <a:solidFill>
-                <a:schemeClr val="accent2"/>
-              </a:solidFill>
-              <a:ln>
-                <a:noFill/>
-              </a:ln>
-            </p:spPr>
-            <p:txBody>
-              <a:bodyPr spcFirstLastPara="1" wrap="square" lIns="91425" tIns="91425" rIns="91425" bIns="91425" anchor="ctr" anchorCtr="0">
-                <a:noAutofit/>
-              </a:bodyPr>
-              <a:lstStyle/>
-              <a:p>
-                <a:pPr marL="0" lvl="0" indent="0" algn="l" rtl="0">
-                  <a:spcBef>
-                    <a:spcPts val="0"/>
-                  </a:spcBef>
-                  <a:spcAft>
-                    <a:spcPts val="0"/>
-                  </a:spcAft>
-                  <a:buNone/>
-                </a:pPr>
-                <a:endParaRPr/>
-              </a:p>
-            </p:txBody>
-          </p:sp>
-          <p:sp>
-            <p:nvSpPr>
-              <p:cNvPr id="769" name="Google Shape;769;p9"/>
-              <p:cNvSpPr/>
-              <p:nvPr/>
-            </p:nvSpPr>
-            <p:spPr>
-              <a:xfrm>
-                <a:off x="2641075" y="204150"/>
-                <a:ext cx="68100" cy="68100"/>
-              </a:xfrm>
-              <a:prstGeom prst="ellipse">
-                <a:avLst/>
-              </a:prstGeom>
-              <a:solidFill>
-                <a:schemeClr val="accent2"/>
-              </a:solidFill>
-              <a:ln>
-                <a:noFill/>
-              </a:ln>
-            </p:spPr>
-            <p:txBody>
-              <a:bodyPr spcFirstLastPara="1" wrap="square" lIns="91425" tIns="91425" rIns="91425" bIns="91425" anchor="ctr" anchorCtr="0">
-                <a:noAutofit/>
-              </a:bodyPr>
-              <a:lstStyle/>
-              <a:p>
-                <a:pPr marL="0" lvl="0" indent="0" algn="l" rtl="0">
-                  <a:spcBef>
-                    <a:spcPts val="0"/>
-                  </a:spcBef>
-                  <a:spcAft>
-                    <a:spcPts val="0"/>
-                  </a:spcAft>
-                  <a:buNone/>
-                </a:pPr>
-                <a:endParaRPr/>
-              </a:p>
-            </p:txBody>
-          </p:sp>
-          <p:sp>
-            <p:nvSpPr>
-              <p:cNvPr id="770" name="Google Shape;770;p9"/>
-              <p:cNvSpPr/>
-              <p:nvPr/>
-            </p:nvSpPr>
-            <p:spPr>
-              <a:xfrm>
-                <a:off x="2764400" y="204150"/>
-                <a:ext cx="68100" cy="68100"/>
-              </a:xfrm>
-              <a:prstGeom prst="ellipse">
-                <a:avLst/>
-              </a:prstGeom>
-              <a:solidFill>
-                <a:schemeClr val="accent2"/>
-              </a:solidFill>
-              <a:ln>
-                <a:noFill/>
-              </a:ln>
-            </p:spPr>
-            <p:txBody>
-              <a:bodyPr spcFirstLastPara="1" wrap="square" lIns="91425" tIns="91425" rIns="91425" bIns="91425" anchor="ctr" anchorCtr="0">
-                <a:noAutofit/>
-              </a:bodyPr>
-              <a:lstStyle/>
-              <a:p>
-                <a:pPr marL="0" lvl="0" indent="0" algn="l" rtl="0">
-                  <a:spcBef>
-                    <a:spcPts val="0"/>
-                  </a:spcBef>
-                  <a:spcAft>
-                    <a:spcPts val="0"/>
-                  </a:spcAft>
-                  <a:buNone/>
-                </a:pPr>
-                <a:endParaRPr/>
-              </a:p>
-            </p:txBody>
-          </p:sp>
-          <p:sp>
-            <p:nvSpPr>
-              <p:cNvPr id="771" name="Google Shape;771;p9"/>
-              <p:cNvSpPr/>
-              <p:nvPr/>
-            </p:nvSpPr>
-            <p:spPr>
-              <a:xfrm>
-                <a:off x="2887725" y="204150"/>
-                <a:ext cx="68100" cy="68100"/>
-              </a:xfrm>
-              <a:prstGeom prst="ellipse">
-                <a:avLst/>
-              </a:prstGeom>
-              <a:solidFill>
-                <a:schemeClr val="accent2"/>
-              </a:solidFill>
-              <a:ln>
-                <a:noFill/>
-              </a:ln>
-            </p:spPr>
-            <p:txBody>
-              <a:bodyPr spcFirstLastPara="1" wrap="square" lIns="91425" tIns="91425" rIns="91425" bIns="91425" anchor="ctr" anchorCtr="0">
-                <a:noAutofit/>
-              </a:bodyPr>
-              <a:lstStyle/>
-              <a:p>
-                <a:pPr marL="0" lvl="0" indent="0" algn="l" rtl="0">
-                  <a:spcBef>
-                    <a:spcPts val="0"/>
-                  </a:spcBef>
-                  <a:spcAft>
-                    <a:spcPts val="0"/>
-                  </a:spcAft>
-                  <a:buNone/>
-                </a:pPr>
-                <a:endParaRPr/>
-              </a:p>
-            </p:txBody>
-          </p:sp>
-          <p:sp>
-            <p:nvSpPr>
-              <p:cNvPr id="772" name="Google Shape;772;p9"/>
-              <p:cNvSpPr/>
-              <p:nvPr/>
-            </p:nvSpPr>
-            <p:spPr>
-              <a:xfrm>
-                <a:off x="3011050" y="204150"/>
-                <a:ext cx="68100" cy="68100"/>
-              </a:xfrm>
-              <a:prstGeom prst="ellipse">
-                <a:avLst/>
-              </a:prstGeom>
-              <a:solidFill>
-                <a:schemeClr val="accent2"/>
-              </a:solidFill>
-              <a:ln>
-                <a:noFill/>
-              </a:ln>
-            </p:spPr>
-            <p:txBody>
-              <a:bodyPr spcFirstLastPara="1" wrap="square" lIns="91425" tIns="91425" rIns="91425" bIns="91425" anchor="ctr" anchorCtr="0">
-                <a:noAutofit/>
-              </a:bodyPr>
-              <a:lstStyle/>
-              <a:p>
-                <a:pPr marL="0" lvl="0" indent="0" algn="l" rtl="0">
-                  <a:spcBef>
-                    <a:spcPts val="0"/>
-                  </a:spcBef>
-                  <a:spcAft>
-                    <a:spcPts val="0"/>
-                  </a:spcAft>
-                  <a:buNone/>
-                </a:pPr>
-                <a:endParaRPr/>
-              </a:p>
-            </p:txBody>
-          </p:sp>
-          <p:sp>
-            <p:nvSpPr>
-              <p:cNvPr id="773" name="Google Shape;773;p9"/>
-              <p:cNvSpPr/>
-              <p:nvPr/>
-            </p:nvSpPr>
-            <p:spPr>
-              <a:xfrm>
-                <a:off x="3134375" y="204150"/>
-                <a:ext cx="68100" cy="68100"/>
-              </a:xfrm>
-              <a:prstGeom prst="ellipse">
-                <a:avLst/>
-              </a:prstGeom>
-              <a:solidFill>
-                <a:schemeClr val="accent2"/>
-              </a:solidFill>
-              <a:ln>
-                <a:noFill/>
-              </a:ln>
-            </p:spPr>
-            <p:txBody>
-              <a:bodyPr spcFirstLastPara="1" wrap="square" lIns="91425" tIns="91425" rIns="91425" bIns="91425" anchor="ctr" anchorCtr="0">
-                <a:noAutofit/>
-              </a:bodyPr>
-              <a:lstStyle/>
-              <a:p>
-                <a:pPr marL="0" lvl="0" indent="0" algn="l" rtl="0">
-                  <a:spcBef>
-                    <a:spcPts val="0"/>
-                  </a:spcBef>
-                  <a:spcAft>
-                    <a:spcPts val="0"/>
-                  </a:spcAft>
-                  <a:buNone/>
-                </a:pPr>
-                <a:endParaRPr/>
-              </a:p>
-            </p:txBody>
-          </p:sp>
-        </p:grpSp>
-      </p:grpSp>
-      <p:grpSp>
-        <p:nvGrpSpPr>
-          <p:cNvPr id="774" name="Google Shape;774;p9"/>
-          <p:cNvGrpSpPr/>
-          <p:nvPr/>
-        </p:nvGrpSpPr>
-        <p:grpSpPr>
-          <a:xfrm rot="5400000">
-            <a:off x="85100" y="4288025"/>
-            <a:ext cx="98902" cy="553090"/>
-            <a:chOff x="4898850" y="4820550"/>
-            <a:chExt cx="98902" cy="553090"/>
-          </a:xfrm>
-        </p:grpSpPr>
-        <p:sp>
-          <p:nvSpPr>
-            <p:cNvPr id="775" name="Google Shape;775;p9"/>
-            <p:cNvSpPr/>
-            <p:nvPr/>
-          </p:nvSpPr>
-          <p:spPr>
-            <a:xfrm>
-              <a:off x="4898850" y="4820550"/>
-              <a:ext cx="98902" cy="98902"/>
-            </a:xfrm>
-            <a:custGeom>
-              <a:avLst/>
-              <a:gdLst/>
-              <a:ahLst/>
-              <a:cxnLst/>
-              <a:rect l="l" t="t" r="r" b="b"/>
-              <a:pathLst>
-                <a:path w="3174" h="3174" fill="none" extrusionOk="0">
-                  <a:moveTo>
-                    <a:pt x="1810" y="124"/>
-                  </a:moveTo>
-                  <a:cubicBezTo>
-                    <a:pt x="2603" y="248"/>
-                    <a:pt x="3173" y="1017"/>
-                    <a:pt x="3024" y="1810"/>
-                  </a:cubicBezTo>
-                  <a:cubicBezTo>
-                    <a:pt x="2900" y="2603"/>
-                    <a:pt x="2157" y="3173"/>
-                    <a:pt x="1339" y="3025"/>
-                  </a:cubicBezTo>
-                  <a:cubicBezTo>
-                    <a:pt x="545" y="2901"/>
-                    <a:pt x="0" y="2157"/>
-                    <a:pt x="124" y="1339"/>
-                  </a:cubicBezTo>
-                  <a:cubicBezTo>
-                    <a:pt x="248" y="546"/>
-                    <a:pt x="992" y="0"/>
-                    <a:pt x="1810" y="124"/>
-                  </a:cubicBezTo>
-                  <a:close/>
-                </a:path>
-              </a:pathLst>
-            </a:custGeom>
-            <a:noFill/>
-            <a:ln w="19050" cap="rnd" cmpd="sng">
-              <a:solidFill>
-                <a:schemeClr val="accent3"/>
-              </a:solidFill>
-              <a:prstDash val="solid"/>
-              <a:round/>
-              <a:headEnd type="none" w="sm" len="sm"/>
-              <a:tailEnd type="none" w="sm" len="sm"/>
-            </a:ln>
-          </p:spPr>
-          <p:txBody>
-            <a:bodyPr spcFirstLastPara="1" wrap="square" lIns="91425" tIns="91425" rIns="91425" bIns="91425" anchor="ctr" anchorCtr="0">
-              <a:noAutofit/>
-            </a:bodyPr>
-            <a:lstStyle/>
-            <a:p>
-              <a:pPr marL="0" lvl="0" indent="0" algn="l" rtl="0">
-                <a:spcBef>
-                  <a:spcPts val="0"/>
-                </a:spcBef>
-                <a:spcAft>
-                  <a:spcPts val="0"/>
-                </a:spcAft>
-                <a:buNone/>
-              </a:pPr>
-              <a:endParaRPr/>
-            </a:p>
-          </p:txBody>
-        </p:sp>
-        <p:sp>
-          <p:nvSpPr>
-            <p:cNvPr id="776" name="Google Shape;776;p9"/>
-            <p:cNvSpPr/>
-            <p:nvPr/>
-          </p:nvSpPr>
-          <p:spPr>
-            <a:xfrm>
-              <a:off x="4924339" y="4847971"/>
-              <a:ext cx="46366" cy="43094"/>
-            </a:xfrm>
-            <a:custGeom>
-              <a:avLst/>
-              <a:gdLst/>
-              <a:ahLst/>
-              <a:cxnLst/>
-              <a:rect l="l" t="t" r="r" b="b"/>
-              <a:pathLst>
-                <a:path w="1488" h="1383" extrusionOk="0">
-                  <a:moveTo>
-                    <a:pt x="744" y="1"/>
-                  </a:moveTo>
-                  <a:cubicBezTo>
-                    <a:pt x="417" y="1"/>
-                    <a:pt x="119" y="253"/>
-                    <a:pt x="74" y="583"/>
-                  </a:cubicBezTo>
-                  <a:cubicBezTo>
-                    <a:pt x="0" y="955"/>
-                    <a:pt x="273" y="1327"/>
-                    <a:pt x="645" y="1376"/>
-                  </a:cubicBezTo>
-                  <a:cubicBezTo>
-                    <a:pt x="676" y="1380"/>
-                    <a:pt x="708" y="1383"/>
-                    <a:pt x="739" y="1383"/>
-                  </a:cubicBezTo>
-                  <a:cubicBezTo>
-                    <a:pt x="1074" y="1383"/>
-                    <a:pt x="1370" y="1146"/>
-                    <a:pt x="1438" y="806"/>
-                  </a:cubicBezTo>
-                  <a:cubicBezTo>
-                    <a:pt x="1487" y="434"/>
-                    <a:pt x="1240" y="62"/>
-                    <a:pt x="868" y="13"/>
-                  </a:cubicBezTo>
-                  <a:cubicBezTo>
-                    <a:pt x="826" y="4"/>
-                    <a:pt x="785" y="1"/>
-                    <a:pt x="744" y="1"/>
-                  </a:cubicBezTo>
-                  <a:close/>
-                </a:path>
-              </a:pathLst>
-            </a:custGeom>
-            <a:solidFill>
-              <a:schemeClr val="accent3"/>
-            </a:solidFill>
-            <a:ln>
-              <a:noFill/>
-            </a:ln>
-          </p:spPr>
-          <p:txBody>
-            <a:bodyPr spcFirstLastPara="1" wrap="square" lIns="91425" tIns="91425" rIns="91425" bIns="91425" anchor="ctr" anchorCtr="0">
-              <a:noAutofit/>
-            </a:bodyPr>
-            <a:lstStyle/>
-            <a:p>
-              <a:pPr marL="0" lvl="0" indent="0" algn="l" rtl="0">
-                <a:spcBef>
-                  <a:spcPts val="0"/>
-                </a:spcBef>
-                <a:spcAft>
-                  <a:spcPts val="0"/>
-                </a:spcAft>
-                <a:buNone/>
-              </a:pPr>
-              <a:endParaRPr/>
-            </a:p>
-          </p:txBody>
-        </p:sp>
-        <p:sp>
-          <p:nvSpPr>
-            <p:cNvPr id="777" name="Google Shape;777;p9"/>
-            <p:cNvSpPr/>
-            <p:nvPr/>
-          </p:nvSpPr>
-          <p:spPr>
-            <a:xfrm>
-              <a:off x="4901935" y="5281687"/>
-              <a:ext cx="91953" cy="91953"/>
-            </a:xfrm>
-            <a:custGeom>
-              <a:avLst/>
-              <a:gdLst/>
-              <a:ahLst/>
-              <a:cxnLst/>
-              <a:rect l="l" t="t" r="r" b="b"/>
-              <a:pathLst>
-                <a:path w="2951" h="2951" fill="none" extrusionOk="0">
-                  <a:moveTo>
-                    <a:pt x="1463" y="2951"/>
-                  </a:moveTo>
-                  <a:cubicBezTo>
-                    <a:pt x="645" y="2951"/>
-                    <a:pt x="0" y="2306"/>
-                    <a:pt x="0" y="1488"/>
-                  </a:cubicBezTo>
-                  <a:cubicBezTo>
-                    <a:pt x="0" y="670"/>
-                    <a:pt x="645" y="1"/>
-                    <a:pt x="1463" y="1"/>
-                  </a:cubicBezTo>
-                  <a:cubicBezTo>
-                    <a:pt x="2281" y="1"/>
-                    <a:pt x="2950" y="670"/>
-                    <a:pt x="2950" y="1488"/>
-                  </a:cubicBezTo>
-                  <a:cubicBezTo>
-                    <a:pt x="2950" y="2306"/>
-                    <a:pt x="2281" y="2951"/>
-                    <a:pt x="1463" y="2951"/>
-                  </a:cubicBezTo>
-                  <a:close/>
-                </a:path>
-              </a:pathLst>
-            </a:custGeom>
-            <a:noFill/>
-            <a:ln w="19050" cap="rnd" cmpd="sng">
-              <a:solidFill>
-                <a:schemeClr val="accent3"/>
-              </a:solidFill>
-              <a:prstDash val="solid"/>
-              <a:round/>
-              <a:headEnd type="none" w="sm" len="sm"/>
-              <a:tailEnd type="none" w="sm" len="sm"/>
-            </a:ln>
-          </p:spPr>
-          <p:txBody>
-            <a:bodyPr spcFirstLastPara="1" wrap="square" lIns="91425" tIns="91425" rIns="91425" bIns="91425" anchor="ctr" anchorCtr="0">
-              <a:noAutofit/>
-            </a:bodyPr>
-            <a:lstStyle/>
-            <a:p>
-              <a:pPr marL="0" lvl="0" indent="0" algn="l" rtl="0">
-                <a:spcBef>
-                  <a:spcPts val="0"/>
-                </a:spcBef>
-                <a:spcAft>
-                  <a:spcPts val="0"/>
-                </a:spcAft>
-                <a:buNone/>
-              </a:pPr>
-              <a:endParaRPr/>
-            </a:p>
-          </p:txBody>
-        </p:sp>
-        <p:sp>
-          <p:nvSpPr>
-            <p:cNvPr id="778" name="Google Shape;778;p9"/>
-            <p:cNvSpPr/>
-            <p:nvPr/>
-          </p:nvSpPr>
-          <p:spPr>
-            <a:xfrm>
-              <a:off x="4925866" y="5306428"/>
-              <a:ext cx="43281" cy="43281"/>
-            </a:xfrm>
-            <a:custGeom>
-              <a:avLst/>
-              <a:gdLst/>
-              <a:ahLst/>
-              <a:cxnLst/>
-              <a:rect l="l" t="t" r="r" b="b"/>
-              <a:pathLst>
-                <a:path w="1389" h="1389" extrusionOk="0">
-                  <a:moveTo>
-                    <a:pt x="695" y="0"/>
-                  </a:moveTo>
-                  <a:cubicBezTo>
-                    <a:pt x="323" y="0"/>
-                    <a:pt x="1" y="297"/>
-                    <a:pt x="1" y="694"/>
-                  </a:cubicBezTo>
-                  <a:cubicBezTo>
-                    <a:pt x="1" y="1066"/>
-                    <a:pt x="323" y="1388"/>
-                    <a:pt x="695" y="1388"/>
-                  </a:cubicBezTo>
-                  <a:cubicBezTo>
-                    <a:pt x="1091" y="1388"/>
-                    <a:pt x="1389" y="1066"/>
-                    <a:pt x="1389" y="694"/>
-                  </a:cubicBezTo>
-                  <a:cubicBezTo>
-                    <a:pt x="1389" y="297"/>
-                    <a:pt x="1091" y="0"/>
-                    <a:pt x="695" y="0"/>
-                  </a:cubicBezTo>
-                  <a:close/>
-                </a:path>
-              </a:pathLst>
-            </a:custGeom>
-            <a:solidFill>
-              <a:schemeClr val="accent3"/>
-            </a:solidFill>
-            <a:ln>
-              <a:noFill/>
-            </a:ln>
-          </p:spPr>
-          <p:txBody>
-            <a:bodyPr spcFirstLastPara="1" wrap="square" lIns="91425" tIns="91425" rIns="91425" bIns="91425" anchor="ctr" anchorCtr="0">
-              <a:noAutofit/>
-            </a:bodyPr>
-            <a:lstStyle/>
-            <a:p>
-              <a:pPr marL="0" lvl="0" indent="0" algn="l" rtl="0">
-                <a:spcBef>
-                  <a:spcPts val="0"/>
-                </a:spcBef>
-                <a:spcAft>
-                  <a:spcPts val="0"/>
-                </a:spcAft>
-                <a:buNone/>
-              </a:pPr>
-              <a:endParaRPr/>
-            </a:p>
-          </p:txBody>
-        </p:sp>
-        <p:sp>
-          <p:nvSpPr>
-            <p:cNvPr id="779" name="Google Shape;779;p9"/>
-            <p:cNvSpPr/>
-            <p:nvPr/>
-          </p:nvSpPr>
-          <p:spPr>
-            <a:xfrm>
-              <a:off x="4942100" y="4917862"/>
-              <a:ext cx="31" cy="358465"/>
-            </a:xfrm>
-            <a:custGeom>
-              <a:avLst/>
-              <a:gdLst/>
-              <a:ahLst/>
-              <a:cxnLst/>
-              <a:rect l="l" t="t" r="r" b="b"/>
-              <a:pathLst>
-                <a:path w="1" h="11504" fill="none" extrusionOk="0">
-                  <a:moveTo>
-                    <a:pt x="0" y="11503"/>
-                  </a:moveTo>
-                  <a:lnTo>
-                    <a:pt x="0" y="1"/>
-                  </a:lnTo>
-                </a:path>
-              </a:pathLst>
-            </a:custGeom>
-            <a:noFill/>
-            <a:ln w="19050" cap="rnd" cmpd="sng">
-              <a:solidFill>
-                <a:schemeClr val="accent3"/>
-              </a:solidFill>
-              <a:prstDash val="solid"/>
-              <a:round/>
-              <a:headEnd type="none" w="sm" len="sm"/>
-              <a:tailEnd type="none" w="sm" len="sm"/>
-            </a:ln>
-          </p:spPr>
-          <p:txBody>
-            <a:bodyPr spcFirstLastPara="1" wrap="square" lIns="91425" tIns="91425" rIns="91425" bIns="91425" anchor="ctr" anchorCtr="0">
-              <a:noAutofit/>
-            </a:bodyPr>
-            <a:lstStyle/>
-            <a:p>
-              <a:pPr marL="0" lvl="0" indent="0" algn="l" rtl="0">
-                <a:spcBef>
-                  <a:spcPts val="0"/>
-                </a:spcBef>
-                <a:spcAft>
-                  <a:spcPts val="0"/>
-                </a:spcAft>
-                <a:buNone/>
-              </a:pPr>
-              <a:endParaRPr/>
-            </a:p>
-          </p:txBody>
-        </p:sp>
-      </p:grpSp>
-    </p:spTree>
-  </p:cSld>
-  <p:clrMapOvr>
-    <a:masterClrMapping/>
-  </p:clrMapOvr>
-</p:sldLayout>
-</file>
-
-<file path=ppt/slideLayouts/slideLayout5.xml><?xml version="1.0" encoding="utf-8"?>
 <p:sldLayout xmlns:a="http://schemas.openxmlformats.org/drawingml/2006/main" xmlns:r="http://schemas.openxmlformats.org/officeDocument/2006/relationships" xmlns:p="http://schemas.openxmlformats.org/presentationml/2006/main" matchingName="Blank" type="blank">
   <p:cSld name="BLANK">
     <p:bg>
@@ -26786,7 +20906,7 @@
 </p:sldLayout>
 </file>
 
-<file path=ppt/slideLayouts/slideLayout6.xml><?xml version="1.0" encoding="utf-8"?>
+<file path=ppt/slideLayouts/slideLayout5.xml><?xml version="1.0" encoding="utf-8"?>
 <p:sldLayout xmlns:a="http://schemas.openxmlformats.org/drawingml/2006/main" xmlns:r="http://schemas.openxmlformats.org/officeDocument/2006/relationships" xmlns:p="http://schemas.openxmlformats.org/presentationml/2006/main" matchingName="Title and text">
   <p:cSld name="BLANK_9">
     <p:spTree>
@@ -32002,7 +26122,7 @@
 </p:sldLayout>
 </file>
 
-<file path=ppt/slideLayouts/slideLayout7.xml><?xml version="1.0" encoding="utf-8"?>
+<file path=ppt/slideLayouts/slideLayout6.xml><?xml version="1.0" encoding="utf-8"?>
 <p:sldLayout xmlns:a="http://schemas.openxmlformats.org/drawingml/2006/main" xmlns:r="http://schemas.openxmlformats.org/officeDocument/2006/relationships" xmlns:p="http://schemas.openxmlformats.org/presentationml/2006/main" matchingName="Background">
   <p:cSld name="BLANK_13">
     <p:spTree>
@@ -37478,7 +31598,7 @@
 </p:sldLayout>
 </file>
 
-<file path=ppt/slideLayouts/slideLayout8.xml><?xml version="1.0" encoding="utf-8"?>
+<file path=ppt/slideLayouts/slideLayout7.xml><?xml version="1.0" encoding="utf-8"?>
 <p:sldLayout xmlns:a="http://schemas.openxmlformats.org/drawingml/2006/main" xmlns:r="http://schemas.openxmlformats.org/officeDocument/2006/relationships" xmlns:p="http://schemas.openxmlformats.org/presentationml/2006/main" matchingName="Background 1">
   <p:cSld name="BLANK_12">
     <p:spTree>
@@ -43084,7 +37204,7 @@
 </p:sldLayout>
 </file>
 
-<file path=ppt/slideLayouts/slideLayout9.xml><?xml version="1.0" encoding="utf-8"?>
+<file path=ppt/slideLayouts/slideLayout8.xml><?xml version="1.0" encoding="utf-8"?>
 <p:sldLayout xmlns:a="http://schemas.openxmlformats.org/drawingml/2006/main" xmlns:r="http://schemas.openxmlformats.org/officeDocument/2006/relationships" xmlns:p="http://schemas.openxmlformats.org/presentationml/2006/main" matchingName="Background 1 1">
   <p:cSld name="BLANK_12_1">
     <p:spTree>
@@ -46070,12 +40190,11 @@
     <p:sldLayoutId id="2147483648" r:id="rId1"/>
     <p:sldLayoutId id="2147483649" r:id="rId2"/>
     <p:sldLayoutId id="2147483651" r:id="rId3"/>
-    <p:sldLayoutId id="2147483655" r:id="rId4"/>
-    <p:sldLayoutId id="2147483658" r:id="rId5"/>
-    <p:sldLayoutId id="2147483663" r:id="rId6"/>
-    <p:sldLayoutId id="2147483674" r:id="rId7"/>
-    <p:sldLayoutId id="2147483675" r:id="rId8"/>
-    <p:sldLayoutId id="2147483676" r:id="rId9"/>
+    <p:sldLayoutId id="2147483658" r:id="rId4"/>
+    <p:sldLayoutId id="2147483663" r:id="rId5"/>
+    <p:sldLayoutId id="2147483674" r:id="rId6"/>
+    <p:sldLayoutId id="2147483675" r:id="rId7"/>
+    <p:sldLayoutId id="2147483676" r:id="rId8"/>
   </p:sldLayoutIdLst>
   <p:hf sldNum="0" hdr="0" ftr="0" dt="0"/>
   <p:txStyles>
@@ -52426,7 +46545,7 @@
   <p:cSld>
     <p:spTree>
       <p:nvGrpSpPr>
-        <p:cNvPr id="1" name="Shape 2856"/>
+        <p:cNvPr id="1" name="Shape 2804"/>
         <p:cNvGrpSpPr/>
         <p:nvPr/>
       </p:nvGrpSpPr>
@@ -52440,7 +46559,7 @@
       </p:grpSpPr>
       <p:sp>
         <p:nvSpPr>
-          <p:cNvPr id="2857" name="Google Shape;2857;p38"/>
+          <p:cNvPr id="2805" name="Google Shape;2805;p37"/>
           <p:cNvSpPr txBox="1">
             <a:spLocks noGrp="1"/>
           </p:cNvSpPr>
@@ -52450,8 +46569,8 @@
         </p:nvSpPr>
         <p:spPr>
           <a:xfrm>
-            <a:off x="1610247" y="541619"/>
-            <a:ext cx="5830200" cy="1169400"/>
+            <a:off x="2218539" y="112265"/>
+            <a:ext cx="4401600" cy="1198800"/>
           </a:xfrm>
           <a:prstGeom prst="rect">
             <a:avLst/>
@@ -52478,7 +46597,7 @@
                   <a:schemeClr val="accent2"/>
                 </a:solidFill>
               </a:rPr>
-              <a:t>About the project</a:t>
+              <a:t>Steps of realization</a:t>
             </a:r>
             <a:endParaRPr dirty="0">
               <a:solidFill>
@@ -52488,23 +46607,123 @@
           </a:p>
         </p:txBody>
       </p:sp>
+      <p:sp>
+        <p:nvSpPr>
+          <p:cNvPr id="2808" name="Google Shape;2808;p37"/>
+          <p:cNvSpPr/>
+          <p:nvPr/>
+        </p:nvSpPr>
+        <p:spPr>
+          <a:xfrm>
+            <a:off x="-1414555" y="4201465"/>
+            <a:ext cx="1994700" cy="68100"/>
+          </a:xfrm>
+          <a:prstGeom prst="roundRect">
+            <a:avLst>
+              <a:gd name="adj" fmla="val 50000"/>
+            </a:avLst>
+          </a:prstGeom>
+          <a:gradFill>
+            <a:gsLst>
+              <a:gs pos="0">
+                <a:schemeClr val="lt2"/>
+              </a:gs>
+              <a:gs pos="100000">
+                <a:schemeClr val="accent2"/>
+              </a:gs>
+            </a:gsLst>
+            <a:lin ang="2698631" scaled="0"/>
+          </a:gradFill>
+          <a:ln>
+            <a:noFill/>
+          </a:ln>
+        </p:spPr>
+        <p:txBody>
+          <a:bodyPr spcFirstLastPara="1" wrap="square" lIns="91425" tIns="91425" rIns="91425" bIns="91425" anchor="ctr" anchorCtr="0">
+            <a:noAutofit/>
+          </a:bodyPr>
+          <a:lstStyle/>
+          <a:p>
+            <a:pPr marL="0" lvl="0" indent="0" algn="l" rtl="0">
+              <a:spcBef>
+                <a:spcPts val="0"/>
+              </a:spcBef>
+              <a:spcAft>
+                <a:spcPts val="0"/>
+              </a:spcAft>
+              <a:buNone/>
+            </a:pPr>
+            <a:endParaRPr/>
+          </a:p>
+        </p:txBody>
+      </p:sp>
+      <p:sp>
+        <p:nvSpPr>
+          <p:cNvPr id="2809" name="Google Shape;2809;p37"/>
+          <p:cNvSpPr/>
+          <p:nvPr/>
+        </p:nvSpPr>
+        <p:spPr>
+          <a:xfrm>
+            <a:off x="-1111455" y="3922165"/>
+            <a:ext cx="1994700" cy="68100"/>
+          </a:xfrm>
+          <a:prstGeom prst="roundRect">
+            <a:avLst>
+              <a:gd name="adj" fmla="val 50000"/>
+            </a:avLst>
+          </a:prstGeom>
+          <a:gradFill>
+            <a:gsLst>
+              <a:gs pos="0">
+                <a:schemeClr val="lt2"/>
+              </a:gs>
+              <a:gs pos="100000">
+                <a:schemeClr val="accent2"/>
+              </a:gs>
+            </a:gsLst>
+            <a:lin ang="2698631" scaled="0"/>
+          </a:gradFill>
+          <a:ln>
+            <a:noFill/>
+          </a:ln>
+        </p:spPr>
+        <p:txBody>
+          <a:bodyPr spcFirstLastPara="1" wrap="square" lIns="91425" tIns="91425" rIns="91425" bIns="91425" anchor="ctr" anchorCtr="0">
+            <a:noAutofit/>
+          </a:bodyPr>
+          <a:lstStyle/>
+          <a:p>
+            <a:pPr marL="0" lvl="0" indent="0" algn="l" rtl="0">
+              <a:spcBef>
+                <a:spcPts val="0"/>
+              </a:spcBef>
+              <a:spcAft>
+                <a:spcPts val="0"/>
+              </a:spcAft>
+              <a:buNone/>
+            </a:pPr>
+            <a:endParaRPr/>
+          </a:p>
+        </p:txBody>
+      </p:sp>
       <p:grpSp>
         <p:nvGrpSpPr>
-          <p:cNvPr id="2859" name="Google Shape;2859;p38"/>
+          <p:cNvPr id="2810" name="Google Shape;2810;p37"/>
           <p:cNvGrpSpPr/>
           <p:nvPr/>
         </p:nvGrpSpPr>
         <p:grpSpPr>
-          <a:xfrm flipH="1">
-            <a:off x="4130364" y="4335404"/>
-            <a:ext cx="883262" cy="242091"/>
+          <a:xfrm rot="10800000">
+            <a:off x="7548555" y="4188704"/>
+            <a:ext cx="605982" cy="167855"/>
             <a:chOff x="2300350" y="2601250"/>
             <a:chExt cx="2275275" cy="623625"/>
           </a:xfrm>
         </p:grpSpPr>
         <p:sp>
           <p:nvSpPr>
-            <p:cNvPr id="2860" name="Google Shape;2860;p38"/>
+            <p:cNvPr id="2811" name="Google Shape;2811;p37"/>
             <p:cNvSpPr/>
             <p:nvPr/>
           </p:nvSpPr>
@@ -52598,7 +46817,7 @@
         </p:sp>
         <p:sp>
           <p:nvSpPr>
-            <p:cNvPr id="2861" name="Google Shape;2861;p38"/>
+            <p:cNvPr id="2812" name="Google Shape;2812;p37"/>
             <p:cNvSpPr/>
             <p:nvPr/>
           </p:nvSpPr>
@@ -52692,7 +46911,7 @@
         </p:sp>
         <p:sp>
           <p:nvSpPr>
-            <p:cNvPr id="2862" name="Google Shape;2862;p38"/>
+            <p:cNvPr id="2813" name="Google Shape;2813;p37"/>
             <p:cNvSpPr/>
             <p:nvPr/>
           </p:nvSpPr>
@@ -52786,7 +47005,7 @@
         </p:sp>
         <p:sp>
           <p:nvSpPr>
-            <p:cNvPr id="2863" name="Google Shape;2863;p38"/>
+            <p:cNvPr id="2814" name="Google Shape;2814;p37"/>
             <p:cNvSpPr/>
             <p:nvPr/>
           </p:nvSpPr>
@@ -52880,7 +47099,7 @@
         </p:sp>
         <p:sp>
           <p:nvSpPr>
-            <p:cNvPr id="2864" name="Google Shape;2864;p38"/>
+            <p:cNvPr id="2815" name="Google Shape;2815;p37"/>
             <p:cNvSpPr/>
             <p:nvPr/>
           </p:nvSpPr>
@@ -52974,7 +47193,7 @@
         </p:sp>
         <p:sp>
           <p:nvSpPr>
-            <p:cNvPr id="2865" name="Google Shape;2865;p38"/>
+            <p:cNvPr id="2816" name="Google Shape;2816;p37"/>
             <p:cNvSpPr/>
             <p:nvPr/>
           </p:nvSpPr>
@@ -53069,588 +47288,13 @@
       </p:grpSp>
       <p:grpSp>
         <p:nvGrpSpPr>
-          <p:cNvPr id="2866" name="Google Shape;2866;p38"/>
-          <p:cNvGrpSpPr/>
-          <p:nvPr/>
-        </p:nvGrpSpPr>
-        <p:grpSpPr>
-          <a:xfrm>
-            <a:off x="6397851" y="1075319"/>
-            <a:ext cx="1252897" cy="51000"/>
-            <a:chOff x="2915381" y="4104819"/>
-            <a:chExt cx="1252897" cy="51000"/>
-          </a:xfrm>
-        </p:grpSpPr>
-        <p:sp>
-          <p:nvSpPr>
-            <p:cNvPr id="2867" name="Google Shape;2867;p38"/>
-            <p:cNvSpPr/>
-            <p:nvPr/>
-          </p:nvSpPr>
-          <p:spPr>
-            <a:xfrm>
-              <a:off x="2915381" y="4104819"/>
-              <a:ext cx="51000" cy="51000"/>
-            </a:xfrm>
-            <a:prstGeom prst="ellipse">
-              <a:avLst/>
-            </a:prstGeom>
-            <a:solidFill>
-              <a:schemeClr val="accent2"/>
-            </a:solidFill>
-            <a:ln>
-              <a:noFill/>
-            </a:ln>
-          </p:spPr>
-          <p:txBody>
-            <a:bodyPr spcFirstLastPara="1" wrap="square" lIns="91425" tIns="91425" rIns="91425" bIns="91425" anchor="ctr" anchorCtr="0">
-              <a:noAutofit/>
-            </a:bodyPr>
-            <a:lstStyle/>
-            <a:p>
-              <a:pPr marL="0" lvl="0" indent="0" algn="l" rtl="0">
-                <a:spcBef>
-                  <a:spcPts val="0"/>
-                </a:spcBef>
-                <a:spcAft>
-                  <a:spcPts val="0"/>
-                </a:spcAft>
-                <a:buNone/>
-              </a:pPr>
-              <a:endParaRPr/>
-            </a:p>
-          </p:txBody>
-        </p:sp>
-        <p:sp>
-          <p:nvSpPr>
-            <p:cNvPr id="2868" name="Google Shape;2868;p38"/>
-            <p:cNvSpPr/>
-            <p:nvPr/>
-          </p:nvSpPr>
-          <p:spPr>
-            <a:xfrm>
-              <a:off x="3007850" y="4104819"/>
-              <a:ext cx="51000" cy="51000"/>
-            </a:xfrm>
-            <a:prstGeom prst="ellipse">
-              <a:avLst/>
-            </a:prstGeom>
-            <a:solidFill>
-              <a:schemeClr val="accent2"/>
-            </a:solidFill>
-            <a:ln>
-              <a:noFill/>
-            </a:ln>
-          </p:spPr>
-          <p:txBody>
-            <a:bodyPr spcFirstLastPara="1" wrap="square" lIns="91425" tIns="91425" rIns="91425" bIns="91425" anchor="ctr" anchorCtr="0">
-              <a:noAutofit/>
-            </a:bodyPr>
-            <a:lstStyle/>
-            <a:p>
-              <a:pPr marL="0" lvl="0" indent="0" algn="l" rtl="0">
-                <a:spcBef>
-                  <a:spcPts val="0"/>
-                </a:spcBef>
-                <a:spcAft>
-                  <a:spcPts val="0"/>
-                </a:spcAft>
-                <a:buNone/>
-              </a:pPr>
-              <a:endParaRPr/>
-            </a:p>
-          </p:txBody>
-        </p:sp>
-        <p:sp>
-          <p:nvSpPr>
-            <p:cNvPr id="2869" name="Google Shape;2869;p38"/>
-            <p:cNvSpPr/>
-            <p:nvPr/>
-          </p:nvSpPr>
-          <p:spPr>
-            <a:xfrm>
-              <a:off x="3100319" y="4104819"/>
-              <a:ext cx="51000" cy="51000"/>
-            </a:xfrm>
-            <a:prstGeom prst="ellipse">
-              <a:avLst/>
-            </a:prstGeom>
-            <a:solidFill>
-              <a:schemeClr val="accent2"/>
-            </a:solidFill>
-            <a:ln>
-              <a:noFill/>
-            </a:ln>
-          </p:spPr>
-          <p:txBody>
-            <a:bodyPr spcFirstLastPara="1" wrap="square" lIns="91425" tIns="91425" rIns="91425" bIns="91425" anchor="ctr" anchorCtr="0">
-              <a:noAutofit/>
-            </a:bodyPr>
-            <a:lstStyle/>
-            <a:p>
-              <a:pPr marL="0" lvl="0" indent="0" algn="l" rtl="0">
-                <a:spcBef>
-                  <a:spcPts val="0"/>
-                </a:spcBef>
-                <a:spcAft>
-                  <a:spcPts val="0"/>
-                </a:spcAft>
-                <a:buNone/>
-              </a:pPr>
-              <a:endParaRPr/>
-            </a:p>
-          </p:txBody>
-        </p:sp>
-        <p:sp>
-          <p:nvSpPr>
-            <p:cNvPr id="2870" name="Google Shape;2870;p38"/>
-            <p:cNvSpPr/>
-            <p:nvPr/>
-          </p:nvSpPr>
-          <p:spPr>
-            <a:xfrm>
-              <a:off x="3192788" y="4104819"/>
-              <a:ext cx="51000" cy="51000"/>
-            </a:xfrm>
-            <a:prstGeom prst="ellipse">
-              <a:avLst/>
-            </a:prstGeom>
-            <a:solidFill>
-              <a:schemeClr val="accent2"/>
-            </a:solidFill>
-            <a:ln>
-              <a:noFill/>
-            </a:ln>
-          </p:spPr>
-          <p:txBody>
-            <a:bodyPr spcFirstLastPara="1" wrap="square" lIns="91425" tIns="91425" rIns="91425" bIns="91425" anchor="ctr" anchorCtr="0">
-              <a:noAutofit/>
-            </a:bodyPr>
-            <a:lstStyle/>
-            <a:p>
-              <a:pPr marL="0" lvl="0" indent="0" algn="l" rtl="0">
-                <a:spcBef>
-                  <a:spcPts val="0"/>
-                </a:spcBef>
-                <a:spcAft>
-                  <a:spcPts val="0"/>
-                </a:spcAft>
-                <a:buNone/>
-              </a:pPr>
-              <a:endParaRPr/>
-            </a:p>
-          </p:txBody>
-        </p:sp>
-        <p:sp>
-          <p:nvSpPr>
-            <p:cNvPr id="2871" name="Google Shape;2871;p38"/>
-            <p:cNvSpPr/>
-            <p:nvPr/>
-          </p:nvSpPr>
-          <p:spPr>
-            <a:xfrm>
-              <a:off x="3285257" y="4104819"/>
-              <a:ext cx="51000" cy="51000"/>
-            </a:xfrm>
-            <a:prstGeom prst="ellipse">
-              <a:avLst/>
-            </a:prstGeom>
-            <a:solidFill>
-              <a:schemeClr val="accent2"/>
-            </a:solidFill>
-            <a:ln>
-              <a:noFill/>
-            </a:ln>
-          </p:spPr>
-          <p:txBody>
-            <a:bodyPr spcFirstLastPara="1" wrap="square" lIns="91425" tIns="91425" rIns="91425" bIns="91425" anchor="ctr" anchorCtr="0">
-              <a:noAutofit/>
-            </a:bodyPr>
-            <a:lstStyle/>
-            <a:p>
-              <a:pPr marL="0" lvl="0" indent="0" algn="l" rtl="0">
-                <a:spcBef>
-                  <a:spcPts val="0"/>
-                </a:spcBef>
-                <a:spcAft>
-                  <a:spcPts val="0"/>
-                </a:spcAft>
-                <a:buNone/>
-              </a:pPr>
-              <a:endParaRPr/>
-            </a:p>
-          </p:txBody>
-        </p:sp>
-        <p:sp>
-          <p:nvSpPr>
-            <p:cNvPr id="2872" name="Google Shape;2872;p38"/>
-            <p:cNvSpPr/>
-            <p:nvPr/>
-          </p:nvSpPr>
-          <p:spPr>
-            <a:xfrm>
-              <a:off x="3377726" y="4104819"/>
-              <a:ext cx="51000" cy="51000"/>
-            </a:xfrm>
-            <a:prstGeom prst="ellipse">
-              <a:avLst/>
-            </a:prstGeom>
-            <a:solidFill>
-              <a:schemeClr val="accent2"/>
-            </a:solidFill>
-            <a:ln>
-              <a:noFill/>
-            </a:ln>
-          </p:spPr>
-          <p:txBody>
-            <a:bodyPr spcFirstLastPara="1" wrap="square" lIns="91425" tIns="91425" rIns="91425" bIns="91425" anchor="ctr" anchorCtr="0">
-              <a:noAutofit/>
-            </a:bodyPr>
-            <a:lstStyle/>
-            <a:p>
-              <a:pPr marL="0" lvl="0" indent="0" algn="l" rtl="0">
-                <a:spcBef>
-                  <a:spcPts val="0"/>
-                </a:spcBef>
-                <a:spcAft>
-                  <a:spcPts val="0"/>
-                </a:spcAft>
-                <a:buNone/>
-              </a:pPr>
-              <a:endParaRPr/>
-            </a:p>
-          </p:txBody>
-        </p:sp>
-        <p:sp>
-          <p:nvSpPr>
-            <p:cNvPr id="2873" name="Google Shape;2873;p38"/>
-            <p:cNvSpPr/>
-            <p:nvPr/>
-          </p:nvSpPr>
-          <p:spPr>
-            <a:xfrm>
-              <a:off x="3470195" y="4104819"/>
-              <a:ext cx="51000" cy="51000"/>
-            </a:xfrm>
-            <a:prstGeom prst="ellipse">
-              <a:avLst/>
-            </a:prstGeom>
-            <a:solidFill>
-              <a:schemeClr val="accent2"/>
-            </a:solidFill>
-            <a:ln>
-              <a:noFill/>
-            </a:ln>
-          </p:spPr>
-          <p:txBody>
-            <a:bodyPr spcFirstLastPara="1" wrap="square" lIns="91425" tIns="91425" rIns="91425" bIns="91425" anchor="ctr" anchorCtr="0">
-              <a:noAutofit/>
-            </a:bodyPr>
-            <a:lstStyle/>
-            <a:p>
-              <a:pPr marL="0" lvl="0" indent="0" algn="l" rtl="0">
-                <a:spcBef>
-                  <a:spcPts val="0"/>
-                </a:spcBef>
-                <a:spcAft>
-                  <a:spcPts val="0"/>
-                </a:spcAft>
-                <a:buNone/>
-              </a:pPr>
-              <a:endParaRPr/>
-            </a:p>
-          </p:txBody>
-        </p:sp>
-        <p:sp>
-          <p:nvSpPr>
-            <p:cNvPr id="2874" name="Google Shape;2874;p38"/>
-            <p:cNvSpPr/>
-            <p:nvPr/>
-          </p:nvSpPr>
-          <p:spPr>
-            <a:xfrm>
-              <a:off x="3562664" y="4104819"/>
-              <a:ext cx="51000" cy="51000"/>
-            </a:xfrm>
-            <a:prstGeom prst="ellipse">
-              <a:avLst/>
-            </a:prstGeom>
-            <a:solidFill>
-              <a:schemeClr val="accent2"/>
-            </a:solidFill>
-            <a:ln>
-              <a:noFill/>
-            </a:ln>
-          </p:spPr>
-          <p:txBody>
-            <a:bodyPr spcFirstLastPara="1" wrap="square" lIns="91425" tIns="91425" rIns="91425" bIns="91425" anchor="ctr" anchorCtr="0">
-              <a:noAutofit/>
-            </a:bodyPr>
-            <a:lstStyle/>
-            <a:p>
-              <a:pPr marL="0" lvl="0" indent="0" algn="l" rtl="0">
-                <a:spcBef>
-                  <a:spcPts val="0"/>
-                </a:spcBef>
-                <a:spcAft>
-                  <a:spcPts val="0"/>
-                </a:spcAft>
-                <a:buNone/>
-              </a:pPr>
-              <a:endParaRPr/>
-            </a:p>
-          </p:txBody>
-        </p:sp>
-        <p:sp>
-          <p:nvSpPr>
-            <p:cNvPr id="2875" name="Google Shape;2875;p38"/>
-            <p:cNvSpPr/>
-            <p:nvPr/>
-          </p:nvSpPr>
-          <p:spPr>
-            <a:xfrm>
-              <a:off x="3655133" y="4104819"/>
-              <a:ext cx="51000" cy="51000"/>
-            </a:xfrm>
-            <a:prstGeom prst="ellipse">
-              <a:avLst/>
-            </a:prstGeom>
-            <a:solidFill>
-              <a:schemeClr val="accent2"/>
-            </a:solidFill>
-            <a:ln>
-              <a:noFill/>
-            </a:ln>
-          </p:spPr>
-          <p:txBody>
-            <a:bodyPr spcFirstLastPara="1" wrap="square" lIns="91425" tIns="91425" rIns="91425" bIns="91425" anchor="ctr" anchorCtr="0">
-              <a:noAutofit/>
-            </a:bodyPr>
-            <a:lstStyle/>
-            <a:p>
-              <a:pPr marL="0" lvl="0" indent="0" algn="l" rtl="0">
-                <a:spcBef>
-                  <a:spcPts val="0"/>
-                </a:spcBef>
-                <a:spcAft>
-                  <a:spcPts val="0"/>
-                </a:spcAft>
-                <a:buNone/>
-              </a:pPr>
-              <a:endParaRPr/>
-            </a:p>
-          </p:txBody>
-        </p:sp>
-        <p:sp>
-          <p:nvSpPr>
-            <p:cNvPr id="2876" name="Google Shape;2876;p38"/>
-            <p:cNvSpPr/>
-            <p:nvPr/>
-          </p:nvSpPr>
-          <p:spPr>
-            <a:xfrm>
-              <a:off x="3747602" y="4104819"/>
-              <a:ext cx="51000" cy="51000"/>
-            </a:xfrm>
-            <a:prstGeom prst="ellipse">
-              <a:avLst/>
-            </a:prstGeom>
-            <a:solidFill>
-              <a:schemeClr val="accent2"/>
-            </a:solidFill>
-            <a:ln>
-              <a:noFill/>
-            </a:ln>
-          </p:spPr>
-          <p:txBody>
-            <a:bodyPr spcFirstLastPara="1" wrap="square" lIns="91425" tIns="91425" rIns="91425" bIns="91425" anchor="ctr" anchorCtr="0">
-              <a:noAutofit/>
-            </a:bodyPr>
-            <a:lstStyle/>
-            <a:p>
-              <a:pPr marL="0" lvl="0" indent="0" algn="l" rtl="0">
-                <a:spcBef>
-                  <a:spcPts val="0"/>
-                </a:spcBef>
-                <a:spcAft>
-                  <a:spcPts val="0"/>
-                </a:spcAft>
-                <a:buNone/>
-              </a:pPr>
-              <a:endParaRPr/>
-            </a:p>
-          </p:txBody>
-        </p:sp>
-        <p:sp>
-          <p:nvSpPr>
-            <p:cNvPr id="2877" name="Google Shape;2877;p38"/>
-            <p:cNvSpPr/>
-            <p:nvPr/>
-          </p:nvSpPr>
-          <p:spPr>
-            <a:xfrm>
-              <a:off x="3840077" y="4104819"/>
-              <a:ext cx="51000" cy="51000"/>
-            </a:xfrm>
-            <a:prstGeom prst="ellipse">
-              <a:avLst/>
-            </a:prstGeom>
-            <a:solidFill>
-              <a:schemeClr val="accent2"/>
-            </a:solidFill>
-            <a:ln>
-              <a:noFill/>
-            </a:ln>
-          </p:spPr>
-          <p:txBody>
-            <a:bodyPr spcFirstLastPara="1" wrap="square" lIns="91425" tIns="91425" rIns="91425" bIns="91425" anchor="ctr" anchorCtr="0">
-              <a:noAutofit/>
-            </a:bodyPr>
-            <a:lstStyle/>
-            <a:p>
-              <a:pPr marL="0" lvl="0" indent="0" algn="l" rtl="0">
-                <a:spcBef>
-                  <a:spcPts val="0"/>
-                </a:spcBef>
-                <a:spcAft>
-                  <a:spcPts val="0"/>
-                </a:spcAft>
-                <a:buNone/>
-              </a:pPr>
-              <a:endParaRPr/>
-            </a:p>
-          </p:txBody>
-        </p:sp>
-        <p:sp>
-          <p:nvSpPr>
-            <p:cNvPr id="2878" name="Google Shape;2878;p38"/>
-            <p:cNvSpPr/>
-            <p:nvPr/>
-          </p:nvSpPr>
-          <p:spPr>
-            <a:xfrm>
-              <a:off x="3932477" y="4104819"/>
-              <a:ext cx="51000" cy="51000"/>
-            </a:xfrm>
-            <a:prstGeom prst="ellipse">
-              <a:avLst/>
-            </a:prstGeom>
-            <a:solidFill>
-              <a:schemeClr val="accent2"/>
-            </a:solidFill>
-            <a:ln>
-              <a:noFill/>
-            </a:ln>
-          </p:spPr>
-          <p:txBody>
-            <a:bodyPr spcFirstLastPara="1" wrap="square" lIns="91425" tIns="91425" rIns="91425" bIns="91425" anchor="ctr" anchorCtr="0">
-              <a:noAutofit/>
-            </a:bodyPr>
-            <a:lstStyle/>
-            <a:p>
-              <a:pPr marL="0" lvl="0" indent="0" algn="l" rtl="0">
-                <a:spcBef>
-                  <a:spcPts val="0"/>
-                </a:spcBef>
-                <a:spcAft>
-                  <a:spcPts val="0"/>
-                </a:spcAft>
-                <a:buNone/>
-              </a:pPr>
-              <a:endParaRPr/>
-            </a:p>
-          </p:txBody>
-        </p:sp>
-        <p:sp>
-          <p:nvSpPr>
-            <p:cNvPr id="2879" name="Google Shape;2879;p38"/>
-            <p:cNvSpPr/>
-            <p:nvPr/>
-          </p:nvSpPr>
-          <p:spPr>
-            <a:xfrm>
-              <a:off x="4024877" y="4104819"/>
-              <a:ext cx="51000" cy="51000"/>
-            </a:xfrm>
-            <a:prstGeom prst="ellipse">
-              <a:avLst/>
-            </a:prstGeom>
-            <a:solidFill>
-              <a:schemeClr val="accent2"/>
-            </a:solidFill>
-            <a:ln>
-              <a:noFill/>
-            </a:ln>
-          </p:spPr>
-          <p:txBody>
-            <a:bodyPr spcFirstLastPara="1" wrap="square" lIns="91425" tIns="91425" rIns="91425" bIns="91425" anchor="ctr" anchorCtr="0">
-              <a:noAutofit/>
-            </a:bodyPr>
-            <a:lstStyle/>
-            <a:p>
-              <a:pPr marL="0" lvl="0" indent="0" algn="l" rtl="0">
-                <a:spcBef>
-                  <a:spcPts val="0"/>
-                </a:spcBef>
-                <a:spcAft>
-                  <a:spcPts val="0"/>
-                </a:spcAft>
-                <a:buNone/>
-              </a:pPr>
-              <a:endParaRPr/>
-            </a:p>
-          </p:txBody>
-        </p:sp>
-        <p:sp>
-          <p:nvSpPr>
-            <p:cNvPr id="2880" name="Google Shape;2880;p38"/>
-            <p:cNvSpPr/>
-            <p:nvPr/>
-          </p:nvSpPr>
-          <p:spPr>
-            <a:xfrm>
-              <a:off x="4117277" y="4104819"/>
-              <a:ext cx="51000" cy="51000"/>
-            </a:xfrm>
-            <a:prstGeom prst="ellipse">
-              <a:avLst/>
-            </a:prstGeom>
-            <a:solidFill>
-              <a:schemeClr val="accent2"/>
-            </a:solidFill>
-            <a:ln>
-              <a:noFill/>
-            </a:ln>
-          </p:spPr>
-          <p:txBody>
-            <a:bodyPr spcFirstLastPara="1" wrap="square" lIns="91425" tIns="91425" rIns="91425" bIns="91425" anchor="ctr" anchorCtr="0">
-              <a:noAutofit/>
-            </a:bodyPr>
-            <a:lstStyle/>
-            <a:p>
-              <a:pPr marL="0" lvl="0" indent="0" algn="l" rtl="0">
-                <a:spcBef>
-                  <a:spcPts val="0"/>
-                </a:spcBef>
-                <a:spcAft>
-                  <a:spcPts val="0"/>
-                </a:spcAft>
-                <a:buNone/>
-              </a:pPr>
-              <a:endParaRPr/>
-            </a:p>
-          </p:txBody>
-        </p:sp>
-      </p:grpSp>
-      <p:grpSp>
-        <p:nvGrpSpPr>
-          <p:cNvPr id="2881" name="Google Shape;2881;p38"/>
+          <p:cNvPr id="2817" name="Google Shape;2817;p37"/>
           <p:cNvGrpSpPr/>
           <p:nvPr/>
         </p:nvGrpSpPr>
         <p:grpSpPr>
           <a:xfrm rot="5400000">
-            <a:off x="7822000" y="3988625"/>
+            <a:off x="2345200" y="185400"/>
             <a:ext cx="98902" cy="553090"/>
             <a:chOff x="4898850" y="4820550"/>
             <a:chExt cx="98902" cy="553090"/>
@@ -53658,7 +47302,7 @@
         </p:grpSpPr>
         <p:sp>
           <p:nvSpPr>
-            <p:cNvPr id="2882" name="Google Shape;2882;p38"/>
+            <p:cNvPr id="2818" name="Google Shape;2818;p37"/>
             <p:cNvSpPr/>
             <p:nvPr/>
           </p:nvSpPr>
@@ -53734,7 +47378,7 @@
         </p:sp>
         <p:sp>
           <p:nvSpPr>
-            <p:cNvPr id="2883" name="Google Shape;2883;p38"/>
+            <p:cNvPr id="2819" name="Google Shape;2819;p37"/>
             <p:cNvSpPr/>
             <p:nvPr/>
           </p:nvSpPr>
@@ -53816,7 +47460,7 @@
         </p:sp>
         <p:sp>
           <p:nvSpPr>
-            <p:cNvPr id="2884" name="Google Shape;2884;p38"/>
+            <p:cNvPr id="2820" name="Google Shape;2820;p37"/>
             <p:cNvSpPr/>
             <p:nvPr/>
           </p:nvSpPr>
@@ -53892,7 +47536,7 @@
         </p:sp>
         <p:sp>
           <p:nvSpPr>
-            <p:cNvPr id="2885" name="Google Shape;2885;p38"/>
+            <p:cNvPr id="2821" name="Google Shape;2821;p37"/>
             <p:cNvSpPr/>
             <p:nvPr/>
           </p:nvSpPr>
@@ -53964,7 +47608,7 @@
         </p:sp>
         <p:sp>
           <p:nvSpPr>
-            <p:cNvPr id="2886" name="Google Shape;2886;p38"/>
+            <p:cNvPr id="2822" name="Google Shape;2822;p37"/>
             <p:cNvSpPr/>
             <p:nvPr/>
           </p:nvSpPr>
@@ -54023,13 +47667,592 @@
       </p:grpSp>
       <p:grpSp>
         <p:nvGrpSpPr>
-          <p:cNvPr id="2887" name="Google Shape;2887;p38"/>
+          <p:cNvPr id="2823" name="Google Shape;2823;p37"/>
           <p:cNvGrpSpPr/>
           <p:nvPr/>
         </p:nvGrpSpPr>
         <p:grpSpPr>
           <a:xfrm>
-            <a:off x="1632103" y="4389467"/>
+            <a:off x="2596239" y="4297878"/>
+            <a:ext cx="883262" cy="242091"/>
+            <a:chOff x="2300350" y="2601250"/>
+            <a:chExt cx="2275275" cy="623625"/>
+          </a:xfrm>
+        </p:grpSpPr>
+        <p:sp>
+          <p:nvSpPr>
+            <p:cNvPr id="2824" name="Google Shape;2824;p37"/>
+            <p:cNvSpPr/>
+            <p:nvPr/>
+          </p:nvSpPr>
+          <p:spPr>
+            <a:xfrm>
+              <a:off x="2300350" y="2601250"/>
+              <a:ext cx="392100" cy="623625"/>
+            </a:xfrm>
+            <a:custGeom>
+              <a:avLst/>
+              <a:gdLst/>
+              <a:ahLst/>
+              <a:cxnLst/>
+              <a:rect l="l" t="t" r="r" b="b"/>
+              <a:pathLst>
+                <a:path w="15684" h="24945" extrusionOk="0">
+                  <a:moveTo>
+                    <a:pt x="12720" y="0"/>
+                  </a:moveTo>
+                  <a:cubicBezTo>
+                    <a:pt x="13337" y="0"/>
+                    <a:pt x="14078" y="247"/>
+                    <a:pt x="14572" y="741"/>
+                  </a:cubicBezTo>
+                  <a:cubicBezTo>
+                    <a:pt x="15684" y="1852"/>
+                    <a:pt x="15684" y="3581"/>
+                    <a:pt x="14572" y="4569"/>
+                  </a:cubicBezTo>
+                  <a:lnTo>
+                    <a:pt x="6792" y="12349"/>
+                  </a:lnTo>
+                  <a:lnTo>
+                    <a:pt x="14572" y="20128"/>
+                  </a:lnTo>
+                  <a:cubicBezTo>
+                    <a:pt x="15684" y="21240"/>
+                    <a:pt x="15684" y="22845"/>
+                    <a:pt x="14572" y="23957"/>
+                  </a:cubicBezTo>
+                  <a:cubicBezTo>
+                    <a:pt x="13584" y="24944"/>
+                    <a:pt x="11855" y="24944"/>
+                    <a:pt x="10744" y="23957"/>
+                  </a:cubicBezTo>
+                  <a:lnTo>
+                    <a:pt x="1112" y="14325"/>
+                  </a:lnTo>
+                  <a:cubicBezTo>
+                    <a:pt x="1" y="13213"/>
+                    <a:pt x="1" y="11484"/>
+                    <a:pt x="1112" y="10496"/>
+                  </a:cubicBezTo>
+                  <a:lnTo>
+                    <a:pt x="10744" y="741"/>
+                  </a:lnTo>
+                  <a:cubicBezTo>
+                    <a:pt x="11361" y="247"/>
+                    <a:pt x="11979" y="0"/>
+                    <a:pt x="12720" y="0"/>
+                  </a:cubicBezTo>
+                  <a:close/>
+                </a:path>
+              </a:pathLst>
+            </a:custGeom>
+            <a:solidFill>
+              <a:schemeClr val="accent2"/>
+            </a:solidFill>
+            <a:ln>
+              <a:noFill/>
+            </a:ln>
+          </p:spPr>
+          <p:txBody>
+            <a:bodyPr spcFirstLastPara="1" wrap="square" lIns="91425" tIns="91425" rIns="91425" bIns="91425" anchor="ctr" anchorCtr="0">
+              <a:noAutofit/>
+            </a:bodyPr>
+            <a:lstStyle/>
+            <a:p>
+              <a:pPr marL="0" lvl="0" indent="0" algn="l" rtl="0">
+                <a:spcBef>
+                  <a:spcPts val="0"/>
+                </a:spcBef>
+                <a:spcAft>
+                  <a:spcPts val="0"/>
+                </a:spcAft>
+                <a:buNone/>
+              </a:pPr>
+              <a:endParaRPr/>
+            </a:p>
+          </p:txBody>
+        </p:sp>
+        <p:sp>
+          <p:nvSpPr>
+            <p:cNvPr id="2825" name="Google Shape;2825;p37"/>
+            <p:cNvSpPr/>
+            <p:nvPr/>
+          </p:nvSpPr>
+          <p:spPr>
+            <a:xfrm>
+              <a:off x="2680075" y="2601250"/>
+              <a:ext cx="389025" cy="623625"/>
+            </a:xfrm>
+            <a:custGeom>
+              <a:avLst/>
+              <a:gdLst/>
+              <a:ahLst/>
+              <a:cxnLst/>
+              <a:rect l="l" t="t" r="r" b="b"/>
+              <a:pathLst>
+                <a:path w="15561" h="24945" extrusionOk="0">
+                  <a:moveTo>
+                    <a:pt x="12596" y="0"/>
+                  </a:moveTo>
+                  <a:cubicBezTo>
+                    <a:pt x="13337" y="0"/>
+                    <a:pt x="13955" y="247"/>
+                    <a:pt x="14449" y="741"/>
+                  </a:cubicBezTo>
+                  <a:cubicBezTo>
+                    <a:pt x="15560" y="1852"/>
+                    <a:pt x="15560" y="3581"/>
+                    <a:pt x="14449" y="4569"/>
+                  </a:cubicBezTo>
+                  <a:lnTo>
+                    <a:pt x="6669" y="12349"/>
+                  </a:lnTo>
+                  <a:lnTo>
+                    <a:pt x="14449" y="20128"/>
+                  </a:lnTo>
+                  <a:cubicBezTo>
+                    <a:pt x="15560" y="21240"/>
+                    <a:pt x="15560" y="22845"/>
+                    <a:pt x="14449" y="23957"/>
+                  </a:cubicBezTo>
+                  <a:cubicBezTo>
+                    <a:pt x="13461" y="24944"/>
+                    <a:pt x="11732" y="24944"/>
+                    <a:pt x="10621" y="23957"/>
+                  </a:cubicBezTo>
+                  <a:lnTo>
+                    <a:pt x="988" y="14325"/>
+                  </a:lnTo>
+                  <a:cubicBezTo>
+                    <a:pt x="1" y="13213"/>
+                    <a:pt x="1" y="11484"/>
+                    <a:pt x="988" y="10496"/>
+                  </a:cubicBezTo>
+                  <a:lnTo>
+                    <a:pt x="10621" y="741"/>
+                  </a:lnTo>
+                  <a:cubicBezTo>
+                    <a:pt x="11238" y="247"/>
+                    <a:pt x="11855" y="0"/>
+                    <a:pt x="12596" y="0"/>
+                  </a:cubicBezTo>
+                  <a:close/>
+                </a:path>
+              </a:pathLst>
+            </a:custGeom>
+            <a:solidFill>
+              <a:schemeClr val="accent2"/>
+            </a:solidFill>
+            <a:ln>
+              <a:noFill/>
+            </a:ln>
+          </p:spPr>
+          <p:txBody>
+            <a:bodyPr spcFirstLastPara="1" wrap="square" lIns="91425" tIns="91425" rIns="91425" bIns="91425" anchor="ctr" anchorCtr="0">
+              <a:noAutofit/>
+            </a:bodyPr>
+            <a:lstStyle/>
+            <a:p>
+              <a:pPr marL="0" lvl="0" indent="0" algn="l" rtl="0">
+                <a:spcBef>
+                  <a:spcPts val="0"/>
+                </a:spcBef>
+                <a:spcAft>
+                  <a:spcPts val="0"/>
+                </a:spcAft>
+                <a:buNone/>
+              </a:pPr>
+              <a:endParaRPr/>
+            </a:p>
+          </p:txBody>
+        </p:sp>
+        <p:sp>
+          <p:nvSpPr>
+            <p:cNvPr id="2826" name="Google Shape;2826;p37"/>
+            <p:cNvSpPr/>
+            <p:nvPr/>
+          </p:nvSpPr>
+          <p:spPr>
+            <a:xfrm>
+              <a:off x="3056725" y="2601250"/>
+              <a:ext cx="389000" cy="623625"/>
+            </a:xfrm>
+            <a:custGeom>
+              <a:avLst/>
+              <a:gdLst/>
+              <a:ahLst/>
+              <a:cxnLst/>
+              <a:rect l="l" t="t" r="r" b="b"/>
+              <a:pathLst>
+                <a:path w="15560" h="24945" extrusionOk="0">
+                  <a:moveTo>
+                    <a:pt x="12596" y="0"/>
+                  </a:moveTo>
+                  <a:cubicBezTo>
+                    <a:pt x="13337" y="0"/>
+                    <a:pt x="13954" y="247"/>
+                    <a:pt x="14448" y="741"/>
+                  </a:cubicBezTo>
+                  <a:cubicBezTo>
+                    <a:pt x="15559" y="1852"/>
+                    <a:pt x="15559" y="3581"/>
+                    <a:pt x="14448" y="4569"/>
+                  </a:cubicBezTo>
+                  <a:lnTo>
+                    <a:pt x="6792" y="12349"/>
+                  </a:lnTo>
+                  <a:lnTo>
+                    <a:pt x="14448" y="20128"/>
+                  </a:lnTo>
+                  <a:cubicBezTo>
+                    <a:pt x="15559" y="21240"/>
+                    <a:pt x="15559" y="22845"/>
+                    <a:pt x="14448" y="23957"/>
+                  </a:cubicBezTo>
+                  <a:cubicBezTo>
+                    <a:pt x="13460" y="24944"/>
+                    <a:pt x="11731" y="24944"/>
+                    <a:pt x="10743" y="23957"/>
+                  </a:cubicBezTo>
+                  <a:lnTo>
+                    <a:pt x="988" y="14325"/>
+                  </a:lnTo>
+                  <a:cubicBezTo>
+                    <a:pt x="0" y="13213"/>
+                    <a:pt x="0" y="11484"/>
+                    <a:pt x="988" y="10496"/>
+                  </a:cubicBezTo>
+                  <a:lnTo>
+                    <a:pt x="10743" y="741"/>
+                  </a:lnTo>
+                  <a:cubicBezTo>
+                    <a:pt x="11237" y="247"/>
+                    <a:pt x="11855" y="0"/>
+                    <a:pt x="12596" y="0"/>
+                  </a:cubicBezTo>
+                  <a:close/>
+                </a:path>
+              </a:pathLst>
+            </a:custGeom>
+            <a:solidFill>
+              <a:schemeClr val="accent2"/>
+            </a:solidFill>
+            <a:ln>
+              <a:noFill/>
+            </a:ln>
+          </p:spPr>
+          <p:txBody>
+            <a:bodyPr spcFirstLastPara="1" wrap="square" lIns="91425" tIns="91425" rIns="91425" bIns="91425" anchor="ctr" anchorCtr="0">
+              <a:noAutofit/>
+            </a:bodyPr>
+            <a:lstStyle/>
+            <a:p>
+              <a:pPr marL="0" lvl="0" indent="0" algn="l" rtl="0">
+                <a:spcBef>
+                  <a:spcPts val="0"/>
+                </a:spcBef>
+                <a:spcAft>
+                  <a:spcPts val="0"/>
+                </a:spcAft>
+                <a:buNone/>
+              </a:pPr>
+              <a:endParaRPr/>
+            </a:p>
+          </p:txBody>
+        </p:sp>
+        <p:sp>
+          <p:nvSpPr>
+            <p:cNvPr id="2827" name="Google Shape;2827;p37"/>
+            <p:cNvSpPr/>
+            <p:nvPr/>
+          </p:nvSpPr>
+          <p:spPr>
+            <a:xfrm>
+              <a:off x="3433350" y="2601250"/>
+              <a:ext cx="389000" cy="623625"/>
+            </a:xfrm>
+            <a:custGeom>
+              <a:avLst/>
+              <a:gdLst/>
+              <a:ahLst/>
+              <a:cxnLst/>
+              <a:rect l="l" t="t" r="r" b="b"/>
+              <a:pathLst>
+                <a:path w="15560" h="24945" extrusionOk="0">
+                  <a:moveTo>
+                    <a:pt x="12596" y="0"/>
+                  </a:moveTo>
+                  <a:cubicBezTo>
+                    <a:pt x="13337" y="0"/>
+                    <a:pt x="13955" y="247"/>
+                    <a:pt x="14572" y="741"/>
+                  </a:cubicBezTo>
+                  <a:cubicBezTo>
+                    <a:pt x="15560" y="1852"/>
+                    <a:pt x="15560" y="3581"/>
+                    <a:pt x="14572" y="4569"/>
+                  </a:cubicBezTo>
+                  <a:lnTo>
+                    <a:pt x="6792" y="12349"/>
+                  </a:lnTo>
+                  <a:lnTo>
+                    <a:pt x="14572" y="20128"/>
+                  </a:lnTo>
+                  <a:cubicBezTo>
+                    <a:pt x="15560" y="21240"/>
+                    <a:pt x="15560" y="22845"/>
+                    <a:pt x="14572" y="23957"/>
+                  </a:cubicBezTo>
+                  <a:cubicBezTo>
+                    <a:pt x="13461" y="24944"/>
+                    <a:pt x="11732" y="24944"/>
+                    <a:pt x="10744" y="23957"/>
+                  </a:cubicBezTo>
+                  <a:lnTo>
+                    <a:pt x="988" y="14325"/>
+                  </a:lnTo>
+                  <a:cubicBezTo>
+                    <a:pt x="1" y="13213"/>
+                    <a:pt x="1" y="11484"/>
+                    <a:pt x="988" y="10496"/>
+                  </a:cubicBezTo>
+                  <a:lnTo>
+                    <a:pt x="10744" y="741"/>
+                  </a:lnTo>
+                  <a:cubicBezTo>
+                    <a:pt x="11238" y="247"/>
+                    <a:pt x="11979" y="0"/>
+                    <a:pt x="12596" y="0"/>
+                  </a:cubicBezTo>
+                  <a:close/>
+                </a:path>
+              </a:pathLst>
+            </a:custGeom>
+            <a:solidFill>
+              <a:schemeClr val="accent2"/>
+            </a:solidFill>
+            <a:ln>
+              <a:noFill/>
+            </a:ln>
+          </p:spPr>
+          <p:txBody>
+            <a:bodyPr spcFirstLastPara="1" wrap="square" lIns="91425" tIns="91425" rIns="91425" bIns="91425" anchor="ctr" anchorCtr="0">
+              <a:noAutofit/>
+            </a:bodyPr>
+            <a:lstStyle/>
+            <a:p>
+              <a:pPr marL="0" lvl="0" indent="0" algn="l" rtl="0">
+                <a:spcBef>
+                  <a:spcPts val="0"/>
+                </a:spcBef>
+                <a:spcAft>
+                  <a:spcPts val="0"/>
+                </a:spcAft>
+                <a:buNone/>
+              </a:pPr>
+              <a:endParaRPr/>
+            </a:p>
+          </p:txBody>
+        </p:sp>
+        <p:sp>
+          <p:nvSpPr>
+            <p:cNvPr id="2828" name="Google Shape;2828;p37"/>
+            <p:cNvSpPr/>
+            <p:nvPr/>
+          </p:nvSpPr>
+          <p:spPr>
+            <a:xfrm>
+              <a:off x="3810000" y="2601250"/>
+              <a:ext cx="389000" cy="623625"/>
+            </a:xfrm>
+            <a:custGeom>
+              <a:avLst/>
+              <a:gdLst/>
+              <a:ahLst/>
+              <a:cxnLst/>
+              <a:rect l="l" t="t" r="r" b="b"/>
+              <a:pathLst>
+                <a:path w="15560" h="24945" extrusionOk="0">
+                  <a:moveTo>
+                    <a:pt x="12596" y="0"/>
+                  </a:moveTo>
+                  <a:cubicBezTo>
+                    <a:pt x="13337" y="0"/>
+                    <a:pt x="13954" y="247"/>
+                    <a:pt x="14572" y="741"/>
+                  </a:cubicBezTo>
+                  <a:cubicBezTo>
+                    <a:pt x="15559" y="1852"/>
+                    <a:pt x="15559" y="3581"/>
+                    <a:pt x="14572" y="4569"/>
+                  </a:cubicBezTo>
+                  <a:lnTo>
+                    <a:pt x="6792" y="12349"/>
+                  </a:lnTo>
+                  <a:lnTo>
+                    <a:pt x="14572" y="20128"/>
+                  </a:lnTo>
+                  <a:cubicBezTo>
+                    <a:pt x="15559" y="21240"/>
+                    <a:pt x="15559" y="22845"/>
+                    <a:pt x="14572" y="23957"/>
+                  </a:cubicBezTo>
+                  <a:cubicBezTo>
+                    <a:pt x="13460" y="24944"/>
+                    <a:pt x="11731" y="24944"/>
+                    <a:pt x="10743" y="23957"/>
+                  </a:cubicBezTo>
+                  <a:lnTo>
+                    <a:pt x="988" y="14325"/>
+                  </a:lnTo>
+                  <a:cubicBezTo>
+                    <a:pt x="0" y="13213"/>
+                    <a:pt x="0" y="11484"/>
+                    <a:pt x="988" y="10496"/>
+                  </a:cubicBezTo>
+                  <a:lnTo>
+                    <a:pt x="10743" y="741"/>
+                  </a:lnTo>
+                  <a:cubicBezTo>
+                    <a:pt x="11237" y="247"/>
+                    <a:pt x="11978" y="0"/>
+                    <a:pt x="12596" y="0"/>
+                  </a:cubicBezTo>
+                  <a:close/>
+                </a:path>
+              </a:pathLst>
+            </a:custGeom>
+            <a:solidFill>
+              <a:schemeClr val="accent2"/>
+            </a:solidFill>
+            <a:ln>
+              <a:noFill/>
+            </a:ln>
+          </p:spPr>
+          <p:txBody>
+            <a:bodyPr spcFirstLastPara="1" wrap="square" lIns="91425" tIns="91425" rIns="91425" bIns="91425" anchor="ctr" anchorCtr="0">
+              <a:noAutofit/>
+            </a:bodyPr>
+            <a:lstStyle/>
+            <a:p>
+              <a:pPr marL="0" lvl="0" indent="0" algn="l" rtl="0">
+                <a:spcBef>
+                  <a:spcPts val="0"/>
+                </a:spcBef>
+                <a:spcAft>
+                  <a:spcPts val="0"/>
+                </a:spcAft>
+                <a:buNone/>
+              </a:pPr>
+              <a:endParaRPr/>
+            </a:p>
+          </p:txBody>
+        </p:sp>
+        <p:sp>
+          <p:nvSpPr>
+            <p:cNvPr id="2829" name="Google Shape;2829;p37"/>
+            <p:cNvSpPr/>
+            <p:nvPr/>
+          </p:nvSpPr>
+          <p:spPr>
+            <a:xfrm>
+              <a:off x="4186625" y="2601250"/>
+              <a:ext cx="389000" cy="623625"/>
+            </a:xfrm>
+            <a:custGeom>
+              <a:avLst/>
+              <a:gdLst/>
+              <a:ahLst/>
+              <a:cxnLst/>
+              <a:rect l="l" t="t" r="r" b="b"/>
+              <a:pathLst>
+                <a:path w="15560" h="24945" extrusionOk="0">
+                  <a:moveTo>
+                    <a:pt x="12596" y="0"/>
+                  </a:moveTo>
+                  <a:cubicBezTo>
+                    <a:pt x="13337" y="0"/>
+                    <a:pt x="13955" y="247"/>
+                    <a:pt x="14572" y="741"/>
+                  </a:cubicBezTo>
+                  <a:cubicBezTo>
+                    <a:pt x="15560" y="1852"/>
+                    <a:pt x="15560" y="3581"/>
+                    <a:pt x="14572" y="4569"/>
+                  </a:cubicBezTo>
+                  <a:lnTo>
+                    <a:pt x="6792" y="12349"/>
+                  </a:lnTo>
+                  <a:lnTo>
+                    <a:pt x="14572" y="20128"/>
+                  </a:lnTo>
+                  <a:cubicBezTo>
+                    <a:pt x="15560" y="21240"/>
+                    <a:pt x="15560" y="22845"/>
+                    <a:pt x="14572" y="23957"/>
+                  </a:cubicBezTo>
+                  <a:cubicBezTo>
+                    <a:pt x="13461" y="24944"/>
+                    <a:pt x="11732" y="24944"/>
+                    <a:pt x="10744" y="23957"/>
+                  </a:cubicBezTo>
+                  <a:lnTo>
+                    <a:pt x="988" y="14325"/>
+                  </a:lnTo>
+                  <a:cubicBezTo>
+                    <a:pt x="0" y="13213"/>
+                    <a:pt x="0" y="11484"/>
+                    <a:pt x="988" y="10496"/>
+                  </a:cubicBezTo>
+                  <a:lnTo>
+                    <a:pt x="10744" y="741"/>
+                  </a:lnTo>
+                  <a:cubicBezTo>
+                    <a:pt x="11238" y="247"/>
+                    <a:pt x="11979" y="0"/>
+                    <a:pt x="12596" y="0"/>
+                  </a:cubicBezTo>
+                  <a:close/>
+                </a:path>
+              </a:pathLst>
+            </a:custGeom>
+            <a:solidFill>
+              <a:schemeClr val="accent2"/>
+            </a:solidFill>
+            <a:ln>
+              <a:noFill/>
+            </a:ln>
+          </p:spPr>
+          <p:txBody>
+            <a:bodyPr spcFirstLastPara="1" wrap="square" lIns="91425" tIns="91425" rIns="91425" bIns="91425" anchor="ctr" anchorCtr="0">
+              <a:noAutofit/>
+            </a:bodyPr>
+            <a:lstStyle/>
+            <a:p>
+              <a:pPr marL="0" lvl="0" indent="0" algn="l" rtl="0">
+                <a:spcBef>
+                  <a:spcPts val="0"/>
+                </a:spcBef>
+                <a:spcAft>
+                  <a:spcPts val="0"/>
+                </a:spcAft>
+                <a:buNone/>
+              </a:pPr>
+              <a:endParaRPr/>
+            </a:p>
+          </p:txBody>
+        </p:sp>
+      </p:grpSp>
+      <p:grpSp>
+        <p:nvGrpSpPr>
+          <p:cNvPr id="2830" name="Google Shape;2830;p37"/>
+          <p:cNvGrpSpPr/>
+          <p:nvPr/>
+        </p:nvGrpSpPr>
+        <p:grpSpPr>
+          <a:xfrm>
+            <a:off x="4762192" y="4297866"/>
             <a:ext cx="1105976" cy="133969"/>
             <a:chOff x="8183182" y="663852"/>
             <a:chExt cx="1475028" cy="178673"/>
@@ -54037,7 +48260,7 @@
         </p:grpSpPr>
         <p:grpSp>
           <p:nvGrpSpPr>
-            <p:cNvPr id="2888" name="Google Shape;2888;p38"/>
+            <p:cNvPr id="2831" name="Google Shape;2831;p37"/>
             <p:cNvGrpSpPr/>
             <p:nvPr/>
           </p:nvGrpSpPr>
@@ -54051,7 +48274,7 @@
           </p:grpSpPr>
           <p:sp>
             <p:nvSpPr>
-              <p:cNvPr id="2889" name="Google Shape;2889;p38"/>
+              <p:cNvPr id="2832" name="Google Shape;2832;p37"/>
               <p:cNvSpPr/>
               <p:nvPr/>
             </p:nvSpPr>
@@ -54091,7 +48314,7 @@
           </p:sp>
           <p:sp>
             <p:nvSpPr>
-              <p:cNvPr id="2890" name="Google Shape;2890;p38"/>
+              <p:cNvPr id="2833" name="Google Shape;2833;p37"/>
               <p:cNvSpPr/>
               <p:nvPr/>
             </p:nvSpPr>
@@ -54131,7 +48354,7 @@
           </p:sp>
           <p:sp>
             <p:nvSpPr>
-              <p:cNvPr id="2891" name="Google Shape;2891;p38"/>
+              <p:cNvPr id="2834" name="Google Shape;2834;p37"/>
               <p:cNvSpPr/>
               <p:nvPr/>
             </p:nvSpPr>
@@ -54171,7 +48394,7 @@
           </p:sp>
           <p:sp>
             <p:nvSpPr>
-              <p:cNvPr id="2892" name="Google Shape;2892;p38"/>
+              <p:cNvPr id="2835" name="Google Shape;2835;p37"/>
               <p:cNvSpPr/>
               <p:nvPr/>
             </p:nvSpPr>
@@ -54211,7 +48434,7 @@
           </p:sp>
           <p:sp>
             <p:nvSpPr>
-              <p:cNvPr id="2893" name="Google Shape;2893;p38"/>
+              <p:cNvPr id="2836" name="Google Shape;2836;p37"/>
               <p:cNvSpPr/>
               <p:nvPr/>
             </p:nvSpPr>
@@ -54251,7 +48474,7 @@
           </p:sp>
           <p:sp>
             <p:nvSpPr>
-              <p:cNvPr id="2894" name="Google Shape;2894;p38"/>
+              <p:cNvPr id="2837" name="Google Shape;2837;p37"/>
               <p:cNvSpPr/>
               <p:nvPr/>
             </p:nvSpPr>
@@ -54291,7 +48514,7 @@
           </p:sp>
           <p:sp>
             <p:nvSpPr>
-              <p:cNvPr id="2895" name="Google Shape;2895;p38"/>
+              <p:cNvPr id="2838" name="Google Shape;2838;p37"/>
               <p:cNvSpPr/>
               <p:nvPr/>
             </p:nvSpPr>
@@ -54331,7 +48554,7 @@
           </p:sp>
           <p:sp>
             <p:nvSpPr>
-              <p:cNvPr id="2896" name="Google Shape;2896;p38"/>
+              <p:cNvPr id="2839" name="Google Shape;2839;p37"/>
               <p:cNvSpPr/>
               <p:nvPr/>
             </p:nvSpPr>
@@ -54371,7 +48594,7 @@
           </p:sp>
           <p:sp>
             <p:nvSpPr>
-              <p:cNvPr id="2897" name="Google Shape;2897;p38"/>
+              <p:cNvPr id="2840" name="Google Shape;2840;p37"/>
               <p:cNvSpPr/>
               <p:nvPr/>
             </p:nvSpPr>
@@ -54411,7 +48634,7 @@
           </p:sp>
           <p:sp>
             <p:nvSpPr>
-              <p:cNvPr id="2898" name="Google Shape;2898;p38"/>
+              <p:cNvPr id="2841" name="Google Shape;2841;p37"/>
               <p:cNvSpPr/>
               <p:nvPr/>
             </p:nvSpPr>
@@ -54452,7 +48675,7 @@
         </p:grpSp>
         <p:grpSp>
           <p:nvGrpSpPr>
-            <p:cNvPr id="2899" name="Google Shape;2899;p38"/>
+            <p:cNvPr id="2842" name="Google Shape;2842;p37"/>
             <p:cNvGrpSpPr/>
             <p:nvPr/>
           </p:nvGrpSpPr>
@@ -54466,7 +48689,7 @@
           </p:grpSpPr>
           <p:sp>
             <p:nvSpPr>
-              <p:cNvPr id="2900" name="Google Shape;2900;p38"/>
+              <p:cNvPr id="2843" name="Google Shape;2843;p37"/>
               <p:cNvSpPr/>
               <p:nvPr/>
             </p:nvSpPr>
@@ -54506,7 +48729,7 @@
           </p:sp>
           <p:sp>
             <p:nvSpPr>
-              <p:cNvPr id="2901" name="Google Shape;2901;p38"/>
+              <p:cNvPr id="2844" name="Google Shape;2844;p37"/>
               <p:cNvSpPr/>
               <p:nvPr/>
             </p:nvSpPr>
@@ -54540,13 +48763,13 @@
                   </a:spcAft>
                   <a:buNone/>
                 </a:pPr>
-                <a:endParaRPr/>
+                <a:endParaRPr dirty="0"/>
               </a:p>
             </p:txBody>
           </p:sp>
           <p:sp>
             <p:nvSpPr>
-              <p:cNvPr id="2902" name="Google Shape;2902;p38"/>
+              <p:cNvPr id="2845" name="Google Shape;2845;p37"/>
               <p:cNvSpPr/>
               <p:nvPr/>
             </p:nvSpPr>
@@ -54586,7 +48809,7 @@
           </p:sp>
           <p:sp>
             <p:nvSpPr>
-              <p:cNvPr id="2903" name="Google Shape;2903;p38"/>
+              <p:cNvPr id="2846" name="Google Shape;2846;p37"/>
               <p:cNvSpPr/>
               <p:nvPr/>
             </p:nvSpPr>
@@ -54626,7 +48849,7 @@
           </p:sp>
           <p:sp>
             <p:nvSpPr>
-              <p:cNvPr id="2904" name="Google Shape;2904;p38"/>
+              <p:cNvPr id="2847" name="Google Shape;2847;p37"/>
               <p:cNvSpPr/>
               <p:nvPr/>
             </p:nvSpPr>
@@ -54666,7 +48889,7 @@
           </p:sp>
           <p:sp>
             <p:nvSpPr>
-              <p:cNvPr id="2905" name="Google Shape;2905;p38"/>
+              <p:cNvPr id="2848" name="Google Shape;2848;p37"/>
               <p:cNvSpPr/>
               <p:nvPr/>
             </p:nvSpPr>
@@ -54706,7 +48929,7 @@
           </p:sp>
           <p:sp>
             <p:nvSpPr>
-              <p:cNvPr id="2906" name="Google Shape;2906;p38"/>
+              <p:cNvPr id="2849" name="Google Shape;2849;p37"/>
               <p:cNvSpPr/>
               <p:nvPr/>
             </p:nvSpPr>
@@ -54746,7 +48969,7 @@
           </p:sp>
           <p:sp>
             <p:nvSpPr>
-              <p:cNvPr id="2907" name="Google Shape;2907;p38"/>
+              <p:cNvPr id="2850" name="Google Shape;2850;p37"/>
               <p:cNvSpPr/>
               <p:nvPr/>
             </p:nvSpPr>
@@ -54786,7 +49009,7 @@
           </p:sp>
           <p:sp>
             <p:nvSpPr>
-              <p:cNvPr id="2908" name="Google Shape;2908;p38"/>
+              <p:cNvPr id="2851" name="Google Shape;2851;p37"/>
               <p:cNvSpPr/>
               <p:nvPr/>
             </p:nvSpPr>
@@ -54826,7 +49049,7 @@
           </p:sp>
           <p:sp>
             <p:nvSpPr>
-              <p:cNvPr id="2909" name="Google Shape;2909;p38"/>
+              <p:cNvPr id="2852" name="Google Shape;2852;p37"/>
               <p:cNvSpPr/>
               <p:nvPr/>
             </p:nvSpPr>
@@ -54868,119 +49091,1650 @@
       </p:grpSp>
       <p:sp>
         <p:nvSpPr>
-          <p:cNvPr id="8" name="TextBox 7">
+          <p:cNvPr id="52" name="Google Shape;2805;p37">
             <a:extLst>
               <a:ext uri="{FF2B5EF4-FFF2-40B4-BE49-F238E27FC236}">
-                <a16:creationId xmlns:a16="http://schemas.microsoft.com/office/drawing/2014/main" id="{AE5579D7-797E-C3D6-F4F8-78248BFC05ED}"/>
+                <a16:creationId xmlns:a16="http://schemas.microsoft.com/office/drawing/2014/main" id="{F27B8944-3469-4147-A7A2-937CE96E3D5C}"/>
               </a:ext>
             </a:extLst>
           </p:cNvPr>
-          <p:cNvSpPr txBox="1"/>
+          <p:cNvSpPr txBox="1">
+            <a:spLocks/>
+          </p:cNvSpPr>
           <p:nvPr/>
         </p:nvSpPr>
         <p:spPr>
           <a:xfrm>
-            <a:off x="1619992" y="1815953"/>
-            <a:ext cx="5938355" cy="2277547"/>
+            <a:off x="-240909" y="2253781"/>
+            <a:ext cx="2248307" cy="515643"/>
           </a:xfrm>
           <a:prstGeom prst="rect">
             <a:avLst/>
           </a:prstGeom>
           <a:noFill/>
+          <a:ln>
+            <a:noFill/>
+          </a:ln>
+          <a:effectLst>
+            <a:outerShdw blurRad="157163" algn="bl" rotWithShape="0">
+              <a:schemeClr val="accent2">
+                <a:alpha val="40000"/>
+              </a:schemeClr>
+            </a:outerShdw>
+          </a:effectLst>
         </p:spPr>
         <p:txBody>
-          <a:bodyPr wrap="square">
-            <a:spAutoFit/>
+          <a:bodyPr spcFirstLastPara="1" wrap="square" lIns="91425" tIns="91425" rIns="91425" bIns="91425" anchor="b" anchorCtr="0">
+            <a:noAutofit/>
           </a:bodyPr>
-          <a:lstStyle/>
-          <a:p>
-            <a:pPr algn="ctr">
+          <a:lstStyle>
+            <a:defPPr marR="0" lvl="0" algn="l" rtl="0">
+              <a:lnSpc>
+                <a:spcPct val="100000"/>
+              </a:lnSpc>
+              <a:spcBef>
+                <a:spcPts val="0"/>
+              </a:spcBef>
+              <a:spcAft>
+                <a:spcPts val="0"/>
+              </a:spcAft>
+            </a:defPPr>
+            <a:lvl1pPr marR="0" lvl="0" algn="l" rtl="0">
+              <a:lnSpc>
+                <a:spcPct val="100000"/>
+              </a:lnSpc>
+              <a:spcBef>
+                <a:spcPts val="0"/>
+              </a:spcBef>
+              <a:spcAft>
+                <a:spcPts val="0"/>
+              </a:spcAft>
               <a:buClr>
                 <a:schemeClr val="lt1"/>
               </a:buClr>
               <a:buSzPts val="3200"/>
-            </a:pPr>
-            <a:r>
-              <a:rPr lang="en-US" sz="1600" b="1" dirty="0">
+              <a:buFont typeface="Exo"/>
+              <a:buNone/>
+              <a:defRPr sz="3200" b="1" i="0" u="none" strike="noStrike" cap="none">
                 <a:solidFill>
-                  <a:schemeClr val="accent2"/>
+                  <a:schemeClr val="lt1"/>
                 </a:solidFill>
                 <a:latin typeface="Exo"/>
+                <a:ea typeface="Exo"/>
+                <a:cs typeface="Exo"/>
                 <a:sym typeface="Exo"/>
-              </a:rPr>
-              <a:t>A Flask-based web app that helps students find the best extracurricular activities using custom-built machine learning models. Students fill out surveys to get personalized recommendations. The platform supports roles for students, teachers, and admins, and secures its API with JWT authentication.</a:t>
-            </a:r>
-          </a:p>
-          <a:p>
-            <a:pPr algn="ctr">
+              </a:defRPr>
+            </a:lvl1pPr>
+            <a:lvl2pPr marR="0" lvl="1" algn="l" rtl="0">
+              <a:lnSpc>
+                <a:spcPct val="100000"/>
+              </a:lnSpc>
+              <a:spcBef>
+                <a:spcPts val="0"/>
+              </a:spcBef>
+              <a:spcAft>
+                <a:spcPts val="0"/>
+              </a:spcAft>
               <a:buClr>
                 <a:schemeClr val="lt1"/>
               </a:buClr>
               <a:buSzPts val="3200"/>
-            </a:pPr>
+              <a:buFont typeface="Exo"/>
+              <a:buNone/>
+              <a:defRPr sz="3200" b="0" i="0" u="none" strike="noStrike" cap="none">
+                <a:solidFill>
+                  <a:schemeClr val="lt1"/>
+                </a:solidFill>
+                <a:latin typeface="Exo"/>
+                <a:ea typeface="Exo"/>
+                <a:cs typeface="Exo"/>
+                <a:sym typeface="Exo"/>
+              </a:defRPr>
+            </a:lvl2pPr>
+            <a:lvl3pPr marR="0" lvl="2" algn="l" rtl="0">
+              <a:lnSpc>
+                <a:spcPct val="100000"/>
+              </a:lnSpc>
+              <a:spcBef>
+                <a:spcPts val="0"/>
+              </a:spcBef>
+              <a:spcAft>
+                <a:spcPts val="0"/>
+              </a:spcAft>
+              <a:buClr>
+                <a:schemeClr val="lt1"/>
+              </a:buClr>
+              <a:buSzPts val="3200"/>
+              <a:buFont typeface="Exo"/>
+              <a:buNone/>
+              <a:defRPr sz="3200" b="0" i="0" u="none" strike="noStrike" cap="none">
+                <a:solidFill>
+                  <a:schemeClr val="lt1"/>
+                </a:solidFill>
+                <a:latin typeface="Exo"/>
+                <a:ea typeface="Exo"/>
+                <a:cs typeface="Exo"/>
+                <a:sym typeface="Exo"/>
+              </a:defRPr>
+            </a:lvl3pPr>
+            <a:lvl4pPr marR="0" lvl="3" algn="l" rtl="0">
+              <a:lnSpc>
+                <a:spcPct val="100000"/>
+              </a:lnSpc>
+              <a:spcBef>
+                <a:spcPts val="0"/>
+              </a:spcBef>
+              <a:spcAft>
+                <a:spcPts val="0"/>
+              </a:spcAft>
+              <a:buClr>
+                <a:schemeClr val="lt1"/>
+              </a:buClr>
+              <a:buSzPts val="3200"/>
+              <a:buFont typeface="Exo"/>
+              <a:buNone/>
+              <a:defRPr sz="3200" b="0" i="0" u="none" strike="noStrike" cap="none">
+                <a:solidFill>
+                  <a:schemeClr val="lt1"/>
+                </a:solidFill>
+                <a:latin typeface="Exo"/>
+                <a:ea typeface="Exo"/>
+                <a:cs typeface="Exo"/>
+                <a:sym typeface="Exo"/>
+              </a:defRPr>
+            </a:lvl4pPr>
+            <a:lvl5pPr marR="0" lvl="4" algn="l" rtl="0">
+              <a:lnSpc>
+                <a:spcPct val="100000"/>
+              </a:lnSpc>
+              <a:spcBef>
+                <a:spcPts val="0"/>
+              </a:spcBef>
+              <a:spcAft>
+                <a:spcPts val="0"/>
+              </a:spcAft>
+              <a:buClr>
+                <a:schemeClr val="lt1"/>
+              </a:buClr>
+              <a:buSzPts val="3200"/>
+              <a:buFont typeface="Exo"/>
+              <a:buNone/>
+              <a:defRPr sz="3200" b="0" i="0" u="none" strike="noStrike" cap="none">
+                <a:solidFill>
+                  <a:schemeClr val="lt1"/>
+                </a:solidFill>
+                <a:latin typeface="Exo"/>
+                <a:ea typeface="Exo"/>
+                <a:cs typeface="Exo"/>
+                <a:sym typeface="Exo"/>
+              </a:defRPr>
+            </a:lvl5pPr>
+            <a:lvl6pPr marR="0" lvl="5" algn="l" rtl="0">
+              <a:lnSpc>
+                <a:spcPct val="100000"/>
+              </a:lnSpc>
+              <a:spcBef>
+                <a:spcPts val="0"/>
+              </a:spcBef>
+              <a:spcAft>
+                <a:spcPts val="0"/>
+              </a:spcAft>
+              <a:buClr>
+                <a:schemeClr val="lt1"/>
+              </a:buClr>
+              <a:buSzPts val="3200"/>
+              <a:buFont typeface="Exo"/>
+              <a:buNone/>
+              <a:defRPr sz="3200" b="0" i="0" u="none" strike="noStrike" cap="none">
+                <a:solidFill>
+                  <a:schemeClr val="lt1"/>
+                </a:solidFill>
+                <a:latin typeface="Exo"/>
+                <a:ea typeface="Exo"/>
+                <a:cs typeface="Exo"/>
+                <a:sym typeface="Exo"/>
+              </a:defRPr>
+            </a:lvl6pPr>
+            <a:lvl7pPr marR="0" lvl="6" algn="l" rtl="0">
+              <a:lnSpc>
+                <a:spcPct val="100000"/>
+              </a:lnSpc>
+              <a:spcBef>
+                <a:spcPts val="0"/>
+              </a:spcBef>
+              <a:spcAft>
+                <a:spcPts val="0"/>
+              </a:spcAft>
+              <a:buClr>
+                <a:schemeClr val="lt1"/>
+              </a:buClr>
+              <a:buSzPts val="3200"/>
+              <a:buFont typeface="Exo"/>
+              <a:buNone/>
+              <a:defRPr sz="3200" b="0" i="0" u="none" strike="noStrike" cap="none">
+                <a:solidFill>
+                  <a:schemeClr val="lt1"/>
+                </a:solidFill>
+                <a:latin typeface="Exo"/>
+                <a:ea typeface="Exo"/>
+                <a:cs typeface="Exo"/>
+                <a:sym typeface="Exo"/>
+              </a:defRPr>
+            </a:lvl7pPr>
+            <a:lvl8pPr marR="0" lvl="7" algn="l" rtl="0">
+              <a:lnSpc>
+                <a:spcPct val="100000"/>
+              </a:lnSpc>
+              <a:spcBef>
+                <a:spcPts val="0"/>
+              </a:spcBef>
+              <a:spcAft>
+                <a:spcPts val="0"/>
+              </a:spcAft>
+              <a:buClr>
+                <a:schemeClr val="lt1"/>
+              </a:buClr>
+              <a:buSzPts val="3200"/>
+              <a:buFont typeface="Exo"/>
+              <a:buNone/>
+              <a:defRPr sz="3200" b="0" i="0" u="none" strike="noStrike" cap="none">
+                <a:solidFill>
+                  <a:schemeClr val="lt1"/>
+                </a:solidFill>
+                <a:latin typeface="Exo"/>
+                <a:ea typeface="Exo"/>
+                <a:cs typeface="Exo"/>
+                <a:sym typeface="Exo"/>
+              </a:defRPr>
+            </a:lvl8pPr>
+            <a:lvl9pPr marR="0" lvl="8" algn="l" rtl="0">
+              <a:lnSpc>
+                <a:spcPct val="100000"/>
+              </a:lnSpc>
+              <a:spcBef>
+                <a:spcPts val="0"/>
+              </a:spcBef>
+              <a:spcAft>
+                <a:spcPts val="0"/>
+              </a:spcAft>
+              <a:buClr>
+                <a:schemeClr val="lt1"/>
+              </a:buClr>
+              <a:buSzPts val="3200"/>
+              <a:buFont typeface="Exo"/>
+              <a:buNone/>
+              <a:defRPr sz="3200" b="0" i="0" u="none" strike="noStrike" cap="none">
+                <a:solidFill>
+                  <a:schemeClr val="lt1"/>
+                </a:solidFill>
+                <a:latin typeface="Exo"/>
+                <a:ea typeface="Exo"/>
+                <a:cs typeface="Exo"/>
+                <a:sym typeface="Exo"/>
+              </a:defRPr>
+            </a:lvl9pPr>
+          </a:lstStyle>
+          <a:p>
+            <a:pPr algn="ctr"/>
             <a:r>
-              <a:rPr lang="en-US" sz="1600" b="1" dirty="0">
+              <a:rPr lang="en-US" sz="1800" dirty="0">
                 <a:solidFill>
                   <a:schemeClr val="accent2"/>
                 </a:solidFill>
+              </a:rPr>
+              <a:t>Research</a:t>
+            </a:r>
+          </a:p>
+        </p:txBody>
+      </p:sp>
+      <p:sp>
+        <p:nvSpPr>
+          <p:cNvPr id="53" name="Google Shape;2805;p37">
+            <a:extLst>
+              <a:ext uri="{FF2B5EF4-FFF2-40B4-BE49-F238E27FC236}">
+                <a16:creationId xmlns:a16="http://schemas.microsoft.com/office/drawing/2014/main" id="{A7D12AF2-987A-4247-BB45-239D7C43E9B4}"/>
+              </a:ext>
+            </a:extLst>
+          </p:cNvPr>
+          <p:cNvSpPr txBox="1">
+            <a:spLocks/>
+          </p:cNvSpPr>
+          <p:nvPr/>
+        </p:nvSpPr>
+        <p:spPr>
+          <a:xfrm>
+            <a:off x="1270497" y="2253780"/>
+            <a:ext cx="2248307" cy="515643"/>
+          </a:xfrm>
+          <a:prstGeom prst="rect">
+            <a:avLst/>
+          </a:prstGeom>
+          <a:noFill/>
+          <a:ln>
+            <a:noFill/>
+          </a:ln>
+          <a:effectLst>
+            <a:outerShdw blurRad="157163" algn="bl" rotWithShape="0">
+              <a:schemeClr val="accent2">
+                <a:alpha val="40000"/>
+              </a:schemeClr>
+            </a:outerShdw>
+          </a:effectLst>
+        </p:spPr>
+        <p:txBody>
+          <a:bodyPr spcFirstLastPara="1" wrap="square" lIns="91425" tIns="91425" rIns="91425" bIns="91425" anchor="b" anchorCtr="0">
+            <a:noAutofit/>
+          </a:bodyPr>
+          <a:lstStyle>
+            <a:defPPr marR="0" lvl="0" algn="l" rtl="0">
+              <a:lnSpc>
+                <a:spcPct val="100000"/>
+              </a:lnSpc>
+              <a:spcBef>
+                <a:spcPts val="0"/>
+              </a:spcBef>
+              <a:spcAft>
+                <a:spcPts val="0"/>
+              </a:spcAft>
+            </a:defPPr>
+            <a:lvl1pPr marR="0" lvl="0" algn="l" rtl="0">
+              <a:lnSpc>
+                <a:spcPct val="100000"/>
+              </a:lnSpc>
+              <a:spcBef>
+                <a:spcPts val="0"/>
+              </a:spcBef>
+              <a:spcAft>
+                <a:spcPts val="0"/>
+              </a:spcAft>
+              <a:buClr>
+                <a:schemeClr val="lt1"/>
+              </a:buClr>
+              <a:buSzPts val="3200"/>
+              <a:buFont typeface="Exo"/>
+              <a:buNone/>
+              <a:defRPr sz="3200" b="1" i="0" u="none" strike="noStrike" cap="none">
+                <a:solidFill>
+                  <a:schemeClr val="lt1"/>
+                </a:solidFill>
                 <a:latin typeface="Exo"/>
+                <a:ea typeface="Exo"/>
+                <a:cs typeface="Exo"/>
                 <a:sym typeface="Exo"/>
-              </a:rPr>
-              <a:t>Tech stack includes Python, Flask, </a:t>
-            </a:r>
+              </a:defRPr>
+            </a:lvl1pPr>
+            <a:lvl2pPr marR="0" lvl="1" algn="l" rtl="0">
+              <a:lnSpc>
+                <a:spcPct val="100000"/>
+              </a:lnSpc>
+              <a:spcBef>
+                <a:spcPts val="0"/>
+              </a:spcBef>
+              <a:spcAft>
+                <a:spcPts val="0"/>
+              </a:spcAft>
+              <a:buClr>
+                <a:schemeClr val="lt1"/>
+              </a:buClr>
+              <a:buSzPts val="3200"/>
+              <a:buFont typeface="Exo"/>
+              <a:buNone/>
+              <a:defRPr sz="3200" b="0" i="0" u="none" strike="noStrike" cap="none">
+                <a:solidFill>
+                  <a:schemeClr val="lt1"/>
+                </a:solidFill>
+                <a:latin typeface="Exo"/>
+                <a:ea typeface="Exo"/>
+                <a:cs typeface="Exo"/>
+                <a:sym typeface="Exo"/>
+              </a:defRPr>
+            </a:lvl2pPr>
+            <a:lvl3pPr marR="0" lvl="2" algn="l" rtl="0">
+              <a:lnSpc>
+                <a:spcPct val="100000"/>
+              </a:lnSpc>
+              <a:spcBef>
+                <a:spcPts val="0"/>
+              </a:spcBef>
+              <a:spcAft>
+                <a:spcPts val="0"/>
+              </a:spcAft>
+              <a:buClr>
+                <a:schemeClr val="lt1"/>
+              </a:buClr>
+              <a:buSzPts val="3200"/>
+              <a:buFont typeface="Exo"/>
+              <a:buNone/>
+              <a:defRPr sz="3200" b="0" i="0" u="none" strike="noStrike" cap="none">
+                <a:solidFill>
+                  <a:schemeClr val="lt1"/>
+                </a:solidFill>
+                <a:latin typeface="Exo"/>
+                <a:ea typeface="Exo"/>
+                <a:cs typeface="Exo"/>
+                <a:sym typeface="Exo"/>
+              </a:defRPr>
+            </a:lvl3pPr>
+            <a:lvl4pPr marR="0" lvl="3" algn="l" rtl="0">
+              <a:lnSpc>
+                <a:spcPct val="100000"/>
+              </a:lnSpc>
+              <a:spcBef>
+                <a:spcPts val="0"/>
+              </a:spcBef>
+              <a:spcAft>
+                <a:spcPts val="0"/>
+              </a:spcAft>
+              <a:buClr>
+                <a:schemeClr val="lt1"/>
+              </a:buClr>
+              <a:buSzPts val="3200"/>
+              <a:buFont typeface="Exo"/>
+              <a:buNone/>
+              <a:defRPr sz="3200" b="0" i="0" u="none" strike="noStrike" cap="none">
+                <a:solidFill>
+                  <a:schemeClr val="lt1"/>
+                </a:solidFill>
+                <a:latin typeface="Exo"/>
+                <a:ea typeface="Exo"/>
+                <a:cs typeface="Exo"/>
+                <a:sym typeface="Exo"/>
+              </a:defRPr>
+            </a:lvl4pPr>
+            <a:lvl5pPr marR="0" lvl="4" algn="l" rtl="0">
+              <a:lnSpc>
+                <a:spcPct val="100000"/>
+              </a:lnSpc>
+              <a:spcBef>
+                <a:spcPts val="0"/>
+              </a:spcBef>
+              <a:spcAft>
+                <a:spcPts val="0"/>
+              </a:spcAft>
+              <a:buClr>
+                <a:schemeClr val="lt1"/>
+              </a:buClr>
+              <a:buSzPts val="3200"/>
+              <a:buFont typeface="Exo"/>
+              <a:buNone/>
+              <a:defRPr sz="3200" b="0" i="0" u="none" strike="noStrike" cap="none">
+                <a:solidFill>
+                  <a:schemeClr val="lt1"/>
+                </a:solidFill>
+                <a:latin typeface="Exo"/>
+                <a:ea typeface="Exo"/>
+                <a:cs typeface="Exo"/>
+                <a:sym typeface="Exo"/>
+              </a:defRPr>
+            </a:lvl5pPr>
+            <a:lvl6pPr marR="0" lvl="5" algn="l" rtl="0">
+              <a:lnSpc>
+                <a:spcPct val="100000"/>
+              </a:lnSpc>
+              <a:spcBef>
+                <a:spcPts val="0"/>
+              </a:spcBef>
+              <a:spcAft>
+                <a:spcPts val="0"/>
+              </a:spcAft>
+              <a:buClr>
+                <a:schemeClr val="lt1"/>
+              </a:buClr>
+              <a:buSzPts val="3200"/>
+              <a:buFont typeface="Exo"/>
+              <a:buNone/>
+              <a:defRPr sz="3200" b="0" i="0" u="none" strike="noStrike" cap="none">
+                <a:solidFill>
+                  <a:schemeClr val="lt1"/>
+                </a:solidFill>
+                <a:latin typeface="Exo"/>
+                <a:ea typeface="Exo"/>
+                <a:cs typeface="Exo"/>
+                <a:sym typeface="Exo"/>
+              </a:defRPr>
+            </a:lvl6pPr>
+            <a:lvl7pPr marR="0" lvl="6" algn="l" rtl="0">
+              <a:lnSpc>
+                <a:spcPct val="100000"/>
+              </a:lnSpc>
+              <a:spcBef>
+                <a:spcPts val="0"/>
+              </a:spcBef>
+              <a:spcAft>
+                <a:spcPts val="0"/>
+              </a:spcAft>
+              <a:buClr>
+                <a:schemeClr val="lt1"/>
+              </a:buClr>
+              <a:buSzPts val="3200"/>
+              <a:buFont typeface="Exo"/>
+              <a:buNone/>
+              <a:defRPr sz="3200" b="0" i="0" u="none" strike="noStrike" cap="none">
+                <a:solidFill>
+                  <a:schemeClr val="lt1"/>
+                </a:solidFill>
+                <a:latin typeface="Exo"/>
+                <a:ea typeface="Exo"/>
+                <a:cs typeface="Exo"/>
+                <a:sym typeface="Exo"/>
+              </a:defRPr>
+            </a:lvl7pPr>
+            <a:lvl8pPr marR="0" lvl="7" algn="l" rtl="0">
+              <a:lnSpc>
+                <a:spcPct val="100000"/>
+              </a:lnSpc>
+              <a:spcBef>
+                <a:spcPts val="0"/>
+              </a:spcBef>
+              <a:spcAft>
+                <a:spcPts val="0"/>
+              </a:spcAft>
+              <a:buClr>
+                <a:schemeClr val="lt1"/>
+              </a:buClr>
+              <a:buSzPts val="3200"/>
+              <a:buFont typeface="Exo"/>
+              <a:buNone/>
+              <a:defRPr sz="3200" b="0" i="0" u="none" strike="noStrike" cap="none">
+                <a:solidFill>
+                  <a:schemeClr val="lt1"/>
+                </a:solidFill>
+                <a:latin typeface="Exo"/>
+                <a:ea typeface="Exo"/>
+                <a:cs typeface="Exo"/>
+                <a:sym typeface="Exo"/>
+              </a:defRPr>
+            </a:lvl8pPr>
+            <a:lvl9pPr marR="0" lvl="8" algn="l" rtl="0">
+              <a:lnSpc>
+                <a:spcPct val="100000"/>
+              </a:lnSpc>
+              <a:spcBef>
+                <a:spcPts val="0"/>
+              </a:spcBef>
+              <a:spcAft>
+                <a:spcPts val="0"/>
+              </a:spcAft>
+              <a:buClr>
+                <a:schemeClr val="lt1"/>
+              </a:buClr>
+              <a:buSzPts val="3200"/>
+              <a:buFont typeface="Exo"/>
+              <a:buNone/>
+              <a:defRPr sz="3200" b="0" i="0" u="none" strike="noStrike" cap="none">
+                <a:solidFill>
+                  <a:schemeClr val="lt1"/>
+                </a:solidFill>
+                <a:latin typeface="Exo"/>
+                <a:ea typeface="Exo"/>
+                <a:cs typeface="Exo"/>
+                <a:sym typeface="Exo"/>
+              </a:defRPr>
+            </a:lvl9pPr>
+          </a:lstStyle>
+          <a:p>
+            <a:pPr algn="ctr"/>
             <a:r>
-              <a:rPr lang="en-US" sz="1600" b="1" dirty="0" err="1">
+              <a:rPr lang="en-US" sz="1800" dirty="0">
                 <a:solidFill>
                   <a:schemeClr val="accent2"/>
                 </a:solidFill>
+              </a:rPr>
+              <a:t>Idea</a:t>
+            </a:r>
+          </a:p>
+        </p:txBody>
+      </p:sp>
+      <p:sp>
+        <p:nvSpPr>
+          <p:cNvPr id="54" name="Google Shape;2805;p37">
+            <a:extLst>
+              <a:ext uri="{FF2B5EF4-FFF2-40B4-BE49-F238E27FC236}">
+                <a16:creationId xmlns:a16="http://schemas.microsoft.com/office/drawing/2014/main" id="{EED3BB4C-9CC5-415B-89E1-F5E483F1BEDA}"/>
+              </a:ext>
+            </a:extLst>
+          </p:cNvPr>
+          <p:cNvSpPr txBox="1">
+            <a:spLocks/>
+          </p:cNvSpPr>
+          <p:nvPr/>
+        </p:nvSpPr>
+        <p:spPr>
+          <a:xfrm>
+            <a:off x="2842353" y="2253779"/>
+            <a:ext cx="2248307" cy="515643"/>
+          </a:xfrm>
+          <a:prstGeom prst="rect">
+            <a:avLst/>
+          </a:prstGeom>
+          <a:noFill/>
+          <a:ln>
+            <a:noFill/>
+          </a:ln>
+          <a:effectLst>
+            <a:outerShdw blurRad="157163" algn="bl" rotWithShape="0">
+              <a:schemeClr val="accent2">
+                <a:alpha val="40000"/>
+              </a:schemeClr>
+            </a:outerShdw>
+          </a:effectLst>
+        </p:spPr>
+        <p:txBody>
+          <a:bodyPr spcFirstLastPara="1" wrap="square" lIns="91425" tIns="91425" rIns="91425" bIns="91425" anchor="b" anchorCtr="0">
+            <a:noAutofit/>
+          </a:bodyPr>
+          <a:lstStyle>
+            <a:defPPr marR="0" lvl="0" algn="l" rtl="0">
+              <a:lnSpc>
+                <a:spcPct val="100000"/>
+              </a:lnSpc>
+              <a:spcBef>
+                <a:spcPts val="0"/>
+              </a:spcBef>
+              <a:spcAft>
+                <a:spcPts val="0"/>
+              </a:spcAft>
+            </a:defPPr>
+            <a:lvl1pPr marR="0" lvl="0" algn="l" rtl="0">
+              <a:lnSpc>
+                <a:spcPct val="100000"/>
+              </a:lnSpc>
+              <a:spcBef>
+                <a:spcPts val="0"/>
+              </a:spcBef>
+              <a:spcAft>
+                <a:spcPts val="0"/>
+              </a:spcAft>
+              <a:buClr>
+                <a:schemeClr val="lt1"/>
+              </a:buClr>
+              <a:buSzPts val="3200"/>
+              <a:buFont typeface="Exo"/>
+              <a:buNone/>
+              <a:defRPr sz="3200" b="1" i="0" u="none" strike="noStrike" cap="none">
+                <a:solidFill>
+                  <a:schemeClr val="lt1"/>
+                </a:solidFill>
                 <a:latin typeface="Exo"/>
+                <a:ea typeface="Exo"/>
+                <a:cs typeface="Exo"/>
                 <a:sym typeface="Exo"/>
-              </a:rPr>
-              <a:t>SQLAlchemy</a:t>
-            </a:r>
+              </a:defRPr>
+            </a:lvl1pPr>
+            <a:lvl2pPr marR="0" lvl="1" algn="l" rtl="0">
+              <a:lnSpc>
+                <a:spcPct val="100000"/>
+              </a:lnSpc>
+              <a:spcBef>
+                <a:spcPts val="0"/>
+              </a:spcBef>
+              <a:spcAft>
+                <a:spcPts val="0"/>
+              </a:spcAft>
+              <a:buClr>
+                <a:schemeClr val="lt1"/>
+              </a:buClr>
+              <a:buSzPts val="3200"/>
+              <a:buFont typeface="Exo"/>
+              <a:buNone/>
+              <a:defRPr sz="3200" b="0" i="0" u="none" strike="noStrike" cap="none">
+                <a:solidFill>
+                  <a:schemeClr val="lt1"/>
+                </a:solidFill>
+                <a:latin typeface="Exo"/>
+                <a:ea typeface="Exo"/>
+                <a:cs typeface="Exo"/>
+                <a:sym typeface="Exo"/>
+              </a:defRPr>
+            </a:lvl2pPr>
+            <a:lvl3pPr marR="0" lvl="2" algn="l" rtl="0">
+              <a:lnSpc>
+                <a:spcPct val="100000"/>
+              </a:lnSpc>
+              <a:spcBef>
+                <a:spcPts val="0"/>
+              </a:spcBef>
+              <a:spcAft>
+                <a:spcPts val="0"/>
+              </a:spcAft>
+              <a:buClr>
+                <a:schemeClr val="lt1"/>
+              </a:buClr>
+              <a:buSzPts val="3200"/>
+              <a:buFont typeface="Exo"/>
+              <a:buNone/>
+              <a:defRPr sz="3200" b="0" i="0" u="none" strike="noStrike" cap="none">
+                <a:solidFill>
+                  <a:schemeClr val="lt1"/>
+                </a:solidFill>
+                <a:latin typeface="Exo"/>
+                <a:ea typeface="Exo"/>
+                <a:cs typeface="Exo"/>
+                <a:sym typeface="Exo"/>
+              </a:defRPr>
+            </a:lvl3pPr>
+            <a:lvl4pPr marR="0" lvl="3" algn="l" rtl="0">
+              <a:lnSpc>
+                <a:spcPct val="100000"/>
+              </a:lnSpc>
+              <a:spcBef>
+                <a:spcPts val="0"/>
+              </a:spcBef>
+              <a:spcAft>
+                <a:spcPts val="0"/>
+              </a:spcAft>
+              <a:buClr>
+                <a:schemeClr val="lt1"/>
+              </a:buClr>
+              <a:buSzPts val="3200"/>
+              <a:buFont typeface="Exo"/>
+              <a:buNone/>
+              <a:defRPr sz="3200" b="0" i="0" u="none" strike="noStrike" cap="none">
+                <a:solidFill>
+                  <a:schemeClr val="lt1"/>
+                </a:solidFill>
+                <a:latin typeface="Exo"/>
+                <a:ea typeface="Exo"/>
+                <a:cs typeface="Exo"/>
+                <a:sym typeface="Exo"/>
+              </a:defRPr>
+            </a:lvl4pPr>
+            <a:lvl5pPr marR="0" lvl="4" algn="l" rtl="0">
+              <a:lnSpc>
+                <a:spcPct val="100000"/>
+              </a:lnSpc>
+              <a:spcBef>
+                <a:spcPts val="0"/>
+              </a:spcBef>
+              <a:spcAft>
+                <a:spcPts val="0"/>
+              </a:spcAft>
+              <a:buClr>
+                <a:schemeClr val="lt1"/>
+              </a:buClr>
+              <a:buSzPts val="3200"/>
+              <a:buFont typeface="Exo"/>
+              <a:buNone/>
+              <a:defRPr sz="3200" b="0" i="0" u="none" strike="noStrike" cap="none">
+                <a:solidFill>
+                  <a:schemeClr val="lt1"/>
+                </a:solidFill>
+                <a:latin typeface="Exo"/>
+                <a:ea typeface="Exo"/>
+                <a:cs typeface="Exo"/>
+                <a:sym typeface="Exo"/>
+              </a:defRPr>
+            </a:lvl5pPr>
+            <a:lvl6pPr marR="0" lvl="5" algn="l" rtl="0">
+              <a:lnSpc>
+                <a:spcPct val="100000"/>
+              </a:lnSpc>
+              <a:spcBef>
+                <a:spcPts val="0"/>
+              </a:spcBef>
+              <a:spcAft>
+                <a:spcPts val="0"/>
+              </a:spcAft>
+              <a:buClr>
+                <a:schemeClr val="lt1"/>
+              </a:buClr>
+              <a:buSzPts val="3200"/>
+              <a:buFont typeface="Exo"/>
+              <a:buNone/>
+              <a:defRPr sz="3200" b="0" i="0" u="none" strike="noStrike" cap="none">
+                <a:solidFill>
+                  <a:schemeClr val="lt1"/>
+                </a:solidFill>
+                <a:latin typeface="Exo"/>
+                <a:ea typeface="Exo"/>
+                <a:cs typeface="Exo"/>
+                <a:sym typeface="Exo"/>
+              </a:defRPr>
+            </a:lvl6pPr>
+            <a:lvl7pPr marR="0" lvl="6" algn="l" rtl="0">
+              <a:lnSpc>
+                <a:spcPct val="100000"/>
+              </a:lnSpc>
+              <a:spcBef>
+                <a:spcPts val="0"/>
+              </a:spcBef>
+              <a:spcAft>
+                <a:spcPts val="0"/>
+              </a:spcAft>
+              <a:buClr>
+                <a:schemeClr val="lt1"/>
+              </a:buClr>
+              <a:buSzPts val="3200"/>
+              <a:buFont typeface="Exo"/>
+              <a:buNone/>
+              <a:defRPr sz="3200" b="0" i="0" u="none" strike="noStrike" cap="none">
+                <a:solidFill>
+                  <a:schemeClr val="lt1"/>
+                </a:solidFill>
+                <a:latin typeface="Exo"/>
+                <a:ea typeface="Exo"/>
+                <a:cs typeface="Exo"/>
+                <a:sym typeface="Exo"/>
+              </a:defRPr>
+            </a:lvl7pPr>
+            <a:lvl8pPr marR="0" lvl="7" algn="l" rtl="0">
+              <a:lnSpc>
+                <a:spcPct val="100000"/>
+              </a:lnSpc>
+              <a:spcBef>
+                <a:spcPts val="0"/>
+              </a:spcBef>
+              <a:spcAft>
+                <a:spcPts val="0"/>
+              </a:spcAft>
+              <a:buClr>
+                <a:schemeClr val="lt1"/>
+              </a:buClr>
+              <a:buSzPts val="3200"/>
+              <a:buFont typeface="Exo"/>
+              <a:buNone/>
+              <a:defRPr sz="3200" b="0" i="0" u="none" strike="noStrike" cap="none">
+                <a:solidFill>
+                  <a:schemeClr val="lt1"/>
+                </a:solidFill>
+                <a:latin typeface="Exo"/>
+                <a:ea typeface="Exo"/>
+                <a:cs typeface="Exo"/>
+                <a:sym typeface="Exo"/>
+              </a:defRPr>
+            </a:lvl8pPr>
+            <a:lvl9pPr marR="0" lvl="8" algn="l" rtl="0">
+              <a:lnSpc>
+                <a:spcPct val="100000"/>
+              </a:lnSpc>
+              <a:spcBef>
+                <a:spcPts val="0"/>
+              </a:spcBef>
+              <a:spcAft>
+                <a:spcPts val="0"/>
+              </a:spcAft>
+              <a:buClr>
+                <a:schemeClr val="lt1"/>
+              </a:buClr>
+              <a:buSzPts val="3200"/>
+              <a:buFont typeface="Exo"/>
+              <a:buNone/>
+              <a:defRPr sz="3200" b="0" i="0" u="none" strike="noStrike" cap="none">
+                <a:solidFill>
+                  <a:schemeClr val="lt1"/>
+                </a:solidFill>
+                <a:latin typeface="Exo"/>
+                <a:ea typeface="Exo"/>
+                <a:cs typeface="Exo"/>
+                <a:sym typeface="Exo"/>
+              </a:defRPr>
+            </a:lvl9pPr>
+          </a:lstStyle>
+          <a:p>
+            <a:pPr algn="ctr"/>
             <a:r>
-              <a:rPr lang="en-US" sz="1600" b="1" dirty="0">
+              <a:rPr lang="en-US" sz="1800" dirty="0">
                 <a:solidFill>
                   <a:schemeClr val="accent2"/>
                 </a:solidFill>
+              </a:rPr>
+              <a:t>Programming</a:t>
+            </a:r>
+          </a:p>
+        </p:txBody>
+      </p:sp>
+      <p:sp>
+        <p:nvSpPr>
+          <p:cNvPr id="55" name="Google Shape;2805;p37">
+            <a:extLst>
+              <a:ext uri="{FF2B5EF4-FFF2-40B4-BE49-F238E27FC236}">
+                <a16:creationId xmlns:a16="http://schemas.microsoft.com/office/drawing/2014/main" id="{3B7D77FF-AF79-4A07-9C12-8635C9E6C02C}"/>
+              </a:ext>
+            </a:extLst>
+          </p:cNvPr>
+          <p:cNvSpPr txBox="1">
+            <a:spLocks/>
+          </p:cNvSpPr>
+          <p:nvPr/>
+        </p:nvSpPr>
+        <p:spPr>
+          <a:xfrm>
+            <a:off x="4880191" y="2253778"/>
+            <a:ext cx="2248307" cy="515643"/>
+          </a:xfrm>
+          <a:prstGeom prst="rect">
+            <a:avLst/>
+          </a:prstGeom>
+          <a:noFill/>
+          <a:ln>
+            <a:noFill/>
+          </a:ln>
+          <a:effectLst>
+            <a:outerShdw blurRad="157163" algn="bl" rotWithShape="0">
+              <a:schemeClr val="accent2">
+                <a:alpha val="40000"/>
+              </a:schemeClr>
+            </a:outerShdw>
+          </a:effectLst>
+        </p:spPr>
+        <p:txBody>
+          <a:bodyPr spcFirstLastPara="1" wrap="square" lIns="91425" tIns="91425" rIns="91425" bIns="91425" anchor="b" anchorCtr="0">
+            <a:noAutofit/>
+          </a:bodyPr>
+          <a:lstStyle>
+            <a:defPPr marR="0" lvl="0" algn="l" rtl="0">
+              <a:lnSpc>
+                <a:spcPct val="100000"/>
+              </a:lnSpc>
+              <a:spcBef>
+                <a:spcPts val="0"/>
+              </a:spcBef>
+              <a:spcAft>
+                <a:spcPts val="0"/>
+              </a:spcAft>
+            </a:defPPr>
+            <a:lvl1pPr marR="0" lvl="0" algn="l" rtl="0">
+              <a:lnSpc>
+                <a:spcPct val="100000"/>
+              </a:lnSpc>
+              <a:spcBef>
+                <a:spcPts val="0"/>
+              </a:spcBef>
+              <a:spcAft>
+                <a:spcPts val="0"/>
+              </a:spcAft>
+              <a:buClr>
+                <a:schemeClr val="lt1"/>
+              </a:buClr>
+              <a:buSzPts val="3200"/>
+              <a:buFont typeface="Exo"/>
+              <a:buNone/>
+              <a:defRPr sz="3200" b="1" i="0" u="none" strike="noStrike" cap="none">
+                <a:solidFill>
+                  <a:schemeClr val="lt1"/>
+                </a:solidFill>
                 <a:latin typeface="Exo"/>
+                <a:ea typeface="Exo"/>
+                <a:cs typeface="Exo"/>
                 <a:sym typeface="Exo"/>
-              </a:rPr>
-              <a:t>, and custom ML code with </a:t>
-            </a:r>
+              </a:defRPr>
+            </a:lvl1pPr>
+            <a:lvl2pPr marR="0" lvl="1" algn="l" rtl="0">
+              <a:lnSpc>
+                <a:spcPct val="100000"/>
+              </a:lnSpc>
+              <a:spcBef>
+                <a:spcPts val="0"/>
+              </a:spcBef>
+              <a:spcAft>
+                <a:spcPts val="0"/>
+              </a:spcAft>
+              <a:buClr>
+                <a:schemeClr val="lt1"/>
+              </a:buClr>
+              <a:buSzPts val="3200"/>
+              <a:buFont typeface="Exo"/>
+              <a:buNone/>
+              <a:defRPr sz="3200" b="0" i="0" u="none" strike="noStrike" cap="none">
+                <a:solidFill>
+                  <a:schemeClr val="lt1"/>
+                </a:solidFill>
+                <a:latin typeface="Exo"/>
+                <a:ea typeface="Exo"/>
+                <a:cs typeface="Exo"/>
+                <a:sym typeface="Exo"/>
+              </a:defRPr>
+            </a:lvl2pPr>
+            <a:lvl3pPr marR="0" lvl="2" algn="l" rtl="0">
+              <a:lnSpc>
+                <a:spcPct val="100000"/>
+              </a:lnSpc>
+              <a:spcBef>
+                <a:spcPts val="0"/>
+              </a:spcBef>
+              <a:spcAft>
+                <a:spcPts val="0"/>
+              </a:spcAft>
+              <a:buClr>
+                <a:schemeClr val="lt1"/>
+              </a:buClr>
+              <a:buSzPts val="3200"/>
+              <a:buFont typeface="Exo"/>
+              <a:buNone/>
+              <a:defRPr sz="3200" b="0" i="0" u="none" strike="noStrike" cap="none">
+                <a:solidFill>
+                  <a:schemeClr val="lt1"/>
+                </a:solidFill>
+                <a:latin typeface="Exo"/>
+                <a:ea typeface="Exo"/>
+                <a:cs typeface="Exo"/>
+                <a:sym typeface="Exo"/>
+              </a:defRPr>
+            </a:lvl3pPr>
+            <a:lvl4pPr marR="0" lvl="3" algn="l" rtl="0">
+              <a:lnSpc>
+                <a:spcPct val="100000"/>
+              </a:lnSpc>
+              <a:spcBef>
+                <a:spcPts val="0"/>
+              </a:spcBef>
+              <a:spcAft>
+                <a:spcPts val="0"/>
+              </a:spcAft>
+              <a:buClr>
+                <a:schemeClr val="lt1"/>
+              </a:buClr>
+              <a:buSzPts val="3200"/>
+              <a:buFont typeface="Exo"/>
+              <a:buNone/>
+              <a:defRPr sz="3200" b="0" i="0" u="none" strike="noStrike" cap="none">
+                <a:solidFill>
+                  <a:schemeClr val="lt1"/>
+                </a:solidFill>
+                <a:latin typeface="Exo"/>
+                <a:ea typeface="Exo"/>
+                <a:cs typeface="Exo"/>
+                <a:sym typeface="Exo"/>
+              </a:defRPr>
+            </a:lvl4pPr>
+            <a:lvl5pPr marR="0" lvl="4" algn="l" rtl="0">
+              <a:lnSpc>
+                <a:spcPct val="100000"/>
+              </a:lnSpc>
+              <a:spcBef>
+                <a:spcPts val="0"/>
+              </a:spcBef>
+              <a:spcAft>
+                <a:spcPts val="0"/>
+              </a:spcAft>
+              <a:buClr>
+                <a:schemeClr val="lt1"/>
+              </a:buClr>
+              <a:buSzPts val="3200"/>
+              <a:buFont typeface="Exo"/>
+              <a:buNone/>
+              <a:defRPr sz="3200" b="0" i="0" u="none" strike="noStrike" cap="none">
+                <a:solidFill>
+                  <a:schemeClr val="lt1"/>
+                </a:solidFill>
+                <a:latin typeface="Exo"/>
+                <a:ea typeface="Exo"/>
+                <a:cs typeface="Exo"/>
+                <a:sym typeface="Exo"/>
+              </a:defRPr>
+            </a:lvl5pPr>
+            <a:lvl6pPr marR="0" lvl="5" algn="l" rtl="0">
+              <a:lnSpc>
+                <a:spcPct val="100000"/>
+              </a:lnSpc>
+              <a:spcBef>
+                <a:spcPts val="0"/>
+              </a:spcBef>
+              <a:spcAft>
+                <a:spcPts val="0"/>
+              </a:spcAft>
+              <a:buClr>
+                <a:schemeClr val="lt1"/>
+              </a:buClr>
+              <a:buSzPts val="3200"/>
+              <a:buFont typeface="Exo"/>
+              <a:buNone/>
+              <a:defRPr sz="3200" b="0" i="0" u="none" strike="noStrike" cap="none">
+                <a:solidFill>
+                  <a:schemeClr val="lt1"/>
+                </a:solidFill>
+                <a:latin typeface="Exo"/>
+                <a:ea typeface="Exo"/>
+                <a:cs typeface="Exo"/>
+                <a:sym typeface="Exo"/>
+              </a:defRPr>
+            </a:lvl6pPr>
+            <a:lvl7pPr marR="0" lvl="6" algn="l" rtl="0">
+              <a:lnSpc>
+                <a:spcPct val="100000"/>
+              </a:lnSpc>
+              <a:spcBef>
+                <a:spcPts val="0"/>
+              </a:spcBef>
+              <a:spcAft>
+                <a:spcPts val="0"/>
+              </a:spcAft>
+              <a:buClr>
+                <a:schemeClr val="lt1"/>
+              </a:buClr>
+              <a:buSzPts val="3200"/>
+              <a:buFont typeface="Exo"/>
+              <a:buNone/>
+              <a:defRPr sz="3200" b="0" i="0" u="none" strike="noStrike" cap="none">
+                <a:solidFill>
+                  <a:schemeClr val="lt1"/>
+                </a:solidFill>
+                <a:latin typeface="Exo"/>
+                <a:ea typeface="Exo"/>
+                <a:cs typeface="Exo"/>
+                <a:sym typeface="Exo"/>
+              </a:defRPr>
+            </a:lvl7pPr>
+            <a:lvl8pPr marR="0" lvl="7" algn="l" rtl="0">
+              <a:lnSpc>
+                <a:spcPct val="100000"/>
+              </a:lnSpc>
+              <a:spcBef>
+                <a:spcPts val="0"/>
+              </a:spcBef>
+              <a:spcAft>
+                <a:spcPts val="0"/>
+              </a:spcAft>
+              <a:buClr>
+                <a:schemeClr val="lt1"/>
+              </a:buClr>
+              <a:buSzPts val="3200"/>
+              <a:buFont typeface="Exo"/>
+              <a:buNone/>
+              <a:defRPr sz="3200" b="0" i="0" u="none" strike="noStrike" cap="none">
+                <a:solidFill>
+                  <a:schemeClr val="lt1"/>
+                </a:solidFill>
+                <a:latin typeface="Exo"/>
+                <a:ea typeface="Exo"/>
+                <a:cs typeface="Exo"/>
+                <a:sym typeface="Exo"/>
+              </a:defRPr>
+            </a:lvl8pPr>
+            <a:lvl9pPr marR="0" lvl="8" algn="l" rtl="0">
+              <a:lnSpc>
+                <a:spcPct val="100000"/>
+              </a:lnSpc>
+              <a:spcBef>
+                <a:spcPts val="0"/>
+              </a:spcBef>
+              <a:spcAft>
+                <a:spcPts val="0"/>
+              </a:spcAft>
+              <a:buClr>
+                <a:schemeClr val="lt1"/>
+              </a:buClr>
+              <a:buSzPts val="3200"/>
+              <a:buFont typeface="Exo"/>
+              <a:buNone/>
+              <a:defRPr sz="3200" b="0" i="0" u="none" strike="noStrike" cap="none">
+                <a:solidFill>
+                  <a:schemeClr val="lt1"/>
+                </a:solidFill>
+                <a:latin typeface="Exo"/>
+                <a:ea typeface="Exo"/>
+                <a:cs typeface="Exo"/>
+                <a:sym typeface="Exo"/>
+              </a:defRPr>
+            </a:lvl9pPr>
+          </a:lstStyle>
+          <a:p>
+            <a:pPr algn="ctr"/>
             <a:r>
-              <a:rPr lang="en-US" sz="1600" b="1" dirty="0" err="1">
+              <a:rPr lang="en-US" sz="1800" dirty="0">
                 <a:solidFill>
                   <a:schemeClr val="accent2"/>
                 </a:solidFill>
+              </a:rPr>
+              <a:t>Fix errors</a:t>
+            </a:r>
+          </a:p>
+        </p:txBody>
+      </p:sp>
+      <p:sp>
+        <p:nvSpPr>
+          <p:cNvPr id="56" name="Google Shape;2805;p37">
+            <a:extLst>
+              <a:ext uri="{FF2B5EF4-FFF2-40B4-BE49-F238E27FC236}">
+                <a16:creationId xmlns:a16="http://schemas.microsoft.com/office/drawing/2014/main" id="{2DC49E8D-A901-439D-BDAF-55CF3FF01E92}"/>
+              </a:ext>
+            </a:extLst>
+          </p:cNvPr>
+          <p:cNvSpPr txBox="1">
+            <a:spLocks/>
+          </p:cNvSpPr>
+          <p:nvPr/>
+        </p:nvSpPr>
+        <p:spPr>
+          <a:xfrm>
+            <a:off x="6763083" y="2253777"/>
+            <a:ext cx="2248307" cy="515643"/>
+          </a:xfrm>
+          <a:prstGeom prst="rect">
+            <a:avLst/>
+          </a:prstGeom>
+          <a:noFill/>
+          <a:ln>
+            <a:noFill/>
+          </a:ln>
+          <a:effectLst>
+            <a:outerShdw blurRad="157163" algn="bl" rotWithShape="0">
+              <a:schemeClr val="accent2">
+                <a:alpha val="40000"/>
+              </a:schemeClr>
+            </a:outerShdw>
+          </a:effectLst>
+        </p:spPr>
+        <p:txBody>
+          <a:bodyPr spcFirstLastPara="1" wrap="square" lIns="91425" tIns="91425" rIns="91425" bIns="91425" anchor="b" anchorCtr="0">
+            <a:noAutofit/>
+          </a:bodyPr>
+          <a:lstStyle>
+            <a:defPPr marR="0" lvl="0" algn="l" rtl="0">
+              <a:lnSpc>
+                <a:spcPct val="100000"/>
+              </a:lnSpc>
+              <a:spcBef>
+                <a:spcPts val="0"/>
+              </a:spcBef>
+              <a:spcAft>
+                <a:spcPts val="0"/>
+              </a:spcAft>
+            </a:defPPr>
+            <a:lvl1pPr marR="0" lvl="0" algn="l" rtl="0">
+              <a:lnSpc>
+                <a:spcPct val="100000"/>
+              </a:lnSpc>
+              <a:spcBef>
+                <a:spcPts val="0"/>
+              </a:spcBef>
+              <a:spcAft>
+                <a:spcPts val="0"/>
+              </a:spcAft>
+              <a:buClr>
+                <a:schemeClr val="lt1"/>
+              </a:buClr>
+              <a:buSzPts val="3200"/>
+              <a:buFont typeface="Exo"/>
+              <a:buNone/>
+              <a:defRPr sz="3200" b="1" i="0" u="none" strike="noStrike" cap="none">
+                <a:solidFill>
+                  <a:schemeClr val="lt1"/>
+                </a:solidFill>
                 <a:latin typeface="Exo"/>
+                <a:ea typeface="Exo"/>
+                <a:cs typeface="Exo"/>
                 <a:sym typeface="Exo"/>
-              </a:rPr>
-              <a:t>numpy</a:t>
-            </a:r>
+              </a:defRPr>
+            </a:lvl1pPr>
+            <a:lvl2pPr marR="0" lvl="1" algn="l" rtl="0">
+              <a:lnSpc>
+                <a:spcPct val="100000"/>
+              </a:lnSpc>
+              <a:spcBef>
+                <a:spcPts val="0"/>
+              </a:spcBef>
+              <a:spcAft>
+                <a:spcPts val="0"/>
+              </a:spcAft>
+              <a:buClr>
+                <a:schemeClr val="lt1"/>
+              </a:buClr>
+              <a:buSzPts val="3200"/>
+              <a:buFont typeface="Exo"/>
+              <a:buNone/>
+              <a:defRPr sz="3200" b="0" i="0" u="none" strike="noStrike" cap="none">
+                <a:solidFill>
+                  <a:schemeClr val="lt1"/>
+                </a:solidFill>
+                <a:latin typeface="Exo"/>
+                <a:ea typeface="Exo"/>
+                <a:cs typeface="Exo"/>
+                <a:sym typeface="Exo"/>
+              </a:defRPr>
+            </a:lvl2pPr>
+            <a:lvl3pPr marR="0" lvl="2" algn="l" rtl="0">
+              <a:lnSpc>
+                <a:spcPct val="100000"/>
+              </a:lnSpc>
+              <a:spcBef>
+                <a:spcPts val="0"/>
+              </a:spcBef>
+              <a:spcAft>
+                <a:spcPts val="0"/>
+              </a:spcAft>
+              <a:buClr>
+                <a:schemeClr val="lt1"/>
+              </a:buClr>
+              <a:buSzPts val="3200"/>
+              <a:buFont typeface="Exo"/>
+              <a:buNone/>
+              <a:defRPr sz="3200" b="0" i="0" u="none" strike="noStrike" cap="none">
+                <a:solidFill>
+                  <a:schemeClr val="lt1"/>
+                </a:solidFill>
+                <a:latin typeface="Exo"/>
+                <a:ea typeface="Exo"/>
+                <a:cs typeface="Exo"/>
+                <a:sym typeface="Exo"/>
+              </a:defRPr>
+            </a:lvl3pPr>
+            <a:lvl4pPr marR="0" lvl="3" algn="l" rtl="0">
+              <a:lnSpc>
+                <a:spcPct val="100000"/>
+              </a:lnSpc>
+              <a:spcBef>
+                <a:spcPts val="0"/>
+              </a:spcBef>
+              <a:spcAft>
+                <a:spcPts val="0"/>
+              </a:spcAft>
+              <a:buClr>
+                <a:schemeClr val="lt1"/>
+              </a:buClr>
+              <a:buSzPts val="3200"/>
+              <a:buFont typeface="Exo"/>
+              <a:buNone/>
+              <a:defRPr sz="3200" b="0" i="0" u="none" strike="noStrike" cap="none">
+                <a:solidFill>
+                  <a:schemeClr val="lt1"/>
+                </a:solidFill>
+                <a:latin typeface="Exo"/>
+                <a:ea typeface="Exo"/>
+                <a:cs typeface="Exo"/>
+                <a:sym typeface="Exo"/>
+              </a:defRPr>
+            </a:lvl4pPr>
+            <a:lvl5pPr marR="0" lvl="4" algn="l" rtl="0">
+              <a:lnSpc>
+                <a:spcPct val="100000"/>
+              </a:lnSpc>
+              <a:spcBef>
+                <a:spcPts val="0"/>
+              </a:spcBef>
+              <a:spcAft>
+                <a:spcPts val="0"/>
+              </a:spcAft>
+              <a:buClr>
+                <a:schemeClr val="lt1"/>
+              </a:buClr>
+              <a:buSzPts val="3200"/>
+              <a:buFont typeface="Exo"/>
+              <a:buNone/>
+              <a:defRPr sz="3200" b="0" i="0" u="none" strike="noStrike" cap="none">
+                <a:solidFill>
+                  <a:schemeClr val="lt1"/>
+                </a:solidFill>
+                <a:latin typeface="Exo"/>
+                <a:ea typeface="Exo"/>
+                <a:cs typeface="Exo"/>
+                <a:sym typeface="Exo"/>
+              </a:defRPr>
+            </a:lvl5pPr>
+            <a:lvl6pPr marR="0" lvl="5" algn="l" rtl="0">
+              <a:lnSpc>
+                <a:spcPct val="100000"/>
+              </a:lnSpc>
+              <a:spcBef>
+                <a:spcPts val="0"/>
+              </a:spcBef>
+              <a:spcAft>
+                <a:spcPts val="0"/>
+              </a:spcAft>
+              <a:buClr>
+                <a:schemeClr val="lt1"/>
+              </a:buClr>
+              <a:buSzPts val="3200"/>
+              <a:buFont typeface="Exo"/>
+              <a:buNone/>
+              <a:defRPr sz="3200" b="0" i="0" u="none" strike="noStrike" cap="none">
+                <a:solidFill>
+                  <a:schemeClr val="lt1"/>
+                </a:solidFill>
+                <a:latin typeface="Exo"/>
+                <a:ea typeface="Exo"/>
+                <a:cs typeface="Exo"/>
+                <a:sym typeface="Exo"/>
+              </a:defRPr>
+            </a:lvl6pPr>
+            <a:lvl7pPr marR="0" lvl="6" algn="l" rtl="0">
+              <a:lnSpc>
+                <a:spcPct val="100000"/>
+              </a:lnSpc>
+              <a:spcBef>
+                <a:spcPts val="0"/>
+              </a:spcBef>
+              <a:spcAft>
+                <a:spcPts val="0"/>
+              </a:spcAft>
+              <a:buClr>
+                <a:schemeClr val="lt1"/>
+              </a:buClr>
+              <a:buSzPts val="3200"/>
+              <a:buFont typeface="Exo"/>
+              <a:buNone/>
+              <a:defRPr sz="3200" b="0" i="0" u="none" strike="noStrike" cap="none">
+                <a:solidFill>
+                  <a:schemeClr val="lt1"/>
+                </a:solidFill>
+                <a:latin typeface="Exo"/>
+                <a:ea typeface="Exo"/>
+                <a:cs typeface="Exo"/>
+                <a:sym typeface="Exo"/>
+              </a:defRPr>
+            </a:lvl7pPr>
+            <a:lvl8pPr marR="0" lvl="7" algn="l" rtl="0">
+              <a:lnSpc>
+                <a:spcPct val="100000"/>
+              </a:lnSpc>
+              <a:spcBef>
+                <a:spcPts val="0"/>
+              </a:spcBef>
+              <a:spcAft>
+                <a:spcPts val="0"/>
+              </a:spcAft>
+              <a:buClr>
+                <a:schemeClr val="lt1"/>
+              </a:buClr>
+              <a:buSzPts val="3200"/>
+              <a:buFont typeface="Exo"/>
+              <a:buNone/>
+              <a:defRPr sz="3200" b="0" i="0" u="none" strike="noStrike" cap="none">
+                <a:solidFill>
+                  <a:schemeClr val="lt1"/>
+                </a:solidFill>
+                <a:latin typeface="Exo"/>
+                <a:ea typeface="Exo"/>
+                <a:cs typeface="Exo"/>
+                <a:sym typeface="Exo"/>
+              </a:defRPr>
+            </a:lvl8pPr>
+            <a:lvl9pPr marR="0" lvl="8" algn="l" rtl="0">
+              <a:lnSpc>
+                <a:spcPct val="100000"/>
+              </a:lnSpc>
+              <a:spcBef>
+                <a:spcPts val="0"/>
+              </a:spcBef>
+              <a:spcAft>
+                <a:spcPts val="0"/>
+              </a:spcAft>
+              <a:buClr>
+                <a:schemeClr val="lt1"/>
+              </a:buClr>
+              <a:buSzPts val="3200"/>
+              <a:buFont typeface="Exo"/>
+              <a:buNone/>
+              <a:defRPr sz="3200" b="0" i="0" u="none" strike="noStrike" cap="none">
+                <a:solidFill>
+                  <a:schemeClr val="lt1"/>
+                </a:solidFill>
+                <a:latin typeface="Exo"/>
+                <a:ea typeface="Exo"/>
+                <a:cs typeface="Exo"/>
+                <a:sym typeface="Exo"/>
+              </a:defRPr>
+            </a:lvl9pPr>
+          </a:lstStyle>
+          <a:p>
+            <a:pPr algn="ctr"/>
             <a:r>
-              <a:rPr lang="en-US" sz="1600" b="1" dirty="0">
+              <a:rPr lang="en-US" sz="1800" dirty="0">
                 <a:solidFill>
                   <a:schemeClr val="accent2"/>
                 </a:solidFill>
-                <a:latin typeface="Exo"/>
-                <a:sym typeface="Exo"/>
               </a:rPr>
-              <a:t> and pandas.</a:t>
+              <a:t>Presentation</a:t>
             </a:r>
-          </a:p>
-          <a:p>
-            <a:endParaRPr lang="en-US" b="1" dirty="0">
-              <a:solidFill>
-                <a:schemeClr val="accent2"/>
-              </a:solidFill>
-              <a:latin typeface="Exo"/>
-              <a:sym typeface="Exo"/>
-            </a:endParaRPr>
           </a:p>
         </p:txBody>
       </p:sp>
+      <p:pic>
+        <p:nvPicPr>
+          <p:cNvPr id="3" name="Picture 2">
+            <a:extLst>
+              <a:ext uri="{FF2B5EF4-FFF2-40B4-BE49-F238E27FC236}">
+                <a16:creationId xmlns:a16="http://schemas.microsoft.com/office/drawing/2014/main" id="{053B823B-CCA7-40D0-B70C-EC1BC1A74F38}"/>
+              </a:ext>
+            </a:extLst>
+          </p:cNvPr>
+          <p:cNvPicPr>
+            <a:picLocks noChangeAspect="1"/>
+          </p:cNvPicPr>
+          <p:nvPr/>
+        </p:nvPicPr>
+        <p:blipFill>
+          <a:blip r:embed="rId3"/>
+          <a:stretch>
+            <a:fillRect/>
+          </a:stretch>
+        </p:blipFill>
+        <p:spPr>
+          <a:xfrm>
+            <a:off x="46002" y="2769421"/>
+            <a:ext cx="1761393" cy="1321274"/>
+          </a:xfrm>
+          <a:prstGeom prst="rect">
+            <a:avLst/>
+          </a:prstGeom>
+        </p:spPr>
+      </p:pic>
+      <p:pic>
+        <p:nvPicPr>
+          <p:cNvPr id="5" name="Picture 4">
+            <a:extLst>
+              <a:ext uri="{FF2B5EF4-FFF2-40B4-BE49-F238E27FC236}">
+                <a16:creationId xmlns:a16="http://schemas.microsoft.com/office/drawing/2014/main" id="{E86E92FE-94CA-45FB-9F08-C4A81BBC0BBB}"/>
+              </a:ext>
+            </a:extLst>
+          </p:cNvPr>
+          <p:cNvPicPr>
+            <a:picLocks noChangeAspect="1"/>
+          </p:cNvPicPr>
+          <p:nvPr/>
+        </p:nvPicPr>
+        <p:blipFill>
+          <a:blip r:embed="rId4"/>
+          <a:stretch>
+            <a:fillRect/>
+          </a:stretch>
+        </p:blipFill>
+        <p:spPr>
+          <a:xfrm>
+            <a:off x="1595445" y="2671410"/>
+            <a:ext cx="1517295" cy="1517295"/>
+          </a:xfrm>
+          <a:prstGeom prst="rect">
+            <a:avLst/>
+          </a:prstGeom>
+        </p:spPr>
+      </p:pic>
+      <p:pic>
+        <p:nvPicPr>
+          <p:cNvPr id="9" name="Picture 8">
+            <a:extLst>
+              <a:ext uri="{FF2B5EF4-FFF2-40B4-BE49-F238E27FC236}">
+                <a16:creationId xmlns:a16="http://schemas.microsoft.com/office/drawing/2014/main" id="{1BF42909-927F-4FF0-9159-34201BB220CA}"/>
+              </a:ext>
+            </a:extLst>
+          </p:cNvPr>
+          <p:cNvPicPr>
+            <a:picLocks noChangeAspect="1"/>
+          </p:cNvPicPr>
+          <p:nvPr/>
+        </p:nvPicPr>
+        <p:blipFill>
+          <a:blip r:embed="rId5"/>
+          <a:stretch>
+            <a:fillRect/>
+          </a:stretch>
+        </p:blipFill>
+        <p:spPr>
+          <a:xfrm>
+            <a:off x="2946161" y="2807528"/>
+            <a:ext cx="1990423" cy="1114637"/>
+          </a:xfrm>
+          <a:prstGeom prst="rect">
+            <a:avLst/>
+          </a:prstGeom>
+        </p:spPr>
+      </p:pic>
+      <p:pic>
+        <p:nvPicPr>
+          <p:cNvPr id="13" name="Picture 12">
+            <a:extLst>
+              <a:ext uri="{FF2B5EF4-FFF2-40B4-BE49-F238E27FC236}">
+                <a16:creationId xmlns:a16="http://schemas.microsoft.com/office/drawing/2014/main" id="{7E803B45-5928-4DE1-AE3D-18BED197DB56}"/>
+              </a:ext>
+            </a:extLst>
+          </p:cNvPr>
+          <p:cNvPicPr>
+            <a:picLocks noChangeAspect="1"/>
+          </p:cNvPicPr>
+          <p:nvPr/>
+        </p:nvPicPr>
+        <p:blipFill>
+          <a:blip r:embed="rId6"/>
+          <a:stretch>
+            <a:fillRect/>
+          </a:stretch>
+        </p:blipFill>
+        <p:spPr>
+          <a:xfrm>
+            <a:off x="4787722" y="2769421"/>
+            <a:ext cx="2386739" cy="1340301"/>
+          </a:xfrm>
+          <a:prstGeom prst="rect">
+            <a:avLst/>
+          </a:prstGeom>
+        </p:spPr>
+      </p:pic>
+      <p:pic>
+        <p:nvPicPr>
+          <p:cNvPr id="15" name="Picture 14">
+            <a:extLst>
+              <a:ext uri="{FF2B5EF4-FFF2-40B4-BE49-F238E27FC236}">
+                <a16:creationId xmlns:a16="http://schemas.microsoft.com/office/drawing/2014/main" id="{C0E0CEFC-C2D9-4FD4-807B-D0768C3D37E4}"/>
+              </a:ext>
+            </a:extLst>
+          </p:cNvPr>
+          <p:cNvPicPr>
+            <a:picLocks noChangeAspect="1"/>
+          </p:cNvPicPr>
+          <p:nvPr/>
+        </p:nvPicPr>
+        <p:blipFill>
+          <a:blip r:embed="rId7"/>
+          <a:stretch>
+            <a:fillRect/>
+          </a:stretch>
+        </p:blipFill>
+        <p:spPr>
+          <a:xfrm>
+            <a:off x="6297971" y="2535995"/>
+            <a:ext cx="3036874" cy="1657702"/>
+          </a:xfrm>
+          <a:prstGeom prst="rect">
+            <a:avLst/>
+          </a:prstGeom>
+        </p:spPr>
+      </p:pic>
     </p:spTree>
+    <p:extLst>
+      <p:ext uri="{BB962C8B-B14F-4D97-AF65-F5344CB8AC3E}">
+        <p14:creationId xmlns:p14="http://schemas.microsoft.com/office/powerpoint/2010/main" val="1832466681"/>
+      </p:ext>
+    </p:extLst>
   </p:cSld>
   <p:clrMapOvr>
     <a:masterClrMapping/>
@@ -57880,7 +53634,7 @@
         </p:blipFill>
         <p:spPr>
           <a:xfrm>
-            <a:off x="4871685" y="3128986"/>
+            <a:off x="4992675" y="3092108"/>
             <a:ext cx="1057243" cy="1057243"/>
           </a:xfrm>
           <a:prstGeom prst="rect">
@@ -57917,7 +53671,7 @@
         </p:blipFill>
         <p:spPr bwMode="auto">
           <a:xfrm>
-            <a:off x="4917965" y="1647294"/>
+            <a:off x="5048189" y="1718732"/>
             <a:ext cx="906270" cy="1164280"/>
           </a:xfrm>
           <a:prstGeom prst="rect">
@@ -57937,36 +53691,6 @@
       </p:pic>
       <p:pic>
         <p:nvPicPr>
-          <p:cNvPr id="8" name="Picture 7">
-            <a:extLst>
-              <a:ext uri="{FF2B5EF4-FFF2-40B4-BE49-F238E27FC236}">
-                <a16:creationId xmlns:a16="http://schemas.microsoft.com/office/drawing/2014/main" id="{6C2BE980-D3FB-28C4-896B-B84EC3133C1C}"/>
-              </a:ext>
-            </a:extLst>
-          </p:cNvPr>
-          <p:cNvPicPr>
-            <a:picLocks noChangeAspect="1"/>
-          </p:cNvPicPr>
-          <p:nvPr/>
-        </p:nvPicPr>
-        <p:blipFill>
-          <a:blip r:embed="rId9"/>
-          <a:stretch>
-            <a:fillRect/>
-          </a:stretch>
-        </p:blipFill>
-        <p:spPr>
-          <a:xfrm>
-            <a:off x="6483743" y="1359994"/>
-            <a:ext cx="1682568" cy="1682568"/>
-          </a:xfrm>
-          <a:prstGeom prst="rect">
-            <a:avLst/>
-          </a:prstGeom>
-        </p:spPr>
-      </p:pic>
-      <p:pic>
-        <p:nvPicPr>
           <p:cNvPr id="3090" name="Picture 18" descr="Python Tool Review: Using PyCharm for Python Development - and More |  Caktus Group">
             <a:extLst>
               <a:ext uri="{FF2B5EF4-FFF2-40B4-BE49-F238E27FC236}">
@@ -57980,7 +53704,7 @@
           <p:nvPr/>
         </p:nvPicPr>
         <p:blipFill>
-          <a:blip r:embed="rId10">
+          <a:blip r:embed="rId9">
             <a:extLst>
               <a:ext uri="{28A0092B-C50C-407E-A947-70E740481C1C}">
                 <a14:useLocalDpi xmlns:a14="http://schemas.microsoft.com/office/drawing/2010/main" val="0"/>
@@ -58010,6 +53734,36 @@
               </a14:hiddenFill>
             </a:ext>
           </a:extLst>
+        </p:spPr>
+      </p:pic>
+      <p:pic>
+        <p:nvPicPr>
+          <p:cNvPr id="4" name="Picture 3">
+            <a:extLst>
+              <a:ext uri="{FF2B5EF4-FFF2-40B4-BE49-F238E27FC236}">
+                <a16:creationId xmlns:a16="http://schemas.microsoft.com/office/drawing/2014/main" id="{A9E3A76C-100A-4EBC-A656-4F35DDF97F9C}"/>
+              </a:ext>
+            </a:extLst>
+          </p:cNvPr>
+          <p:cNvPicPr>
+            <a:picLocks noChangeAspect="1"/>
+          </p:cNvPicPr>
+          <p:nvPr/>
+        </p:nvPicPr>
+        <p:blipFill>
+          <a:blip r:embed="rId10"/>
+          <a:stretch>
+            <a:fillRect/>
+          </a:stretch>
+        </p:blipFill>
+        <p:spPr>
+          <a:xfrm>
+            <a:off x="5495767" y="1553807"/>
+            <a:ext cx="3905731" cy="1328963"/>
+          </a:xfrm>
+          <a:prstGeom prst="rect">
+            <a:avLst/>
+          </a:prstGeom>
         </p:spPr>
       </p:pic>
     </p:spTree>
